--- a/botframework-slides.pptx
+++ b/botframework-slides.pptx
@@ -126,6 +126,10 @@
 </p:presentation>
 </file>
 
+<file path=ppt/revisionInfo.xml><?xml version="1.0" encoding="utf-8"?>
+<p1510:revInfo xmlns:a="http://schemas.openxmlformats.org/drawingml/2006/main" xmlns:r="http://schemas.openxmlformats.org/officeDocument/2006/relationships" xmlns:p1510="http://schemas.microsoft.com/office/powerpoint/2015/10/main"/>
+</file>
+
 <file path=ppt/notesMasters/notesMaster1.xml><?xml version="1.0" encoding="utf-8"?>
 <p:notesMaster xmlns:a="http://schemas.openxmlformats.org/drawingml/2006/main" xmlns:r="http://schemas.openxmlformats.org/officeDocument/2006/relationships" xmlns:p="http://schemas.openxmlformats.org/presentationml/2006/main">
   <p:cSld>
@@ -208,7 +212,7 @@
           <a:p>
             <a:fld id="{BCA7A166-FE1B-449E-AFF8-0172DBCC3B1E}" type="datetimeFigureOut">
               <a:rPr lang="de-AT" smtClean="0"/>
-              <a:t>26.09.2017</a:t>
+              <a:t>27.09.2017</a:t>
             </a:fld>
             <a:endParaRPr lang="de-AT"/>
           </a:p>
@@ -753,7 +757,7 @@
             <a:fld id="{2329C36A-F9E6-4843-A135-153B7C5AEBE5}" type="datetimeFigureOut">
               <a:rPr lang="de-AT" smtClean="0"/>
               <a:pPr/>
-              <a:t>26.09.2017</a:t>
+              <a:t>27.09.2017</a:t>
             </a:fld>
             <a:endParaRPr lang="de-AT"/>
           </a:p>
@@ -938,7 +942,7 @@
           <a:p>
             <a:fld id="{2329C36A-F9E6-4843-A135-153B7C5AEBE5}" type="datetimeFigureOut">
               <a:rPr lang="de-AT" smtClean="0"/>
-              <a:t>26.09.2017</a:t>
+              <a:t>27.09.2017</a:t>
             </a:fld>
             <a:endParaRPr lang="de-AT"/>
           </a:p>
@@ -1118,7 +1122,7 @@
           <a:p>
             <a:fld id="{2329C36A-F9E6-4843-A135-153B7C5AEBE5}" type="datetimeFigureOut">
               <a:rPr lang="de-AT" smtClean="0"/>
-              <a:t>26.09.2017</a:t>
+              <a:t>27.09.2017</a:t>
             </a:fld>
             <a:endParaRPr lang="de-AT"/>
           </a:p>
@@ -1288,7 +1292,7 @@
           <a:p>
             <a:fld id="{2329C36A-F9E6-4843-A135-153B7C5AEBE5}" type="datetimeFigureOut">
               <a:rPr lang="de-AT" smtClean="0"/>
-              <a:t>26.09.2017</a:t>
+              <a:t>27.09.2017</a:t>
             </a:fld>
             <a:endParaRPr lang="de-AT"/>
           </a:p>
@@ -1534,7 +1538,7 @@
           <a:p>
             <a:fld id="{2329C36A-F9E6-4843-A135-153B7C5AEBE5}" type="datetimeFigureOut">
               <a:rPr lang="de-AT" smtClean="0"/>
-              <a:t>26.09.2017</a:t>
+              <a:t>27.09.2017</a:t>
             </a:fld>
             <a:endParaRPr lang="de-AT"/>
           </a:p>
@@ -1766,7 +1770,7 @@
           <a:p>
             <a:fld id="{2329C36A-F9E6-4843-A135-153B7C5AEBE5}" type="datetimeFigureOut">
               <a:rPr lang="de-AT" smtClean="0"/>
-              <a:t>26.09.2017</a:t>
+              <a:t>27.09.2017</a:t>
             </a:fld>
             <a:endParaRPr lang="de-AT"/>
           </a:p>
@@ -2133,7 +2137,7 @@
           <a:p>
             <a:fld id="{2329C36A-F9E6-4843-A135-153B7C5AEBE5}" type="datetimeFigureOut">
               <a:rPr lang="de-AT" smtClean="0"/>
-              <a:t>26.09.2017</a:t>
+              <a:t>27.09.2017</a:t>
             </a:fld>
             <a:endParaRPr lang="de-AT"/>
           </a:p>
@@ -2251,7 +2255,7 @@
           <a:p>
             <a:fld id="{2329C36A-F9E6-4843-A135-153B7C5AEBE5}" type="datetimeFigureOut">
               <a:rPr lang="de-AT" smtClean="0"/>
-              <a:t>26.09.2017</a:t>
+              <a:t>27.09.2017</a:t>
             </a:fld>
             <a:endParaRPr lang="de-AT"/>
           </a:p>
@@ -2346,7 +2350,7 @@
           <a:p>
             <a:fld id="{2329C36A-F9E6-4843-A135-153B7C5AEBE5}" type="datetimeFigureOut">
               <a:rPr lang="de-AT" smtClean="0"/>
-              <a:t>26.09.2017</a:t>
+              <a:t>27.09.2017</a:t>
             </a:fld>
             <a:endParaRPr lang="de-AT"/>
           </a:p>
@@ -2623,7 +2627,7 @@
           <a:p>
             <a:fld id="{2329C36A-F9E6-4843-A135-153B7C5AEBE5}" type="datetimeFigureOut">
               <a:rPr lang="de-AT" smtClean="0"/>
-              <a:t>26.09.2017</a:t>
+              <a:t>27.09.2017</a:t>
             </a:fld>
             <a:endParaRPr lang="de-AT"/>
           </a:p>
@@ -2876,7 +2880,7 @@
           <a:p>
             <a:fld id="{2329C36A-F9E6-4843-A135-153B7C5AEBE5}" type="datetimeFigureOut">
               <a:rPr lang="de-AT" smtClean="0"/>
-              <a:t>26.09.2017</a:t>
+              <a:t>27.09.2017</a:t>
             </a:fld>
             <a:endParaRPr lang="de-AT"/>
           </a:p>
@@ -3089,7 +3093,7 @@
           <a:p>
             <a:fld id="{2329C36A-F9E6-4843-A135-153B7C5AEBE5}" type="datetimeFigureOut">
               <a:rPr lang="de-AT" smtClean="0"/>
-              <a:t>26.09.2017</a:t>
+              <a:t>27.09.2017</a:t>
             </a:fld>
             <a:endParaRPr lang="de-AT"/>
           </a:p>
@@ -3745,7 +3749,7 @@
         </p:spPr>
         <p:txBody>
           <a:bodyPr>
-            <a:normAutofit lnSpcReduction="10000"/>
+            <a:normAutofit/>
           </a:bodyPr>
           <a:lstStyle/>
           <a:p>
@@ -3770,12 +3774,6 @@
           </a:p>
           <a:p>
             <a:r>
-              <a:rPr lang="de-DE" dirty="0"/>
-              <a:t>Derzeit nicht auf deutsch verfügbar</a:t>
-            </a:r>
-          </a:p>
-          <a:p>
-            <a:r>
               <a:rPr lang="de-DE" dirty="0" err="1"/>
               <a:t>Machine</a:t>
             </a:r>
@@ -3794,14 +3792,14 @@
             <a:pPr lvl="1"/>
             <a:r>
               <a:rPr lang="de-DE" dirty="0"/>
-              <a:t>100.000 Transaktionen pro Monat kostenlos</a:t>
+              <a:t>10.000 Transaktionen pro Monat kostenlos</a:t>
             </a:r>
           </a:p>
           <a:p>
             <a:pPr lvl="1"/>
             <a:r>
               <a:rPr lang="de-DE" dirty="0"/>
-              <a:t>10 Transaktionen/Sekunde: 0,75 $ pro 1000 Transaktionen</a:t>
+              <a:t>50 Transaktionen/Sekunde: 0,633 € pro 1000 Transaktionen</a:t>
             </a:r>
             <a:endParaRPr lang="de-AT" dirty="0"/>
           </a:p>
@@ -3809,7 +3807,13 @@
       </p:sp>
       <p:pic>
         <p:nvPicPr>
-          <p:cNvPr id="2" name="Grafik 1"/>
+          <p:cNvPr id="3" name="Grafik 2">
+            <a:extLst>
+              <a:ext uri="{FF2B5EF4-FFF2-40B4-BE49-F238E27FC236}">
+                <a16:creationId xmlns:a16="http://schemas.microsoft.com/office/drawing/2014/main" id="{83710459-286C-4168-978C-DA81AEA436E2}"/>
+              </a:ext>
+            </a:extLst>
+          </p:cNvPr>
           <p:cNvPicPr>
             <a:picLocks noChangeAspect="1"/>
           </p:cNvPicPr>
@@ -3823,12 +3827,19 @@
         </p:blipFill>
         <p:spPr>
           <a:xfrm>
-            <a:off x="5930899" y="1825625"/>
-            <a:ext cx="6061075" cy="4080094"/>
+            <a:off x="6096000" y="1825625"/>
+            <a:ext cx="5573789" cy="3208346"/>
           </a:xfrm>
           <a:prstGeom prst="rect">
             <a:avLst/>
           </a:prstGeom>
+          <a:ln>
+            <a:solidFill>
+              <a:schemeClr val="bg1">
+                <a:lumMod val="75000"/>
+              </a:schemeClr>
+            </a:solidFill>
+          </a:ln>
         </p:spPr>
       </p:pic>
     </p:spTree>
@@ -3977,33 +3988,15 @@
                                   </p:childTnLst>
                                 </p:cTn>
                               </p:par>
-                            </p:childTnLst>
-                          </p:cTn>
-                        </p:par>
-                      </p:childTnLst>
-                    </p:cTn>
-                  </p:par>
-                  <p:par>
-                    <p:cTn id="13" fill="hold">
-                      <p:stCondLst>
-                        <p:cond delay="indefinite"/>
-                      </p:stCondLst>
-                      <p:childTnLst>
-                        <p:par>
-                          <p:cTn id="14" fill="hold">
-                            <p:stCondLst>
-                              <p:cond delay="0"/>
-                            </p:stCondLst>
-                            <p:childTnLst>
                               <p:par>
-                                <p:cTn id="15" presetID="10" presetClass="entr" presetSubtype="0" fill="hold" nodeType="clickEffect">
+                                <p:cTn id="13" presetID="10" presetClass="entr" presetSubtype="0" fill="hold" nodeType="withEffect">
                                   <p:stCondLst>
                                     <p:cond delay="0"/>
                                   </p:stCondLst>
                                   <p:childTnLst>
                                     <p:set>
                                       <p:cBhvr>
-                                        <p:cTn id="16" dur="1" fill="hold">
+                                        <p:cTn id="14" dur="1" fill="hold">
                                           <p:stCondLst>
                                             <p:cond delay="0"/>
                                           </p:stCondLst>
@@ -4025,7 +4018,7 @@
                                     </p:set>
                                     <p:animEffect transition="in" filter="fade">
                                       <p:cBhvr>
-                                        <p:cTn id="17" dur="500"/>
+                                        <p:cTn id="15" dur="500"/>
                                         <p:tgtEl>
                                           <p:spTgt spid="5">
                                             <p:txEl>
@@ -4039,14 +4032,14 @@
                                 </p:cTn>
                               </p:par>
                               <p:par>
-                                <p:cTn id="18" presetID="10" presetClass="entr" presetSubtype="0" fill="hold" nodeType="withEffect">
+                                <p:cTn id="16" presetID="10" presetClass="entr" presetSubtype="0" fill="hold" nodeType="withEffect">
                                   <p:stCondLst>
                                     <p:cond delay="0"/>
                                   </p:stCondLst>
                                   <p:childTnLst>
                                     <p:set>
                                       <p:cBhvr>
-                                        <p:cTn id="19" dur="1" fill="hold">
+                                        <p:cTn id="17" dur="1" fill="hold">
                                           <p:stCondLst>
                                             <p:cond delay="0"/>
                                           </p:stCondLst>
@@ -4068,54 +4061,11 @@
                                     </p:set>
                                     <p:animEffect transition="in" filter="fade">
                                       <p:cBhvr>
-                                        <p:cTn id="20" dur="500"/>
+                                        <p:cTn id="18" dur="500"/>
                                         <p:tgtEl>
                                           <p:spTgt spid="5">
                                             <p:txEl>
                                               <p:pRg st="6" end="6"/>
-                                            </p:txEl>
-                                          </p:spTgt>
-                                        </p:tgtEl>
-                                      </p:cBhvr>
-                                    </p:animEffect>
-                                  </p:childTnLst>
-                                </p:cTn>
-                              </p:par>
-                              <p:par>
-                                <p:cTn id="21" presetID="10" presetClass="entr" presetSubtype="0" fill="hold" nodeType="withEffect">
-                                  <p:stCondLst>
-                                    <p:cond delay="0"/>
-                                  </p:stCondLst>
-                                  <p:childTnLst>
-                                    <p:set>
-                                      <p:cBhvr>
-                                        <p:cTn id="22" dur="1" fill="hold">
-                                          <p:stCondLst>
-                                            <p:cond delay="0"/>
-                                          </p:stCondLst>
-                                        </p:cTn>
-                                        <p:tgtEl>
-                                          <p:spTgt spid="5">
-                                            <p:txEl>
-                                              <p:pRg st="7" end="7"/>
-                                            </p:txEl>
-                                          </p:spTgt>
-                                        </p:tgtEl>
-                                        <p:attrNameLst>
-                                          <p:attrName>style.visibility</p:attrName>
-                                        </p:attrNameLst>
-                                      </p:cBhvr>
-                                      <p:to>
-                                        <p:strVal val="visible"/>
-                                      </p:to>
-                                    </p:set>
-                                    <p:animEffect transition="in" filter="fade">
-                                      <p:cBhvr>
-                                        <p:cTn id="23" dur="500"/>
-                                        <p:tgtEl>
-                                          <p:spTgt spid="5">
-                                            <p:txEl>
-                                              <p:pRg st="7" end="7"/>
                                             </p:txEl>
                                           </p:spTgt>
                                         </p:tgtEl>

--- a/botframework-slides.pptx
+++ b/botframework-slides.pptx
@@ -5,21 +5,22 @@
     <p:sldMasterId id="2147483648" r:id="rId1"/>
   </p:sldMasterIdLst>
   <p:notesMasterIdLst>
-    <p:notesMasterId r:id="rId14"/>
+    <p:notesMasterId r:id="rId15"/>
   </p:notesMasterIdLst>
   <p:sldIdLst>
     <p:sldId id="310" r:id="rId2"/>
-    <p:sldId id="331" r:id="rId3"/>
-    <p:sldId id="320" r:id="rId4"/>
-    <p:sldId id="332" r:id="rId5"/>
-    <p:sldId id="322" r:id="rId6"/>
-    <p:sldId id="325" r:id="rId7"/>
-    <p:sldId id="333" r:id="rId8"/>
-    <p:sldId id="327" r:id="rId9"/>
-    <p:sldId id="329" r:id="rId10"/>
-    <p:sldId id="330" r:id="rId11"/>
-    <p:sldId id="334" r:id="rId12"/>
-    <p:sldId id="335" r:id="rId13"/>
+    <p:sldId id="336" r:id="rId3"/>
+    <p:sldId id="331" r:id="rId4"/>
+    <p:sldId id="320" r:id="rId5"/>
+    <p:sldId id="332" r:id="rId6"/>
+    <p:sldId id="322" r:id="rId7"/>
+    <p:sldId id="325" r:id="rId8"/>
+    <p:sldId id="333" r:id="rId9"/>
+    <p:sldId id="327" r:id="rId10"/>
+    <p:sldId id="329" r:id="rId11"/>
+    <p:sldId id="330" r:id="rId12"/>
+    <p:sldId id="334" r:id="rId13"/>
+    <p:sldId id="335" r:id="rId14"/>
   </p:sldIdLst>
   <p:sldSz cx="12192000" cy="6858000"/>
   <p:notesSz cx="6858000" cy="9144000"/>
@@ -545,7 +546,7 @@
           <a:p>
             <a:fld id="{C4A34E99-4F58-4F1E-8AC2-6B2524EDB88C}" type="slidenum">
               <a:rPr lang="de-AT" smtClean="0"/>
-              <a:t>3</a:t>
+              <a:t>4</a:t>
             </a:fld>
             <a:endParaRPr lang="de-AT"/>
           </a:p>
@@ -3683,3901 +3684,6 @@
 </file>
 
 <file path=ppt/slides/slide10.xml><?xml version="1.0" encoding="utf-8"?>
-<p:sld xmlns:a="http://schemas.openxmlformats.org/drawingml/2006/main" xmlns:r="http://schemas.openxmlformats.org/officeDocument/2006/relationships" xmlns:p="http://schemas.openxmlformats.org/presentationml/2006/main">
-  <p:cSld>
-    <p:spTree>
-      <p:nvGrpSpPr>
-        <p:cNvPr id="1" name=""/>
-        <p:cNvGrpSpPr/>
-        <p:nvPr/>
-      </p:nvGrpSpPr>
-      <p:grpSpPr>
-        <a:xfrm>
-          <a:off x="0" y="0"/>
-          <a:ext cx="0" cy="0"/>
-          <a:chOff x="0" y="0"/>
-          <a:chExt cx="0" cy="0"/>
-        </a:xfrm>
-      </p:grpSpPr>
-      <p:sp>
-        <p:nvSpPr>
-          <p:cNvPr id="4" name="Titel 3"/>
-          <p:cNvSpPr>
-            <a:spLocks noGrp="1"/>
-          </p:cNvSpPr>
-          <p:nvPr>
-            <p:ph type="title"/>
-          </p:nvPr>
-        </p:nvSpPr>
-        <p:spPr/>
-        <p:txBody>
-          <a:bodyPr>
-            <a:normAutofit/>
-          </a:bodyPr>
-          <a:lstStyle/>
-          <a:p>
-            <a:r>
-              <a:rPr lang="de-AT" dirty="0"/>
-              <a:t>LUIS</a:t>
-            </a:r>
-            <a:br>
-              <a:rPr lang="de-AT" dirty="0"/>
-            </a:br>
-            <a:r>
-              <a:rPr lang="de-AT" sz="3200" dirty="0"/>
-              <a:t>(Language Understanding Intelligent Service)</a:t>
-            </a:r>
-            <a:endParaRPr lang="de-AT" dirty="0"/>
-          </a:p>
-        </p:txBody>
-      </p:sp>
-      <p:sp>
-        <p:nvSpPr>
-          <p:cNvPr id="5" name="Inhaltsplatzhalter 4"/>
-          <p:cNvSpPr>
-            <a:spLocks noGrp="1"/>
-          </p:cNvSpPr>
-          <p:nvPr>
-            <p:ph idx="1"/>
-          </p:nvPr>
-        </p:nvSpPr>
-        <p:spPr>
-          <a:xfrm>
-            <a:off x="838200" y="1825625"/>
-            <a:ext cx="4838700" cy="4351338"/>
-          </a:xfrm>
-        </p:spPr>
-        <p:txBody>
-          <a:bodyPr>
-            <a:normAutofit/>
-          </a:bodyPr>
-          <a:lstStyle/>
-          <a:p>
-            <a:r>
-              <a:rPr lang="de-DE" dirty="0"/>
-              <a:t>Sprache verstehen</a:t>
-            </a:r>
-          </a:p>
-          <a:p>
-            <a:pPr lvl="1"/>
-            <a:r>
-              <a:rPr lang="de-DE" dirty="0"/>
-              <a:t>Welche Aktion?</a:t>
-            </a:r>
-          </a:p>
-          <a:p>
-            <a:pPr lvl="1"/>
-            <a:r>
-              <a:rPr lang="de-DE" dirty="0"/>
-              <a:t>Welche Daten?</a:t>
-            </a:r>
-          </a:p>
-          <a:p>
-            <a:r>
-              <a:rPr lang="de-DE" dirty="0" err="1"/>
-              <a:t>Machine</a:t>
-            </a:r>
-            <a:r>
-              <a:rPr lang="de-DE" dirty="0"/>
-              <a:t> Learning</a:t>
-            </a:r>
-          </a:p>
-          <a:p>
-            <a:r>
-              <a:rPr lang="de-DE" dirty="0"/>
-              <a:t>Kosten</a:t>
-            </a:r>
-          </a:p>
-          <a:p>
-            <a:pPr lvl="1"/>
-            <a:r>
-              <a:rPr lang="de-DE" dirty="0"/>
-              <a:t>10.000 Transaktionen pro Monat kostenlos</a:t>
-            </a:r>
-          </a:p>
-          <a:p>
-            <a:pPr lvl="1"/>
-            <a:r>
-              <a:rPr lang="de-DE" dirty="0"/>
-              <a:t>50 Transaktionen/Sekunde: 0,633 € pro 1000 Transaktionen</a:t>
-            </a:r>
-            <a:endParaRPr lang="de-AT" dirty="0"/>
-          </a:p>
-        </p:txBody>
-      </p:sp>
-      <p:pic>
-        <p:nvPicPr>
-          <p:cNvPr id="3" name="Grafik 2">
-            <a:extLst>
-              <a:ext uri="{FF2B5EF4-FFF2-40B4-BE49-F238E27FC236}">
-                <a16:creationId xmlns:a16="http://schemas.microsoft.com/office/drawing/2014/main" id="{83710459-286C-4168-978C-DA81AEA436E2}"/>
-              </a:ext>
-            </a:extLst>
-          </p:cNvPr>
-          <p:cNvPicPr>
-            <a:picLocks noChangeAspect="1"/>
-          </p:cNvPicPr>
-          <p:nvPr/>
-        </p:nvPicPr>
-        <p:blipFill>
-          <a:blip r:embed="rId2"/>
-          <a:stretch>
-            <a:fillRect/>
-          </a:stretch>
-        </p:blipFill>
-        <p:spPr>
-          <a:xfrm>
-            <a:off x="6096000" y="1825625"/>
-            <a:ext cx="5573789" cy="3208346"/>
-          </a:xfrm>
-          <a:prstGeom prst="rect">
-            <a:avLst/>
-          </a:prstGeom>
-          <a:ln>
-            <a:solidFill>
-              <a:schemeClr val="bg1">
-                <a:lumMod val="75000"/>
-              </a:schemeClr>
-            </a:solidFill>
-          </a:ln>
-        </p:spPr>
-      </p:pic>
-    </p:spTree>
-    <p:extLst>
-      <p:ext uri="{BB962C8B-B14F-4D97-AF65-F5344CB8AC3E}">
-        <p14:creationId xmlns:p14="http://schemas.microsoft.com/office/powerpoint/2010/main" val="4105793681"/>
-      </p:ext>
-    </p:extLst>
-  </p:cSld>
-  <p:clrMapOvr>
-    <a:masterClrMapping/>
-  </p:clrMapOvr>
-  <mc:AlternateContent xmlns:mc="http://schemas.openxmlformats.org/markup-compatibility/2006" xmlns:p14="http://schemas.microsoft.com/office/powerpoint/2010/main">
-    <mc:Choice Requires="p14">
-      <p:transition spd="med" p14:dur="700">
-        <p:fade/>
-      </p:transition>
-    </mc:Choice>
-    <mc:Fallback xmlns="">
-      <p:transition spd="med">
-        <p:fade/>
-      </p:transition>
-    </mc:Fallback>
-  </mc:AlternateContent>
-  <p:timing>
-    <p:tnLst>
-      <p:par>
-        <p:cTn id="1" dur="indefinite" restart="never" nodeType="tmRoot">
-          <p:childTnLst>
-            <p:seq concurrent="1" nextAc="seek">
-              <p:cTn id="2" dur="indefinite" nodeType="mainSeq">
-                <p:childTnLst>
-                  <p:par>
-                    <p:cTn id="3" fill="hold">
-                      <p:stCondLst>
-                        <p:cond delay="indefinite"/>
-                      </p:stCondLst>
-                      <p:childTnLst>
-                        <p:par>
-                          <p:cTn id="4" fill="hold">
-                            <p:stCondLst>
-                              <p:cond delay="0"/>
-                            </p:stCondLst>
-                            <p:childTnLst>
-                              <p:par>
-                                <p:cTn id="5" presetID="10" presetClass="entr" presetSubtype="0" fill="hold" nodeType="clickEffect">
-                                  <p:stCondLst>
-                                    <p:cond delay="0"/>
-                                  </p:stCondLst>
-                                  <p:childTnLst>
-                                    <p:set>
-                                      <p:cBhvr>
-                                        <p:cTn id="6" dur="1" fill="hold">
-                                          <p:stCondLst>
-                                            <p:cond delay="0"/>
-                                          </p:stCondLst>
-                                        </p:cTn>
-                                        <p:tgtEl>
-                                          <p:spTgt spid="5">
-                                            <p:txEl>
-                                              <p:pRg st="3" end="3"/>
-                                            </p:txEl>
-                                          </p:spTgt>
-                                        </p:tgtEl>
-                                        <p:attrNameLst>
-                                          <p:attrName>style.visibility</p:attrName>
-                                        </p:attrNameLst>
-                                      </p:cBhvr>
-                                      <p:to>
-                                        <p:strVal val="visible"/>
-                                      </p:to>
-                                    </p:set>
-                                    <p:animEffect transition="in" filter="fade">
-                                      <p:cBhvr>
-                                        <p:cTn id="7" dur="500"/>
-                                        <p:tgtEl>
-                                          <p:spTgt spid="5">
-                                            <p:txEl>
-                                              <p:pRg st="3" end="3"/>
-                                            </p:txEl>
-                                          </p:spTgt>
-                                        </p:tgtEl>
-                                      </p:cBhvr>
-                                    </p:animEffect>
-                                  </p:childTnLst>
-                                </p:cTn>
-                              </p:par>
-                            </p:childTnLst>
-                          </p:cTn>
-                        </p:par>
-                      </p:childTnLst>
-                    </p:cTn>
-                  </p:par>
-                  <p:par>
-                    <p:cTn id="8" fill="hold">
-                      <p:stCondLst>
-                        <p:cond delay="indefinite"/>
-                      </p:stCondLst>
-                      <p:childTnLst>
-                        <p:par>
-                          <p:cTn id="9" fill="hold">
-                            <p:stCondLst>
-                              <p:cond delay="0"/>
-                            </p:stCondLst>
-                            <p:childTnLst>
-                              <p:par>
-                                <p:cTn id="10" presetID="10" presetClass="entr" presetSubtype="0" fill="hold" nodeType="clickEffect">
-                                  <p:stCondLst>
-                                    <p:cond delay="0"/>
-                                  </p:stCondLst>
-                                  <p:childTnLst>
-                                    <p:set>
-                                      <p:cBhvr>
-                                        <p:cTn id="11" dur="1" fill="hold">
-                                          <p:stCondLst>
-                                            <p:cond delay="0"/>
-                                          </p:stCondLst>
-                                        </p:cTn>
-                                        <p:tgtEl>
-                                          <p:spTgt spid="5">
-                                            <p:txEl>
-                                              <p:pRg st="4" end="4"/>
-                                            </p:txEl>
-                                          </p:spTgt>
-                                        </p:tgtEl>
-                                        <p:attrNameLst>
-                                          <p:attrName>style.visibility</p:attrName>
-                                        </p:attrNameLst>
-                                      </p:cBhvr>
-                                      <p:to>
-                                        <p:strVal val="visible"/>
-                                      </p:to>
-                                    </p:set>
-                                    <p:animEffect transition="in" filter="fade">
-                                      <p:cBhvr>
-                                        <p:cTn id="12" dur="500"/>
-                                        <p:tgtEl>
-                                          <p:spTgt spid="5">
-                                            <p:txEl>
-                                              <p:pRg st="4" end="4"/>
-                                            </p:txEl>
-                                          </p:spTgt>
-                                        </p:tgtEl>
-                                      </p:cBhvr>
-                                    </p:animEffect>
-                                  </p:childTnLst>
-                                </p:cTn>
-                              </p:par>
-                              <p:par>
-                                <p:cTn id="13" presetID="10" presetClass="entr" presetSubtype="0" fill="hold" nodeType="withEffect">
-                                  <p:stCondLst>
-                                    <p:cond delay="0"/>
-                                  </p:stCondLst>
-                                  <p:childTnLst>
-                                    <p:set>
-                                      <p:cBhvr>
-                                        <p:cTn id="14" dur="1" fill="hold">
-                                          <p:stCondLst>
-                                            <p:cond delay="0"/>
-                                          </p:stCondLst>
-                                        </p:cTn>
-                                        <p:tgtEl>
-                                          <p:spTgt spid="5">
-                                            <p:txEl>
-                                              <p:pRg st="5" end="5"/>
-                                            </p:txEl>
-                                          </p:spTgt>
-                                        </p:tgtEl>
-                                        <p:attrNameLst>
-                                          <p:attrName>style.visibility</p:attrName>
-                                        </p:attrNameLst>
-                                      </p:cBhvr>
-                                      <p:to>
-                                        <p:strVal val="visible"/>
-                                      </p:to>
-                                    </p:set>
-                                    <p:animEffect transition="in" filter="fade">
-                                      <p:cBhvr>
-                                        <p:cTn id="15" dur="500"/>
-                                        <p:tgtEl>
-                                          <p:spTgt spid="5">
-                                            <p:txEl>
-                                              <p:pRg st="5" end="5"/>
-                                            </p:txEl>
-                                          </p:spTgt>
-                                        </p:tgtEl>
-                                      </p:cBhvr>
-                                    </p:animEffect>
-                                  </p:childTnLst>
-                                </p:cTn>
-                              </p:par>
-                              <p:par>
-                                <p:cTn id="16" presetID="10" presetClass="entr" presetSubtype="0" fill="hold" nodeType="withEffect">
-                                  <p:stCondLst>
-                                    <p:cond delay="0"/>
-                                  </p:stCondLst>
-                                  <p:childTnLst>
-                                    <p:set>
-                                      <p:cBhvr>
-                                        <p:cTn id="17" dur="1" fill="hold">
-                                          <p:stCondLst>
-                                            <p:cond delay="0"/>
-                                          </p:stCondLst>
-                                        </p:cTn>
-                                        <p:tgtEl>
-                                          <p:spTgt spid="5">
-                                            <p:txEl>
-                                              <p:pRg st="6" end="6"/>
-                                            </p:txEl>
-                                          </p:spTgt>
-                                        </p:tgtEl>
-                                        <p:attrNameLst>
-                                          <p:attrName>style.visibility</p:attrName>
-                                        </p:attrNameLst>
-                                      </p:cBhvr>
-                                      <p:to>
-                                        <p:strVal val="visible"/>
-                                      </p:to>
-                                    </p:set>
-                                    <p:animEffect transition="in" filter="fade">
-                                      <p:cBhvr>
-                                        <p:cTn id="18" dur="500"/>
-                                        <p:tgtEl>
-                                          <p:spTgt spid="5">
-                                            <p:txEl>
-                                              <p:pRg st="6" end="6"/>
-                                            </p:txEl>
-                                          </p:spTgt>
-                                        </p:tgtEl>
-                                      </p:cBhvr>
-                                    </p:animEffect>
-                                  </p:childTnLst>
-                                </p:cTn>
-                              </p:par>
-                            </p:childTnLst>
-                          </p:cTn>
-                        </p:par>
-                      </p:childTnLst>
-                    </p:cTn>
-                  </p:par>
-                </p:childTnLst>
-              </p:cTn>
-              <p:prevCondLst>
-                <p:cond evt="onPrev" delay="0">
-                  <p:tgtEl>
-                    <p:sldTgt/>
-                  </p:tgtEl>
-                </p:cond>
-              </p:prevCondLst>
-              <p:nextCondLst>
-                <p:cond evt="onNext" delay="0">
-                  <p:tgtEl>
-                    <p:sldTgt/>
-                  </p:tgtEl>
-                </p:cond>
-              </p:nextCondLst>
-            </p:seq>
-          </p:childTnLst>
-        </p:cTn>
-      </p:par>
-    </p:tnLst>
-  </p:timing>
-</p:sld>
-</file>
-
-<file path=ppt/slides/slide11.xml><?xml version="1.0" encoding="utf-8"?>
-<p:sld xmlns:a="http://schemas.openxmlformats.org/drawingml/2006/main" xmlns:r="http://schemas.openxmlformats.org/officeDocument/2006/relationships" xmlns:p="http://schemas.openxmlformats.org/presentationml/2006/main">
-  <p:cSld>
-    <p:spTree>
-      <p:nvGrpSpPr>
-        <p:cNvPr id="1" name=""/>
-        <p:cNvGrpSpPr/>
-        <p:nvPr/>
-      </p:nvGrpSpPr>
-      <p:grpSpPr>
-        <a:xfrm>
-          <a:off x="0" y="0"/>
-          <a:ext cx="0" cy="0"/>
-          <a:chOff x="0" y="0"/>
-          <a:chExt cx="0" cy="0"/>
-        </a:xfrm>
-      </p:grpSpPr>
-      <p:sp>
-        <p:nvSpPr>
-          <p:cNvPr id="2" name="Titel 1">
-            <a:extLst>
-              <a:ext uri="{FF2B5EF4-FFF2-40B4-BE49-F238E27FC236}">
-                <a16:creationId xmlns:a16="http://schemas.microsoft.com/office/drawing/2014/main" id="{EF8C42CF-D2FD-4419-BAFD-0D31AF2B9F35}"/>
-              </a:ext>
-            </a:extLst>
-          </p:cNvPr>
-          <p:cNvSpPr>
-            <a:spLocks noGrp="1"/>
-          </p:cNvSpPr>
-          <p:nvPr>
-            <p:ph type="title"/>
-          </p:nvPr>
-        </p:nvSpPr>
-        <p:spPr/>
-        <p:txBody>
-          <a:bodyPr/>
-          <a:lstStyle/>
-          <a:p>
-            <a:r>
-              <a:rPr lang="de-DE" dirty="0"/>
-              <a:t>Cortana Skills</a:t>
-            </a:r>
-          </a:p>
-        </p:txBody>
-      </p:sp>
-      <p:sp>
-        <p:nvSpPr>
-          <p:cNvPr id="3" name="Inhaltsplatzhalter 2">
-            <a:extLst>
-              <a:ext uri="{FF2B5EF4-FFF2-40B4-BE49-F238E27FC236}">
-                <a16:creationId xmlns:a16="http://schemas.microsoft.com/office/drawing/2014/main" id="{FEFD182B-5849-4BBD-855F-F3838387DE2C}"/>
-              </a:ext>
-            </a:extLst>
-          </p:cNvPr>
-          <p:cNvSpPr>
-            <a:spLocks noGrp="1"/>
-          </p:cNvSpPr>
-          <p:nvPr>
-            <p:ph idx="1"/>
-          </p:nvPr>
-        </p:nvSpPr>
-        <p:spPr/>
-        <p:txBody>
-          <a:bodyPr/>
-          <a:lstStyle/>
-          <a:p>
-            <a:r>
-              <a:rPr lang="de-DE" dirty="0"/>
-              <a:t>Bisherige Möglichkeiten in UWP</a:t>
-            </a:r>
-          </a:p>
-          <a:p>
-            <a:pPr lvl="1"/>
-            <a:r>
-              <a:rPr lang="de-DE" dirty="0" err="1"/>
-              <a:t>Foreground</a:t>
-            </a:r>
-            <a:r>
-              <a:rPr lang="de-DE" dirty="0"/>
-              <a:t> (Start der App)</a:t>
-            </a:r>
-          </a:p>
-          <a:p>
-            <a:pPr lvl="1"/>
-            <a:r>
-              <a:rPr lang="de-DE" dirty="0"/>
-              <a:t>Background (Kommunikation über Cortana)</a:t>
-            </a:r>
-          </a:p>
-          <a:p>
-            <a:r>
-              <a:rPr lang="de-DE" dirty="0"/>
-              <a:t>Neu: Cortana Skills</a:t>
-            </a:r>
-          </a:p>
-          <a:p>
-            <a:pPr lvl="1"/>
-            <a:r>
-              <a:rPr lang="de-DE" dirty="0"/>
-              <a:t>Cortana-Integration von Bots</a:t>
-            </a:r>
-          </a:p>
-          <a:p>
-            <a:pPr lvl="1"/>
-            <a:r>
-              <a:rPr lang="de-DE" dirty="0"/>
-              <a:t>Zugriff auf das Cortana-Profil möglich</a:t>
-            </a:r>
-          </a:p>
-          <a:p>
-            <a:pPr lvl="1"/>
-            <a:r>
-              <a:rPr lang="de-DE" dirty="0"/>
-              <a:t>Derzeit beschränkt auf EN-US</a:t>
-            </a:r>
-          </a:p>
-          <a:p>
-            <a:pPr lvl="1"/>
-            <a:r>
-              <a:rPr lang="de-DE" dirty="0">
-                <a:hlinkClick r:id="rId2"/>
-              </a:rPr>
-              <a:t>https://www.microsoft.com/en-us/windows/cortana/cortana-skills/</a:t>
-            </a:r>
-            <a:r>
-              <a:rPr lang="de-DE" dirty="0"/>
-              <a:t> </a:t>
-            </a:r>
-          </a:p>
-        </p:txBody>
-      </p:sp>
-      <p:grpSp>
-        <p:nvGrpSpPr>
-          <p:cNvPr id="4" name="Gruppieren 3">
-            <a:extLst>
-              <a:ext uri="{FF2B5EF4-FFF2-40B4-BE49-F238E27FC236}">
-                <a16:creationId xmlns:a16="http://schemas.microsoft.com/office/drawing/2014/main" id="{352C6C53-9B53-46BF-84D8-515D6ECF2509}"/>
-              </a:ext>
-            </a:extLst>
-          </p:cNvPr>
-          <p:cNvGrpSpPr/>
-          <p:nvPr/>
-        </p:nvGrpSpPr>
-        <p:grpSpPr>
-          <a:xfrm>
-            <a:off x="7455627" y="-1180464"/>
-            <a:ext cx="5588000" cy="5588000"/>
-            <a:chOff x="3114675" y="1466850"/>
-            <a:chExt cx="4886325" cy="4886325"/>
-          </a:xfrm>
-        </p:grpSpPr>
-        <p:sp>
-          <p:nvSpPr>
-            <p:cNvPr id="5" name="Ellipse 4">
-              <a:extLst>
-                <a:ext uri="{FF2B5EF4-FFF2-40B4-BE49-F238E27FC236}">
-                  <a16:creationId xmlns:a16="http://schemas.microsoft.com/office/drawing/2014/main" id="{3B14CD9C-A26D-4DF7-9CBA-EB9CEF3DECD8}"/>
-                </a:ext>
-              </a:extLst>
-            </p:cNvPr>
-            <p:cNvSpPr/>
-            <p:nvPr/>
-          </p:nvSpPr>
-          <p:spPr>
-            <a:xfrm>
-              <a:off x="3114675" y="1466850"/>
-              <a:ext cx="4886325" cy="4886325"/>
-            </a:xfrm>
-            <a:prstGeom prst="ellipse">
-              <a:avLst/>
-            </a:prstGeom>
-            <a:solidFill>
-              <a:srgbClr val="9ADAF6"/>
-            </a:solidFill>
-            <a:ln>
-              <a:noFill/>
-            </a:ln>
-          </p:spPr>
-          <p:style>
-            <a:lnRef idx="2">
-              <a:schemeClr val="accent1">
-                <a:shade val="50000"/>
-              </a:schemeClr>
-            </a:lnRef>
-            <a:fillRef idx="1">
-              <a:schemeClr val="accent1"/>
-            </a:fillRef>
-            <a:effectRef idx="0">
-              <a:schemeClr val="accent1"/>
-            </a:effectRef>
-            <a:fontRef idx="minor">
-              <a:schemeClr val="lt1"/>
-            </a:fontRef>
-          </p:style>
-          <p:txBody>
-            <a:bodyPr rtlCol="0" anchor="ctr"/>
-            <a:lstStyle/>
-            <a:p>
-              <a:pPr algn="ctr"/>
-              <a:endParaRPr lang="de-AT"/>
-            </a:p>
-          </p:txBody>
-        </p:sp>
-        <p:sp>
-          <p:nvSpPr>
-            <p:cNvPr id="6" name="Ellipse 5">
-              <a:extLst>
-                <a:ext uri="{FF2B5EF4-FFF2-40B4-BE49-F238E27FC236}">
-                  <a16:creationId xmlns:a16="http://schemas.microsoft.com/office/drawing/2014/main" id="{6860BEA9-FE15-4726-A56B-4A56FE52D939}"/>
-                </a:ext>
-              </a:extLst>
-            </p:cNvPr>
-            <p:cNvSpPr/>
-            <p:nvPr/>
-          </p:nvSpPr>
-          <p:spPr>
-            <a:xfrm>
-              <a:off x="3567112" y="1919287"/>
-              <a:ext cx="3981450" cy="3981450"/>
-            </a:xfrm>
-            <a:prstGeom prst="ellipse">
-              <a:avLst/>
-            </a:prstGeom>
-            <a:solidFill>
-              <a:srgbClr val="1C9FE7"/>
-            </a:solidFill>
-            <a:ln>
-              <a:noFill/>
-            </a:ln>
-          </p:spPr>
-          <p:style>
-            <a:lnRef idx="2">
-              <a:schemeClr val="accent1">
-                <a:shade val="50000"/>
-              </a:schemeClr>
-            </a:lnRef>
-            <a:fillRef idx="1">
-              <a:schemeClr val="accent1"/>
-            </a:fillRef>
-            <a:effectRef idx="0">
-              <a:schemeClr val="accent1"/>
-            </a:effectRef>
-            <a:fontRef idx="minor">
-              <a:schemeClr val="lt1"/>
-            </a:fontRef>
-          </p:style>
-          <p:txBody>
-            <a:bodyPr rtlCol="0" anchor="ctr"/>
-            <a:lstStyle/>
-            <a:p>
-              <a:pPr algn="ctr"/>
-              <a:endParaRPr lang="de-AT"/>
-            </a:p>
-          </p:txBody>
-        </p:sp>
-        <p:sp>
-          <p:nvSpPr>
-            <p:cNvPr id="7" name="Ellipse 6">
-              <a:extLst>
-                <a:ext uri="{FF2B5EF4-FFF2-40B4-BE49-F238E27FC236}">
-                  <a16:creationId xmlns:a16="http://schemas.microsoft.com/office/drawing/2014/main" id="{3F604523-7585-4312-820B-B48BB20D8E39}"/>
-                </a:ext>
-              </a:extLst>
-            </p:cNvPr>
-            <p:cNvSpPr/>
-            <p:nvPr/>
-          </p:nvSpPr>
-          <p:spPr>
-            <a:xfrm>
-              <a:off x="3950493" y="2302668"/>
-              <a:ext cx="3214688" cy="3214688"/>
-            </a:xfrm>
-            <a:prstGeom prst="ellipse">
-              <a:avLst/>
-            </a:prstGeom>
-            <a:solidFill>
-              <a:schemeClr val="bg1"/>
-            </a:solidFill>
-            <a:ln>
-              <a:noFill/>
-            </a:ln>
-          </p:spPr>
-          <p:style>
-            <a:lnRef idx="2">
-              <a:schemeClr val="accent1">
-                <a:shade val="50000"/>
-              </a:schemeClr>
-            </a:lnRef>
-            <a:fillRef idx="1">
-              <a:schemeClr val="accent1"/>
-            </a:fillRef>
-            <a:effectRef idx="0">
-              <a:schemeClr val="accent1"/>
-            </a:effectRef>
-            <a:fontRef idx="minor">
-              <a:schemeClr val="lt1"/>
-            </a:fontRef>
-          </p:style>
-          <p:txBody>
-            <a:bodyPr rtlCol="0" anchor="ctr"/>
-            <a:lstStyle/>
-            <a:p>
-              <a:pPr algn="ctr"/>
-              <a:endParaRPr lang="de-AT"/>
-            </a:p>
-          </p:txBody>
-        </p:sp>
-      </p:grpSp>
-    </p:spTree>
-    <p:extLst>
-      <p:ext uri="{BB962C8B-B14F-4D97-AF65-F5344CB8AC3E}">
-        <p14:creationId xmlns:p14="http://schemas.microsoft.com/office/powerpoint/2010/main" val="1017461564"/>
-      </p:ext>
-    </p:extLst>
-  </p:cSld>
-  <p:clrMapOvr>
-    <a:masterClrMapping/>
-  </p:clrMapOvr>
-  <mc:AlternateContent xmlns:mc="http://schemas.openxmlformats.org/markup-compatibility/2006" xmlns:p14="http://schemas.microsoft.com/office/powerpoint/2010/main">
-    <mc:Choice Requires="p14">
-      <p:transition spd="med" p14:dur="700">
-        <p:fade/>
-      </p:transition>
-    </mc:Choice>
-    <mc:Fallback xmlns="">
-      <p:transition spd="med">
-        <p:fade/>
-      </p:transition>
-    </mc:Fallback>
-  </mc:AlternateContent>
-  <p:timing>
-    <p:tnLst>
-      <p:par>
-        <p:cTn id="1" dur="indefinite" restart="never" nodeType="tmRoot">
-          <p:childTnLst>
-            <p:seq concurrent="1" nextAc="seek">
-              <p:cTn id="2" dur="indefinite" nodeType="mainSeq">
-                <p:childTnLst>
-                  <p:par>
-                    <p:cTn id="3" fill="hold">
-                      <p:stCondLst>
-                        <p:cond delay="indefinite"/>
-                        <p:cond evt="onBegin" delay="0">
-                          <p:tn val="2"/>
-                        </p:cond>
-                      </p:stCondLst>
-                      <p:childTnLst>
-                        <p:par>
-                          <p:cTn id="4" fill="hold">
-                            <p:stCondLst>
-                              <p:cond delay="0"/>
-                            </p:stCondLst>
-                            <p:childTnLst>
-                              <p:par>
-                                <p:cTn id="5" presetID="10" presetClass="entr" presetSubtype="0" fill="hold" nodeType="afterEffect">
-                                  <p:stCondLst>
-                                    <p:cond delay="0"/>
-                                  </p:stCondLst>
-                                  <p:childTnLst>
-                                    <p:set>
-                                      <p:cBhvr>
-                                        <p:cTn id="6" dur="1" fill="hold">
-                                          <p:stCondLst>
-                                            <p:cond delay="0"/>
-                                          </p:stCondLst>
-                                        </p:cTn>
-                                        <p:tgtEl>
-                                          <p:spTgt spid="3">
-                                            <p:txEl>
-                                              <p:pRg st="0" end="0"/>
-                                            </p:txEl>
-                                          </p:spTgt>
-                                        </p:tgtEl>
-                                        <p:attrNameLst>
-                                          <p:attrName>style.visibility</p:attrName>
-                                        </p:attrNameLst>
-                                      </p:cBhvr>
-                                      <p:to>
-                                        <p:strVal val="visible"/>
-                                      </p:to>
-                                    </p:set>
-                                    <p:animEffect transition="in" filter="fade">
-                                      <p:cBhvr>
-                                        <p:cTn id="7" dur="500"/>
-                                        <p:tgtEl>
-                                          <p:spTgt spid="3">
-                                            <p:txEl>
-                                              <p:pRg st="0" end="0"/>
-                                            </p:txEl>
-                                          </p:spTgt>
-                                        </p:tgtEl>
-                                      </p:cBhvr>
-                                    </p:animEffect>
-                                  </p:childTnLst>
-                                </p:cTn>
-                              </p:par>
-                              <p:par>
-                                <p:cTn id="8" presetID="10" presetClass="entr" presetSubtype="0" fill="hold" nodeType="withEffect">
-                                  <p:stCondLst>
-                                    <p:cond delay="0"/>
-                                  </p:stCondLst>
-                                  <p:childTnLst>
-                                    <p:set>
-                                      <p:cBhvr>
-                                        <p:cTn id="9" dur="1" fill="hold">
-                                          <p:stCondLst>
-                                            <p:cond delay="0"/>
-                                          </p:stCondLst>
-                                        </p:cTn>
-                                        <p:tgtEl>
-                                          <p:spTgt spid="3">
-                                            <p:txEl>
-                                              <p:pRg st="1" end="1"/>
-                                            </p:txEl>
-                                          </p:spTgt>
-                                        </p:tgtEl>
-                                        <p:attrNameLst>
-                                          <p:attrName>style.visibility</p:attrName>
-                                        </p:attrNameLst>
-                                      </p:cBhvr>
-                                      <p:to>
-                                        <p:strVal val="visible"/>
-                                      </p:to>
-                                    </p:set>
-                                    <p:animEffect transition="in" filter="fade">
-                                      <p:cBhvr>
-                                        <p:cTn id="10" dur="500"/>
-                                        <p:tgtEl>
-                                          <p:spTgt spid="3">
-                                            <p:txEl>
-                                              <p:pRg st="1" end="1"/>
-                                            </p:txEl>
-                                          </p:spTgt>
-                                        </p:tgtEl>
-                                      </p:cBhvr>
-                                    </p:animEffect>
-                                  </p:childTnLst>
-                                </p:cTn>
-                              </p:par>
-                              <p:par>
-                                <p:cTn id="11" presetID="10" presetClass="entr" presetSubtype="0" fill="hold" nodeType="withEffect">
-                                  <p:stCondLst>
-                                    <p:cond delay="0"/>
-                                  </p:stCondLst>
-                                  <p:childTnLst>
-                                    <p:set>
-                                      <p:cBhvr>
-                                        <p:cTn id="12" dur="1" fill="hold">
-                                          <p:stCondLst>
-                                            <p:cond delay="0"/>
-                                          </p:stCondLst>
-                                        </p:cTn>
-                                        <p:tgtEl>
-                                          <p:spTgt spid="3">
-                                            <p:txEl>
-                                              <p:pRg st="2" end="2"/>
-                                            </p:txEl>
-                                          </p:spTgt>
-                                        </p:tgtEl>
-                                        <p:attrNameLst>
-                                          <p:attrName>style.visibility</p:attrName>
-                                        </p:attrNameLst>
-                                      </p:cBhvr>
-                                      <p:to>
-                                        <p:strVal val="visible"/>
-                                      </p:to>
-                                    </p:set>
-                                    <p:animEffect transition="in" filter="fade">
-                                      <p:cBhvr>
-                                        <p:cTn id="13" dur="500"/>
-                                        <p:tgtEl>
-                                          <p:spTgt spid="3">
-                                            <p:txEl>
-                                              <p:pRg st="2" end="2"/>
-                                            </p:txEl>
-                                          </p:spTgt>
-                                        </p:tgtEl>
-                                      </p:cBhvr>
-                                    </p:animEffect>
-                                  </p:childTnLst>
-                                </p:cTn>
-                              </p:par>
-                            </p:childTnLst>
-                          </p:cTn>
-                        </p:par>
-                      </p:childTnLst>
-                    </p:cTn>
-                  </p:par>
-                  <p:par>
-                    <p:cTn id="14" fill="hold">
-                      <p:stCondLst>
-                        <p:cond delay="indefinite"/>
-                      </p:stCondLst>
-                      <p:childTnLst>
-                        <p:par>
-                          <p:cTn id="15" fill="hold">
-                            <p:stCondLst>
-                              <p:cond delay="0"/>
-                            </p:stCondLst>
-                            <p:childTnLst>
-                              <p:par>
-                                <p:cTn id="16" presetID="10" presetClass="entr" presetSubtype="0" fill="hold" nodeType="clickEffect">
-                                  <p:stCondLst>
-                                    <p:cond delay="0"/>
-                                  </p:stCondLst>
-                                  <p:childTnLst>
-                                    <p:set>
-                                      <p:cBhvr>
-                                        <p:cTn id="17" dur="1" fill="hold">
-                                          <p:stCondLst>
-                                            <p:cond delay="0"/>
-                                          </p:stCondLst>
-                                        </p:cTn>
-                                        <p:tgtEl>
-                                          <p:spTgt spid="3">
-                                            <p:txEl>
-                                              <p:pRg st="3" end="3"/>
-                                            </p:txEl>
-                                          </p:spTgt>
-                                        </p:tgtEl>
-                                        <p:attrNameLst>
-                                          <p:attrName>style.visibility</p:attrName>
-                                        </p:attrNameLst>
-                                      </p:cBhvr>
-                                      <p:to>
-                                        <p:strVal val="visible"/>
-                                      </p:to>
-                                    </p:set>
-                                    <p:animEffect transition="in" filter="fade">
-                                      <p:cBhvr>
-                                        <p:cTn id="18" dur="500"/>
-                                        <p:tgtEl>
-                                          <p:spTgt spid="3">
-                                            <p:txEl>
-                                              <p:pRg st="3" end="3"/>
-                                            </p:txEl>
-                                          </p:spTgt>
-                                        </p:tgtEl>
-                                      </p:cBhvr>
-                                    </p:animEffect>
-                                  </p:childTnLst>
-                                </p:cTn>
-                              </p:par>
-                              <p:par>
-                                <p:cTn id="19" presetID="10" presetClass="entr" presetSubtype="0" fill="hold" nodeType="withEffect">
-                                  <p:stCondLst>
-                                    <p:cond delay="0"/>
-                                  </p:stCondLst>
-                                  <p:childTnLst>
-                                    <p:set>
-                                      <p:cBhvr>
-                                        <p:cTn id="20" dur="1" fill="hold">
-                                          <p:stCondLst>
-                                            <p:cond delay="0"/>
-                                          </p:stCondLst>
-                                        </p:cTn>
-                                        <p:tgtEl>
-                                          <p:spTgt spid="3">
-                                            <p:txEl>
-                                              <p:pRg st="4" end="4"/>
-                                            </p:txEl>
-                                          </p:spTgt>
-                                        </p:tgtEl>
-                                        <p:attrNameLst>
-                                          <p:attrName>style.visibility</p:attrName>
-                                        </p:attrNameLst>
-                                      </p:cBhvr>
-                                      <p:to>
-                                        <p:strVal val="visible"/>
-                                      </p:to>
-                                    </p:set>
-                                    <p:animEffect transition="in" filter="fade">
-                                      <p:cBhvr>
-                                        <p:cTn id="21" dur="500"/>
-                                        <p:tgtEl>
-                                          <p:spTgt spid="3">
-                                            <p:txEl>
-                                              <p:pRg st="4" end="4"/>
-                                            </p:txEl>
-                                          </p:spTgt>
-                                        </p:tgtEl>
-                                      </p:cBhvr>
-                                    </p:animEffect>
-                                  </p:childTnLst>
-                                </p:cTn>
-                              </p:par>
-                              <p:par>
-                                <p:cTn id="22" presetID="10" presetClass="entr" presetSubtype="0" fill="hold" nodeType="withEffect">
-                                  <p:stCondLst>
-                                    <p:cond delay="0"/>
-                                  </p:stCondLst>
-                                  <p:childTnLst>
-                                    <p:set>
-                                      <p:cBhvr>
-                                        <p:cTn id="23" dur="1" fill="hold">
-                                          <p:stCondLst>
-                                            <p:cond delay="0"/>
-                                          </p:stCondLst>
-                                        </p:cTn>
-                                        <p:tgtEl>
-                                          <p:spTgt spid="3">
-                                            <p:txEl>
-                                              <p:pRg st="5" end="5"/>
-                                            </p:txEl>
-                                          </p:spTgt>
-                                        </p:tgtEl>
-                                        <p:attrNameLst>
-                                          <p:attrName>style.visibility</p:attrName>
-                                        </p:attrNameLst>
-                                      </p:cBhvr>
-                                      <p:to>
-                                        <p:strVal val="visible"/>
-                                      </p:to>
-                                    </p:set>
-                                    <p:animEffect transition="in" filter="fade">
-                                      <p:cBhvr>
-                                        <p:cTn id="24" dur="500"/>
-                                        <p:tgtEl>
-                                          <p:spTgt spid="3">
-                                            <p:txEl>
-                                              <p:pRg st="5" end="5"/>
-                                            </p:txEl>
-                                          </p:spTgt>
-                                        </p:tgtEl>
-                                      </p:cBhvr>
-                                    </p:animEffect>
-                                  </p:childTnLst>
-                                </p:cTn>
-                              </p:par>
-                              <p:par>
-                                <p:cTn id="25" presetID="10" presetClass="entr" presetSubtype="0" fill="hold" nodeType="withEffect">
-                                  <p:stCondLst>
-                                    <p:cond delay="0"/>
-                                  </p:stCondLst>
-                                  <p:childTnLst>
-                                    <p:set>
-                                      <p:cBhvr>
-                                        <p:cTn id="26" dur="1" fill="hold">
-                                          <p:stCondLst>
-                                            <p:cond delay="0"/>
-                                          </p:stCondLst>
-                                        </p:cTn>
-                                        <p:tgtEl>
-                                          <p:spTgt spid="3">
-                                            <p:txEl>
-                                              <p:pRg st="6" end="6"/>
-                                            </p:txEl>
-                                          </p:spTgt>
-                                        </p:tgtEl>
-                                        <p:attrNameLst>
-                                          <p:attrName>style.visibility</p:attrName>
-                                        </p:attrNameLst>
-                                      </p:cBhvr>
-                                      <p:to>
-                                        <p:strVal val="visible"/>
-                                      </p:to>
-                                    </p:set>
-                                    <p:animEffect transition="in" filter="fade">
-                                      <p:cBhvr>
-                                        <p:cTn id="27" dur="500"/>
-                                        <p:tgtEl>
-                                          <p:spTgt spid="3">
-                                            <p:txEl>
-                                              <p:pRg st="6" end="6"/>
-                                            </p:txEl>
-                                          </p:spTgt>
-                                        </p:tgtEl>
-                                      </p:cBhvr>
-                                    </p:animEffect>
-                                  </p:childTnLst>
-                                </p:cTn>
-                              </p:par>
-                              <p:par>
-                                <p:cTn id="28" presetID="10" presetClass="entr" presetSubtype="0" fill="hold" nodeType="withEffect">
-                                  <p:stCondLst>
-                                    <p:cond delay="0"/>
-                                  </p:stCondLst>
-                                  <p:childTnLst>
-                                    <p:set>
-                                      <p:cBhvr>
-                                        <p:cTn id="29" dur="1" fill="hold">
-                                          <p:stCondLst>
-                                            <p:cond delay="0"/>
-                                          </p:stCondLst>
-                                        </p:cTn>
-                                        <p:tgtEl>
-                                          <p:spTgt spid="3">
-                                            <p:txEl>
-                                              <p:pRg st="7" end="7"/>
-                                            </p:txEl>
-                                          </p:spTgt>
-                                        </p:tgtEl>
-                                        <p:attrNameLst>
-                                          <p:attrName>style.visibility</p:attrName>
-                                        </p:attrNameLst>
-                                      </p:cBhvr>
-                                      <p:to>
-                                        <p:strVal val="visible"/>
-                                      </p:to>
-                                    </p:set>
-                                    <p:animEffect transition="in" filter="fade">
-                                      <p:cBhvr>
-                                        <p:cTn id="30" dur="500"/>
-                                        <p:tgtEl>
-                                          <p:spTgt spid="3">
-                                            <p:txEl>
-                                              <p:pRg st="7" end="7"/>
-                                            </p:txEl>
-                                          </p:spTgt>
-                                        </p:tgtEl>
-                                      </p:cBhvr>
-                                    </p:animEffect>
-                                  </p:childTnLst>
-                                </p:cTn>
-                              </p:par>
-                            </p:childTnLst>
-                          </p:cTn>
-                        </p:par>
-                      </p:childTnLst>
-                    </p:cTn>
-                  </p:par>
-                </p:childTnLst>
-              </p:cTn>
-              <p:prevCondLst>
-                <p:cond evt="onPrev" delay="0">
-                  <p:tgtEl>
-                    <p:sldTgt/>
-                  </p:tgtEl>
-                </p:cond>
-              </p:prevCondLst>
-              <p:nextCondLst>
-                <p:cond evt="onNext" delay="0">
-                  <p:tgtEl>
-                    <p:sldTgt/>
-                  </p:tgtEl>
-                </p:cond>
-              </p:nextCondLst>
-            </p:seq>
-          </p:childTnLst>
-        </p:cTn>
-      </p:par>
-    </p:tnLst>
-  </p:timing>
-</p:sld>
-</file>
-
-<file path=ppt/slides/slide12.xml><?xml version="1.0" encoding="utf-8"?>
-<p:sld xmlns:a="http://schemas.openxmlformats.org/drawingml/2006/main" xmlns:r="http://schemas.openxmlformats.org/officeDocument/2006/relationships" xmlns:p="http://schemas.openxmlformats.org/presentationml/2006/main">
-  <p:cSld>
-    <p:spTree>
-      <p:nvGrpSpPr>
-        <p:cNvPr id="1" name=""/>
-        <p:cNvGrpSpPr/>
-        <p:nvPr/>
-      </p:nvGrpSpPr>
-      <p:grpSpPr>
-        <a:xfrm>
-          <a:off x="0" y="0"/>
-          <a:ext cx="0" cy="0"/>
-          <a:chOff x="0" y="0"/>
-          <a:chExt cx="0" cy="0"/>
-        </a:xfrm>
-      </p:grpSpPr>
-      <p:sp>
-        <p:nvSpPr>
-          <p:cNvPr id="2" name="Titel 1">
-            <a:extLst>
-              <a:ext uri="{FF2B5EF4-FFF2-40B4-BE49-F238E27FC236}">
-                <a16:creationId xmlns:a16="http://schemas.microsoft.com/office/drawing/2014/main" id="{9BFA046A-80B0-413F-99A4-868FE79AE2CE}"/>
-              </a:ext>
-            </a:extLst>
-          </p:cNvPr>
-          <p:cNvSpPr>
-            <a:spLocks noGrp="1"/>
-          </p:cNvSpPr>
-          <p:nvPr>
-            <p:ph type="title"/>
-          </p:nvPr>
-        </p:nvSpPr>
-        <p:spPr/>
-        <p:txBody>
-          <a:bodyPr/>
-          <a:lstStyle/>
-          <a:p>
-            <a:r>
-              <a:rPr lang="de-DE" dirty="0"/>
-              <a:t>Voice Design Guidelines</a:t>
-            </a:r>
-          </a:p>
-        </p:txBody>
-      </p:sp>
-      <p:sp>
-        <p:nvSpPr>
-          <p:cNvPr id="3" name="Inhaltsplatzhalter 2">
-            <a:extLst>
-              <a:ext uri="{FF2B5EF4-FFF2-40B4-BE49-F238E27FC236}">
-                <a16:creationId xmlns:a16="http://schemas.microsoft.com/office/drawing/2014/main" id="{01362AF5-B271-460D-ACB9-9070D9EA69AD}"/>
-              </a:ext>
-            </a:extLst>
-          </p:cNvPr>
-          <p:cNvSpPr>
-            <a:spLocks noGrp="1"/>
-          </p:cNvSpPr>
-          <p:nvPr>
-            <p:ph idx="1"/>
-          </p:nvPr>
-        </p:nvSpPr>
-        <p:spPr/>
-        <p:txBody>
-          <a:bodyPr/>
-          <a:lstStyle/>
-          <a:p>
-            <a:r>
-              <a:rPr lang="de-DE" dirty="0"/>
-              <a:t>Weniger ist mehr, Wichtiges zuerst.</a:t>
-            </a:r>
-          </a:p>
-          <a:p>
-            <a:pPr lvl="1"/>
-            <a:r>
-              <a:rPr lang="de-DE" dirty="0" err="1"/>
-              <a:t>Full</a:t>
-            </a:r>
-            <a:r>
-              <a:rPr lang="de-DE" dirty="0"/>
-              <a:t>/Partial/</a:t>
-            </a:r>
-            <a:r>
-              <a:rPr lang="de-DE" dirty="0" err="1"/>
-              <a:t>No</a:t>
-            </a:r>
-            <a:r>
-              <a:rPr lang="de-DE" dirty="0"/>
-              <a:t> </a:t>
-            </a:r>
-            <a:r>
-              <a:rPr lang="de-DE" dirty="0" err="1"/>
-              <a:t>Intent</a:t>
-            </a:r>
-            <a:r>
-              <a:rPr lang="de-DE" dirty="0"/>
-              <a:t>?</a:t>
-            </a:r>
-          </a:p>
-          <a:p>
-            <a:r>
-              <a:rPr lang="de-DE" dirty="0"/>
-              <a:t>Einfache, klare Fragen.</a:t>
-            </a:r>
-          </a:p>
-          <a:p>
-            <a:r>
-              <a:rPr lang="de-DE" dirty="0"/>
-              <a:t>Annahmen treffen und hinterfragen</a:t>
-            </a:r>
-          </a:p>
-          <a:p>
-            <a:r>
-              <a:rPr lang="de-DE" dirty="0"/>
-              <a:t>Bestätigungen („Ok, …“)</a:t>
-            </a:r>
-          </a:p>
-          <a:p>
-            <a:r>
-              <a:rPr lang="de-DE" dirty="0"/>
-              <a:t>Keine 1:1-Wiederholungen von Fragen</a:t>
-            </a:r>
-          </a:p>
-          <a:p>
-            <a:pPr lvl="1"/>
-            <a:endParaRPr lang="de-DE" dirty="0"/>
-          </a:p>
-          <a:p>
-            <a:endParaRPr lang="de-DE" dirty="0"/>
-          </a:p>
-        </p:txBody>
-      </p:sp>
-    </p:spTree>
-    <p:extLst>
-      <p:ext uri="{BB962C8B-B14F-4D97-AF65-F5344CB8AC3E}">
-        <p14:creationId xmlns:p14="http://schemas.microsoft.com/office/powerpoint/2010/main" val="4072297484"/>
-      </p:ext>
-    </p:extLst>
-  </p:cSld>
-  <p:clrMapOvr>
-    <a:masterClrMapping/>
-  </p:clrMapOvr>
-  <mc:AlternateContent xmlns:mc="http://schemas.openxmlformats.org/markup-compatibility/2006" xmlns:p14="http://schemas.microsoft.com/office/powerpoint/2010/main">
-    <mc:Choice Requires="p14">
-      <p:transition spd="med" p14:dur="700">
-        <p:fade/>
-      </p:transition>
-    </mc:Choice>
-    <mc:Fallback xmlns="">
-      <p:transition spd="med">
-        <p:fade/>
-      </p:transition>
-    </mc:Fallback>
-  </mc:AlternateContent>
-  <p:timing>
-    <p:tnLst>
-      <p:par>
-        <p:cTn id="1" dur="indefinite" restart="never" nodeType="tmRoot">
-          <p:childTnLst>
-            <p:seq concurrent="1" nextAc="seek">
-              <p:cTn id="2" dur="indefinite" nodeType="mainSeq">
-                <p:childTnLst>
-                  <p:par>
-                    <p:cTn id="3" fill="hold">
-                      <p:stCondLst>
-                        <p:cond delay="indefinite"/>
-                        <p:cond evt="onBegin" delay="0">
-                          <p:tn val="2"/>
-                        </p:cond>
-                      </p:stCondLst>
-                      <p:childTnLst>
-                        <p:par>
-                          <p:cTn id="4" fill="hold">
-                            <p:stCondLst>
-                              <p:cond delay="0"/>
-                            </p:stCondLst>
-                            <p:childTnLst>
-                              <p:par>
-                                <p:cTn id="5" presetID="10" presetClass="entr" presetSubtype="0" fill="hold" nodeType="afterEffect">
-                                  <p:stCondLst>
-                                    <p:cond delay="0"/>
-                                  </p:stCondLst>
-                                  <p:childTnLst>
-                                    <p:set>
-                                      <p:cBhvr>
-                                        <p:cTn id="6" dur="1" fill="hold">
-                                          <p:stCondLst>
-                                            <p:cond delay="0"/>
-                                          </p:stCondLst>
-                                        </p:cTn>
-                                        <p:tgtEl>
-                                          <p:spTgt spid="3">
-                                            <p:txEl>
-                                              <p:pRg st="0" end="0"/>
-                                            </p:txEl>
-                                          </p:spTgt>
-                                        </p:tgtEl>
-                                        <p:attrNameLst>
-                                          <p:attrName>style.visibility</p:attrName>
-                                        </p:attrNameLst>
-                                      </p:cBhvr>
-                                      <p:to>
-                                        <p:strVal val="visible"/>
-                                      </p:to>
-                                    </p:set>
-                                    <p:animEffect transition="in" filter="fade">
-                                      <p:cBhvr>
-                                        <p:cTn id="7" dur="500"/>
-                                        <p:tgtEl>
-                                          <p:spTgt spid="3">
-                                            <p:txEl>
-                                              <p:pRg st="0" end="0"/>
-                                            </p:txEl>
-                                          </p:spTgt>
-                                        </p:tgtEl>
-                                      </p:cBhvr>
-                                    </p:animEffect>
-                                  </p:childTnLst>
-                                </p:cTn>
-                              </p:par>
-                              <p:par>
-                                <p:cTn id="8" presetID="10" presetClass="entr" presetSubtype="0" fill="hold" nodeType="withEffect">
-                                  <p:stCondLst>
-                                    <p:cond delay="0"/>
-                                  </p:stCondLst>
-                                  <p:childTnLst>
-                                    <p:set>
-                                      <p:cBhvr>
-                                        <p:cTn id="9" dur="1" fill="hold">
-                                          <p:stCondLst>
-                                            <p:cond delay="0"/>
-                                          </p:stCondLst>
-                                        </p:cTn>
-                                        <p:tgtEl>
-                                          <p:spTgt spid="3">
-                                            <p:txEl>
-                                              <p:pRg st="1" end="1"/>
-                                            </p:txEl>
-                                          </p:spTgt>
-                                        </p:tgtEl>
-                                        <p:attrNameLst>
-                                          <p:attrName>style.visibility</p:attrName>
-                                        </p:attrNameLst>
-                                      </p:cBhvr>
-                                      <p:to>
-                                        <p:strVal val="visible"/>
-                                      </p:to>
-                                    </p:set>
-                                    <p:animEffect transition="in" filter="fade">
-                                      <p:cBhvr>
-                                        <p:cTn id="10" dur="500"/>
-                                        <p:tgtEl>
-                                          <p:spTgt spid="3">
-                                            <p:txEl>
-                                              <p:pRg st="1" end="1"/>
-                                            </p:txEl>
-                                          </p:spTgt>
-                                        </p:tgtEl>
-                                      </p:cBhvr>
-                                    </p:animEffect>
-                                  </p:childTnLst>
-                                </p:cTn>
-                              </p:par>
-                            </p:childTnLst>
-                          </p:cTn>
-                        </p:par>
-                      </p:childTnLst>
-                    </p:cTn>
-                  </p:par>
-                  <p:par>
-                    <p:cTn id="11" fill="hold">
-                      <p:stCondLst>
-                        <p:cond delay="indefinite"/>
-                      </p:stCondLst>
-                      <p:childTnLst>
-                        <p:par>
-                          <p:cTn id="12" fill="hold">
-                            <p:stCondLst>
-                              <p:cond delay="0"/>
-                            </p:stCondLst>
-                            <p:childTnLst>
-                              <p:par>
-                                <p:cTn id="13" presetID="10" presetClass="entr" presetSubtype="0" fill="hold" nodeType="clickEffect">
-                                  <p:stCondLst>
-                                    <p:cond delay="0"/>
-                                  </p:stCondLst>
-                                  <p:childTnLst>
-                                    <p:set>
-                                      <p:cBhvr>
-                                        <p:cTn id="14" dur="1" fill="hold">
-                                          <p:stCondLst>
-                                            <p:cond delay="0"/>
-                                          </p:stCondLst>
-                                        </p:cTn>
-                                        <p:tgtEl>
-                                          <p:spTgt spid="3">
-                                            <p:txEl>
-                                              <p:pRg st="2" end="2"/>
-                                            </p:txEl>
-                                          </p:spTgt>
-                                        </p:tgtEl>
-                                        <p:attrNameLst>
-                                          <p:attrName>style.visibility</p:attrName>
-                                        </p:attrNameLst>
-                                      </p:cBhvr>
-                                      <p:to>
-                                        <p:strVal val="visible"/>
-                                      </p:to>
-                                    </p:set>
-                                    <p:animEffect transition="in" filter="fade">
-                                      <p:cBhvr>
-                                        <p:cTn id="15" dur="500"/>
-                                        <p:tgtEl>
-                                          <p:spTgt spid="3">
-                                            <p:txEl>
-                                              <p:pRg st="2" end="2"/>
-                                            </p:txEl>
-                                          </p:spTgt>
-                                        </p:tgtEl>
-                                      </p:cBhvr>
-                                    </p:animEffect>
-                                  </p:childTnLst>
-                                </p:cTn>
-                              </p:par>
-                            </p:childTnLst>
-                          </p:cTn>
-                        </p:par>
-                      </p:childTnLst>
-                    </p:cTn>
-                  </p:par>
-                  <p:par>
-                    <p:cTn id="16" fill="hold">
-                      <p:stCondLst>
-                        <p:cond delay="indefinite"/>
-                      </p:stCondLst>
-                      <p:childTnLst>
-                        <p:par>
-                          <p:cTn id="17" fill="hold">
-                            <p:stCondLst>
-                              <p:cond delay="0"/>
-                            </p:stCondLst>
-                            <p:childTnLst>
-                              <p:par>
-                                <p:cTn id="18" presetID="10" presetClass="entr" presetSubtype="0" fill="hold" nodeType="clickEffect">
-                                  <p:stCondLst>
-                                    <p:cond delay="0"/>
-                                  </p:stCondLst>
-                                  <p:childTnLst>
-                                    <p:set>
-                                      <p:cBhvr>
-                                        <p:cTn id="19" dur="1" fill="hold">
-                                          <p:stCondLst>
-                                            <p:cond delay="0"/>
-                                          </p:stCondLst>
-                                        </p:cTn>
-                                        <p:tgtEl>
-                                          <p:spTgt spid="3">
-                                            <p:txEl>
-                                              <p:pRg st="3" end="3"/>
-                                            </p:txEl>
-                                          </p:spTgt>
-                                        </p:tgtEl>
-                                        <p:attrNameLst>
-                                          <p:attrName>style.visibility</p:attrName>
-                                        </p:attrNameLst>
-                                      </p:cBhvr>
-                                      <p:to>
-                                        <p:strVal val="visible"/>
-                                      </p:to>
-                                    </p:set>
-                                    <p:animEffect transition="in" filter="fade">
-                                      <p:cBhvr>
-                                        <p:cTn id="20" dur="500"/>
-                                        <p:tgtEl>
-                                          <p:spTgt spid="3">
-                                            <p:txEl>
-                                              <p:pRg st="3" end="3"/>
-                                            </p:txEl>
-                                          </p:spTgt>
-                                        </p:tgtEl>
-                                      </p:cBhvr>
-                                    </p:animEffect>
-                                  </p:childTnLst>
-                                </p:cTn>
-                              </p:par>
-                            </p:childTnLst>
-                          </p:cTn>
-                        </p:par>
-                      </p:childTnLst>
-                    </p:cTn>
-                  </p:par>
-                  <p:par>
-                    <p:cTn id="21" fill="hold">
-                      <p:stCondLst>
-                        <p:cond delay="indefinite"/>
-                      </p:stCondLst>
-                      <p:childTnLst>
-                        <p:par>
-                          <p:cTn id="22" fill="hold">
-                            <p:stCondLst>
-                              <p:cond delay="0"/>
-                            </p:stCondLst>
-                            <p:childTnLst>
-                              <p:par>
-                                <p:cTn id="23" presetID="10" presetClass="entr" presetSubtype="0" fill="hold" nodeType="clickEffect">
-                                  <p:stCondLst>
-                                    <p:cond delay="0"/>
-                                  </p:stCondLst>
-                                  <p:childTnLst>
-                                    <p:set>
-                                      <p:cBhvr>
-                                        <p:cTn id="24" dur="1" fill="hold">
-                                          <p:stCondLst>
-                                            <p:cond delay="0"/>
-                                          </p:stCondLst>
-                                        </p:cTn>
-                                        <p:tgtEl>
-                                          <p:spTgt spid="3">
-                                            <p:txEl>
-                                              <p:pRg st="4" end="4"/>
-                                            </p:txEl>
-                                          </p:spTgt>
-                                        </p:tgtEl>
-                                        <p:attrNameLst>
-                                          <p:attrName>style.visibility</p:attrName>
-                                        </p:attrNameLst>
-                                      </p:cBhvr>
-                                      <p:to>
-                                        <p:strVal val="visible"/>
-                                      </p:to>
-                                    </p:set>
-                                    <p:animEffect transition="in" filter="fade">
-                                      <p:cBhvr>
-                                        <p:cTn id="25" dur="500"/>
-                                        <p:tgtEl>
-                                          <p:spTgt spid="3">
-                                            <p:txEl>
-                                              <p:pRg st="4" end="4"/>
-                                            </p:txEl>
-                                          </p:spTgt>
-                                        </p:tgtEl>
-                                      </p:cBhvr>
-                                    </p:animEffect>
-                                  </p:childTnLst>
-                                </p:cTn>
-                              </p:par>
-                            </p:childTnLst>
-                          </p:cTn>
-                        </p:par>
-                      </p:childTnLst>
-                    </p:cTn>
-                  </p:par>
-                  <p:par>
-                    <p:cTn id="26" fill="hold">
-                      <p:stCondLst>
-                        <p:cond delay="indefinite"/>
-                      </p:stCondLst>
-                      <p:childTnLst>
-                        <p:par>
-                          <p:cTn id="27" fill="hold">
-                            <p:stCondLst>
-                              <p:cond delay="0"/>
-                            </p:stCondLst>
-                            <p:childTnLst>
-                              <p:par>
-                                <p:cTn id="28" presetID="10" presetClass="entr" presetSubtype="0" fill="hold" nodeType="clickEffect">
-                                  <p:stCondLst>
-                                    <p:cond delay="0"/>
-                                  </p:stCondLst>
-                                  <p:childTnLst>
-                                    <p:set>
-                                      <p:cBhvr>
-                                        <p:cTn id="29" dur="1" fill="hold">
-                                          <p:stCondLst>
-                                            <p:cond delay="0"/>
-                                          </p:stCondLst>
-                                        </p:cTn>
-                                        <p:tgtEl>
-                                          <p:spTgt spid="3">
-                                            <p:txEl>
-                                              <p:pRg st="5" end="5"/>
-                                            </p:txEl>
-                                          </p:spTgt>
-                                        </p:tgtEl>
-                                        <p:attrNameLst>
-                                          <p:attrName>style.visibility</p:attrName>
-                                        </p:attrNameLst>
-                                      </p:cBhvr>
-                                      <p:to>
-                                        <p:strVal val="visible"/>
-                                      </p:to>
-                                    </p:set>
-                                    <p:animEffect transition="in" filter="fade">
-                                      <p:cBhvr>
-                                        <p:cTn id="30" dur="500"/>
-                                        <p:tgtEl>
-                                          <p:spTgt spid="3">
-                                            <p:txEl>
-                                              <p:pRg st="5" end="5"/>
-                                            </p:txEl>
-                                          </p:spTgt>
-                                        </p:tgtEl>
-                                      </p:cBhvr>
-                                    </p:animEffect>
-                                  </p:childTnLst>
-                                </p:cTn>
-                              </p:par>
-                            </p:childTnLst>
-                          </p:cTn>
-                        </p:par>
-                      </p:childTnLst>
-                    </p:cTn>
-                  </p:par>
-                </p:childTnLst>
-              </p:cTn>
-              <p:prevCondLst>
-                <p:cond evt="onPrev" delay="0">
-                  <p:tgtEl>
-                    <p:sldTgt/>
-                  </p:tgtEl>
-                </p:cond>
-              </p:prevCondLst>
-              <p:nextCondLst>
-                <p:cond evt="onNext" delay="0">
-                  <p:tgtEl>
-                    <p:sldTgt/>
-                  </p:tgtEl>
-                </p:cond>
-              </p:nextCondLst>
-            </p:seq>
-          </p:childTnLst>
-        </p:cTn>
-      </p:par>
-    </p:tnLst>
-  </p:timing>
-</p:sld>
-</file>
-
-<file path=ppt/slides/slide2.xml><?xml version="1.0" encoding="utf-8"?>
-<p:sld xmlns:a="http://schemas.openxmlformats.org/drawingml/2006/main" xmlns:r="http://schemas.openxmlformats.org/officeDocument/2006/relationships" xmlns:p="http://schemas.openxmlformats.org/presentationml/2006/main">
-  <p:cSld>
-    <p:spTree>
-      <p:nvGrpSpPr>
-        <p:cNvPr id="1" name=""/>
-        <p:cNvGrpSpPr/>
-        <p:nvPr/>
-      </p:nvGrpSpPr>
-      <p:grpSpPr>
-        <a:xfrm>
-          <a:off x="0" y="0"/>
-          <a:ext cx="0" cy="0"/>
-          <a:chOff x="0" y="0"/>
-          <a:chExt cx="0" cy="0"/>
-        </a:xfrm>
-      </p:grpSpPr>
-      <p:pic>
-        <p:nvPicPr>
-          <p:cNvPr id="3" name="Grafik 2"/>
-          <p:cNvPicPr>
-            <a:picLocks noChangeAspect="1"/>
-          </p:cNvPicPr>
-          <p:nvPr/>
-        </p:nvPicPr>
-        <p:blipFill>
-          <a:blip r:embed="rId2">
-            <a:extLst>
-              <a:ext uri="{28A0092B-C50C-407E-A947-70E740481C1C}">
-                <a14:useLocalDpi xmlns:a14="http://schemas.microsoft.com/office/drawing/2010/main" val="0"/>
-              </a:ext>
-            </a:extLst>
-          </a:blip>
-          <a:stretch>
-            <a:fillRect/>
-          </a:stretch>
-        </p:blipFill>
-        <p:spPr>
-          <a:xfrm>
-            <a:off x="4045540" y="399143"/>
-            <a:ext cx="4100921" cy="6059714"/>
-          </a:xfrm>
-          <a:prstGeom prst="rect">
-            <a:avLst/>
-          </a:prstGeom>
-        </p:spPr>
-      </p:pic>
-    </p:spTree>
-    <p:extLst>
-      <p:ext uri="{BB962C8B-B14F-4D97-AF65-F5344CB8AC3E}">
-        <p14:creationId xmlns:p14="http://schemas.microsoft.com/office/powerpoint/2010/main" val="1284143165"/>
-      </p:ext>
-    </p:extLst>
-  </p:cSld>
-  <p:clrMapOvr>
-    <a:masterClrMapping/>
-  </p:clrMapOvr>
-  <mc:AlternateContent xmlns:mc="http://schemas.openxmlformats.org/markup-compatibility/2006" xmlns:p14="http://schemas.microsoft.com/office/powerpoint/2010/main">
-    <mc:Choice Requires="p14">
-      <p:transition spd="med" p14:dur="700">
-        <p:fade/>
-      </p:transition>
-    </mc:Choice>
-    <mc:Fallback xmlns="">
-      <p:transition spd="med">
-        <p:fade/>
-      </p:transition>
-    </mc:Fallback>
-  </mc:AlternateContent>
-</p:sld>
-</file>
-
-<file path=ppt/slides/slide3.xml><?xml version="1.0" encoding="utf-8"?>
-<p:sld xmlns:a="http://schemas.openxmlformats.org/drawingml/2006/main" xmlns:r="http://schemas.openxmlformats.org/officeDocument/2006/relationships" xmlns:p="http://schemas.openxmlformats.org/presentationml/2006/main">
-  <p:cSld>
-    <p:spTree>
-      <p:nvGrpSpPr>
-        <p:cNvPr id="1" name=""/>
-        <p:cNvGrpSpPr/>
-        <p:nvPr/>
-      </p:nvGrpSpPr>
-      <p:grpSpPr>
-        <a:xfrm>
-          <a:off x="0" y="0"/>
-          <a:ext cx="0" cy="0"/>
-          <a:chOff x="0" y="0"/>
-          <a:chExt cx="0" cy="0"/>
-        </a:xfrm>
-      </p:grpSpPr>
-      <p:sp>
-        <p:nvSpPr>
-          <p:cNvPr id="2" name="Titel 1"/>
-          <p:cNvSpPr>
-            <a:spLocks noGrp="1"/>
-          </p:cNvSpPr>
-          <p:nvPr>
-            <p:ph type="title"/>
-          </p:nvPr>
-        </p:nvSpPr>
-        <p:spPr/>
-        <p:txBody>
-          <a:bodyPr/>
-          <a:lstStyle/>
-          <a:p>
-            <a:r>
-              <a:rPr lang="de-AT" dirty="0" err="1"/>
-              <a:t>Conversational</a:t>
-            </a:r>
-            <a:r>
-              <a:rPr lang="de-AT" dirty="0"/>
-              <a:t> User Interfaces</a:t>
-            </a:r>
-          </a:p>
-        </p:txBody>
-      </p:sp>
-      <p:sp>
-        <p:nvSpPr>
-          <p:cNvPr id="3" name="Inhaltsplatzhalter 2"/>
-          <p:cNvSpPr>
-            <a:spLocks noGrp="1"/>
-          </p:cNvSpPr>
-          <p:nvPr>
-            <p:ph idx="1"/>
-          </p:nvPr>
-        </p:nvSpPr>
-        <p:spPr/>
-        <p:txBody>
-          <a:bodyPr/>
-          <a:lstStyle/>
-          <a:p>
-            <a:r>
-              <a:rPr lang="de-AT" dirty="0"/>
-              <a:t>Sprache ist natürlich</a:t>
-            </a:r>
-          </a:p>
-          <a:p>
-            <a:r>
-              <a:rPr lang="de-AT" dirty="0"/>
-              <a:t>Fun-Faktor vs. echter Vorteil</a:t>
-            </a:r>
-          </a:p>
-          <a:p>
-            <a:r>
-              <a:rPr lang="de-AT" dirty="0"/>
-              <a:t>Gesprochene und geschriebene Sprache</a:t>
-            </a:r>
-          </a:p>
-          <a:p>
-            <a:r>
-              <a:rPr lang="de-AT" dirty="0"/>
-              <a:t>Qualität der Erkennung ist entscheidend</a:t>
-            </a:r>
-          </a:p>
-          <a:p>
-            <a:pPr lvl="1"/>
-            <a:r>
-              <a:rPr lang="de-AT" dirty="0"/>
-              <a:t>Kann die Grammatik eingeschränkt werden?</a:t>
-            </a:r>
-          </a:p>
-          <a:p>
-            <a:endParaRPr lang="de-AT" dirty="0"/>
-          </a:p>
-        </p:txBody>
-      </p:sp>
-      <p:pic>
-        <p:nvPicPr>
-          <p:cNvPr id="4" name="Grafik 3"/>
-          <p:cNvPicPr>
-            <a:picLocks noChangeAspect="1"/>
-          </p:cNvPicPr>
-          <p:nvPr/>
-        </p:nvPicPr>
-        <p:blipFill>
-          <a:blip r:embed="rId3"/>
-          <a:stretch>
-            <a:fillRect/>
-          </a:stretch>
-        </p:blipFill>
-        <p:spPr>
-          <a:xfrm>
-            <a:off x="5586798" y="4462720"/>
-            <a:ext cx="6269366" cy="2036934"/>
-          </a:xfrm>
-          <a:prstGeom prst="rect">
-            <a:avLst/>
-          </a:prstGeom>
-        </p:spPr>
-      </p:pic>
-    </p:spTree>
-    <p:extLst>
-      <p:ext uri="{BB962C8B-B14F-4D97-AF65-F5344CB8AC3E}">
-        <p14:creationId xmlns:p14="http://schemas.microsoft.com/office/powerpoint/2010/main" val="3284261734"/>
-      </p:ext>
-    </p:extLst>
-  </p:cSld>
-  <p:clrMapOvr>
-    <a:masterClrMapping/>
-  </p:clrMapOvr>
-  <mc:AlternateContent xmlns:mc="http://schemas.openxmlformats.org/markup-compatibility/2006" xmlns:p14="http://schemas.microsoft.com/office/powerpoint/2010/main">
-    <mc:Choice Requires="p14">
-      <p:transition spd="med" p14:dur="700">
-        <p:fade/>
-      </p:transition>
-    </mc:Choice>
-    <mc:Fallback xmlns="">
-      <p:transition spd="med">
-        <p:fade/>
-      </p:transition>
-    </mc:Fallback>
-  </mc:AlternateContent>
-</p:sld>
-</file>
-
-<file path=ppt/slides/slide4.xml><?xml version="1.0" encoding="utf-8"?>
-<p:sld xmlns:a="http://schemas.openxmlformats.org/drawingml/2006/main" xmlns:r="http://schemas.openxmlformats.org/officeDocument/2006/relationships" xmlns:p="http://schemas.openxmlformats.org/presentationml/2006/main">
-  <p:cSld>
-    <p:spTree>
-      <p:nvGrpSpPr>
-        <p:cNvPr id="1" name=""/>
-        <p:cNvGrpSpPr/>
-        <p:nvPr/>
-      </p:nvGrpSpPr>
-      <p:grpSpPr>
-        <a:xfrm>
-          <a:off x="0" y="0"/>
-          <a:ext cx="0" cy="0"/>
-          <a:chOff x="0" y="0"/>
-          <a:chExt cx="0" cy="0"/>
-        </a:xfrm>
-      </p:grpSpPr>
-      <p:sp>
-        <p:nvSpPr>
-          <p:cNvPr id="2" name="Titel 1"/>
-          <p:cNvSpPr>
-            <a:spLocks noGrp="1"/>
-          </p:cNvSpPr>
-          <p:nvPr>
-            <p:ph type="title"/>
-          </p:nvPr>
-        </p:nvSpPr>
-        <p:spPr/>
-        <p:txBody>
-          <a:bodyPr/>
-          <a:lstStyle/>
-          <a:p>
-            <a:r>
-              <a:rPr lang="de-AT" dirty="0"/>
-              <a:t>Bot </a:t>
-            </a:r>
-            <a:r>
-              <a:rPr lang="de-AT" dirty="0" err="1"/>
-              <a:t>Builder</a:t>
-            </a:r>
-            <a:r>
-              <a:rPr lang="de-AT" dirty="0"/>
-              <a:t> SDK</a:t>
-            </a:r>
-          </a:p>
-        </p:txBody>
-      </p:sp>
-      <p:sp>
-        <p:nvSpPr>
-          <p:cNvPr id="3" name="Inhaltsplatzhalter 2"/>
-          <p:cNvSpPr>
-            <a:spLocks noGrp="1"/>
-          </p:cNvSpPr>
-          <p:nvPr>
-            <p:ph idx="1"/>
-          </p:nvPr>
-        </p:nvSpPr>
-        <p:spPr/>
-        <p:txBody>
-          <a:bodyPr/>
-          <a:lstStyle/>
-          <a:p>
-            <a:r>
-              <a:rPr lang="de-AT" dirty="0"/>
-              <a:t>Open Source (</a:t>
-            </a:r>
-            <a:r>
-              <a:rPr lang="de-AT" dirty="0" err="1"/>
-              <a:t>GitHub</a:t>
-            </a:r>
-            <a:r>
-              <a:rPr lang="de-AT" dirty="0"/>
-              <a:t>)</a:t>
-            </a:r>
-            <a:br>
-              <a:rPr lang="de-AT" dirty="0"/>
-            </a:br>
-            <a:r>
-              <a:rPr lang="de-AT" dirty="0">
-                <a:hlinkClick r:id="rId2"/>
-              </a:rPr>
-              <a:t>https://github.com/Microsoft/BotBuilder/</a:t>
-            </a:r>
-            <a:endParaRPr lang="de-AT" dirty="0"/>
-          </a:p>
-          <a:p>
-            <a:r>
-              <a:rPr lang="de-DE" dirty="0"/>
-              <a:t>Version 3</a:t>
-            </a:r>
-            <a:endParaRPr lang="de-AT" dirty="0"/>
-          </a:p>
-          <a:p>
-            <a:r>
-              <a:rPr lang="de-AT" dirty="0"/>
-              <a:t>Verfügbar für Node.js und C# </a:t>
-            </a:r>
-          </a:p>
-          <a:p>
-            <a:r>
-              <a:rPr lang="de-DE" dirty="0"/>
-              <a:t>Features</a:t>
-            </a:r>
-          </a:p>
-          <a:p>
-            <a:pPr lvl="1"/>
-            <a:r>
-              <a:rPr lang="de-DE" dirty="0"/>
-              <a:t>Standard-Dialoge für Ja/Nein, Strings, Zahlen, </a:t>
-            </a:r>
-            <a:r>
-              <a:rPr lang="de-DE" dirty="0" err="1"/>
-              <a:t>Enumerations</a:t>
-            </a:r>
-            <a:endParaRPr lang="de-DE" dirty="0"/>
-          </a:p>
-          <a:p>
-            <a:pPr lvl="1"/>
-            <a:r>
-              <a:rPr lang="de-DE" dirty="0"/>
-              <a:t>Standard-Dialoge für LUIS-Integration</a:t>
-            </a:r>
-          </a:p>
-          <a:p>
-            <a:pPr lvl="1"/>
-            <a:r>
-              <a:rPr lang="de-DE" dirty="0" err="1"/>
-              <a:t>FormFlow</a:t>
-            </a:r>
-            <a:r>
-              <a:rPr lang="de-DE" dirty="0"/>
-              <a:t>: Erzeugen eines Bots auf Basis einer C#-Klasse </a:t>
-            </a:r>
-          </a:p>
-          <a:p>
-            <a:pPr lvl="1"/>
-            <a:r>
-              <a:rPr lang="de-DE" dirty="0"/>
-              <a:t>Cards</a:t>
-            </a:r>
-          </a:p>
-          <a:p>
-            <a:endParaRPr lang="de-AT" dirty="0"/>
-          </a:p>
-          <a:p>
-            <a:endParaRPr lang="de-DE" dirty="0"/>
-          </a:p>
-          <a:p>
-            <a:pPr lvl="1"/>
-            <a:endParaRPr lang="de-AT" dirty="0"/>
-          </a:p>
-        </p:txBody>
-      </p:sp>
-    </p:spTree>
-    <p:extLst>
-      <p:ext uri="{BB962C8B-B14F-4D97-AF65-F5344CB8AC3E}">
-        <p14:creationId xmlns:p14="http://schemas.microsoft.com/office/powerpoint/2010/main" val="2979343863"/>
-      </p:ext>
-    </p:extLst>
-  </p:cSld>
-  <p:clrMapOvr>
-    <a:masterClrMapping/>
-  </p:clrMapOvr>
-  <mc:AlternateContent xmlns:mc="http://schemas.openxmlformats.org/markup-compatibility/2006" xmlns:p14="http://schemas.microsoft.com/office/powerpoint/2010/main">
-    <mc:Choice Requires="p14">
-      <p:transition spd="med" p14:dur="700">
-        <p:fade/>
-      </p:transition>
-    </mc:Choice>
-    <mc:Fallback xmlns="">
-      <p:transition spd="med">
-        <p:fade/>
-      </p:transition>
-    </mc:Fallback>
-  </mc:AlternateContent>
-  <p:timing>
-    <p:tnLst>
-      <p:par>
-        <p:cTn id="1" dur="indefinite" restart="never" nodeType="tmRoot">
-          <p:childTnLst>
-            <p:seq concurrent="1" nextAc="seek">
-              <p:cTn id="2" dur="indefinite" nodeType="mainSeq">
-                <p:childTnLst>
-                  <p:par>
-                    <p:cTn id="3" fill="hold">
-                      <p:stCondLst>
-                        <p:cond delay="indefinite"/>
-                      </p:stCondLst>
-                      <p:childTnLst>
-                        <p:par>
-                          <p:cTn id="4" fill="hold">
-                            <p:stCondLst>
-                              <p:cond delay="0"/>
-                            </p:stCondLst>
-                            <p:childTnLst>
-                              <p:par>
-                                <p:cTn id="5" presetID="10" presetClass="entr" presetSubtype="0" fill="hold" nodeType="clickEffect">
-                                  <p:stCondLst>
-                                    <p:cond delay="0"/>
-                                  </p:stCondLst>
-                                  <p:childTnLst>
-                                    <p:set>
-                                      <p:cBhvr>
-                                        <p:cTn id="6" dur="1" fill="hold">
-                                          <p:stCondLst>
-                                            <p:cond delay="0"/>
-                                          </p:stCondLst>
-                                        </p:cTn>
-                                        <p:tgtEl>
-                                          <p:spTgt spid="3">
-                                            <p:txEl>
-                                              <p:pRg st="1" end="1"/>
-                                            </p:txEl>
-                                          </p:spTgt>
-                                        </p:tgtEl>
-                                        <p:attrNameLst>
-                                          <p:attrName>style.visibility</p:attrName>
-                                        </p:attrNameLst>
-                                      </p:cBhvr>
-                                      <p:to>
-                                        <p:strVal val="visible"/>
-                                      </p:to>
-                                    </p:set>
-                                    <p:animEffect transition="in" filter="fade">
-                                      <p:cBhvr>
-                                        <p:cTn id="7" dur="500"/>
-                                        <p:tgtEl>
-                                          <p:spTgt spid="3">
-                                            <p:txEl>
-                                              <p:pRg st="1" end="1"/>
-                                            </p:txEl>
-                                          </p:spTgt>
-                                        </p:tgtEl>
-                                      </p:cBhvr>
-                                    </p:animEffect>
-                                  </p:childTnLst>
-                                </p:cTn>
-                              </p:par>
-                            </p:childTnLst>
-                          </p:cTn>
-                        </p:par>
-                      </p:childTnLst>
-                    </p:cTn>
-                  </p:par>
-                  <p:par>
-                    <p:cTn id="8" fill="hold">
-                      <p:stCondLst>
-                        <p:cond delay="indefinite"/>
-                      </p:stCondLst>
-                      <p:childTnLst>
-                        <p:par>
-                          <p:cTn id="9" fill="hold">
-                            <p:stCondLst>
-                              <p:cond delay="0"/>
-                            </p:stCondLst>
-                            <p:childTnLst>
-                              <p:par>
-                                <p:cTn id="10" presetID="10" presetClass="entr" presetSubtype="0" fill="hold" nodeType="clickEffect">
-                                  <p:stCondLst>
-                                    <p:cond delay="0"/>
-                                  </p:stCondLst>
-                                  <p:childTnLst>
-                                    <p:set>
-                                      <p:cBhvr>
-                                        <p:cTn id="11" dur="1" fill="hold">
-                                          <p:stCondLst>
-                                            <p:cond delay="0"/>
-                                          </p:stCondLst>
-                                        </p:cTn>
-                                        <p:tgtEl>
-                                          <p:spTgt spid="3">
-                                            <p:txEl>
-                                              <p:pRg st="2" end="2"/>
-                                            </p:txEl>
-                                          </p:spTgt>
-                                        </p:tgtEl>
-                                        <p:attrNameLst>
-                                          <p:attrName>style.visibility</p:attrName>
-                                        </p:attrNameLst>
-                                      </p:cBhvr>
-                                      <p:to>
-                                        <p:strVal val="visible"/>
-                                      </p:to>
-                                    </p:set>
-                                    <p:animEffect transition="in" filter="fade">
-                                      <p:cBhvr>
-                                        <p:cTn id="12" dur="500"/>
-                                        <p:tgtEl>
-                                          <p:spTgt spid="3">
-                                            <p:txEl>
-                                              <p:pRg st="2" end="2"/>
-                                            </p:txEl>
-                                          </p:spTgt>
-                                        </p:tgtEl>
-                                      </p:cBhvr>
-                                    </p:animEffect>
-                                  </p:childTnLst>
-                                </p:cTn>
-                              </p:par>
-                            </p:childTnLst>
-                          </p:cTn>
-                        </p:par>
-                      </p:childTnLst>
-                    </p:cTn>
-                  </p:par>
-                  <p:par>
-                    <p:cTn id="13" fill="hold">
-                      <p:stCondLst>
-                        <p:cond delay="indefinite"/>
-                      </p:stCondLst>
-                      <p:childTnLst>
-                        <p:par>
-                          <p:cTn id="14" fill="hold">
-                            <p:stCondLst>
-                              <p:cond delay="0"/>
-                            </p:stCondLst>
-                            <p:childTnLst>
-                              <p:par>
-                                <p:cTn id="15" presetID="10" presetClass="entr" presetSubtype="0" fill="hold" nodeType="clickEffect">
-                                  <p:stCondLst>
-                                    <p:cond delay="0"/>
-                                  </p:stCondLst>
-                                  <p:childTnLst>
-                                    <p:set>
-                                      <p:cBhvr>
-                                        <p:cTn id="16" dur="1" fill="hold">
-                                          <p:stCondLst>
-                                            <p:cond delay="0"/>
-                                          </p:stCondLst>
-                                        </p:cTn>
-                                        <p:tgtEl>
-                                          <p:spTgt spid="3">
-                                            <p:txEl>
-                                              <p:pRg st="3" end="3"/>
-                                            </p:txEl>
-                                          </p:spTgt>
-                                        </p:tgtEl>
-                                        <p:attrNameLst>
-                                          <p:attrName>style.visibility</p:attrName>
-                                        </p:attrNameLst>
-                                      </p:cBhvr>
-                                      <p:to>
-                                        <p:strVal val="visible"/>
-                                      </p:to>
-                                    </p:set>
-                                    <p:animEffect transition="in" filter="fade">
-                                      <p:cBhvr>
-                                        <p:cTn id="17" dur="500"/>
-                                        <p:tgtEl>
-                                          <p:spTgt spid="3">
-                                            <p:txEl>
-                                              <p:pRg st="3" end="3"/>
-                                            </p:txEl>
-                                          </p:spTgt>
-                                        </p:tgtEl>
-                                      </p:cBhvr>
-                                    </p:animEffect>
-                                  </p:childTnLst>
-                                </p:cTn>
-                              </p:par>
-                              <p:par>
-                                <p:cTn id="18" presetID="10" presetClass="entr" presetSubtype="0" fill="hold" nodeType="withEffect">
-                                  <p:stCondLst>
-                                    <p:cond delay="0"/>
-                                  </p:stCondLst>
-                                  <p:childTnLst>
-                                    <p:set>
-                                      <p:cBhvr>
-                                        <p:cTn id="19" dur="1" fill="hold">
-                                          <p:stCondLst>
-                                            <p:cond delay="0"/>
-                                          </p:stCondLst>
-                                        </p:cTn>
-                                        <p:tgtEl>
-                                          <p:spTgt spid="3">
-                                            <p:txEl>
-                                              <p:pRg st="4" end="4"/>
-                                            </p:txEl>
-                                          </p:spTgt>
-                                        </p:tgtEl>
-                                        <p:attrNameLst>
-                                          <p:attrName>style.visibility</p:attrName>
-                                        </p:attrNameLst>
-                                      </p:cBhvr>
-                                      <p:to>
-                                        <p:strVal val="visible"/>
-                                      </p:to>
-                                    </p:set>
-                                    <p:animEffect transition="in" filter="fade">
-                                      <p:cBhvr>
-                                        <p:cTn id="20" dur="500"/>
-                                        <p:tgtEl>
-                                          <p:spTgt spid="3">
-                                            <p:txEl>
-                                              <p:pRg st="4" end="4"/>
-                                            </p:txEl>
-                                          </p:spTgt>
-                                        </p:tgtEl>
-                                      </p:cBhvr>
-                                    </p:animEffect>
-                                  </p:childTnLst>
-                                </p:cTn>
-                              </p:par>
-                              <p:par>
-                                <p:cTn id="21" presetID="10" presetClass="entr" presetSubtype="0" fill="hold" nodeType="withEffect">
-                                  <p:stCondLst>
-                                    <p:cond delay="0"/>
-                                  </p:stCondLst>
-                                  <p:childTnLst>
-                                    <p:set>
-                                      <p:cBhvr>
-                                        <p:cTn id="22" dur="1" fill="hold">
-                                          <p:stCondLst>
-                                            <p:cond delay="0"/>
-                                          </p:stCondLst>
-                                        </p:cTn>
-                                        <p:tgtEl>
-                                          <p:spTgt spid="3">
-                                            <p:txEl>
-                                              <p:pRg st="5" end="5"/>
-                                            </p:txEl>
-                                          </p:spTgt>
-                                        </p:tgtEl>
-                                        <p:attrNameLst>
-                                          <p:attrName>style.visibility</p:attrName>
-                                        </p:attrNameLst>
-                                      </p:cBhvr>
-                                      <p:to>
-                                        <p:strVal val="visible"/>
-                                      </p:to>
-                                    </p:set>
-                                    <p:animEffect transition="in" filter="fade">
-                                      <p:cBhvr>
-                                        <p:cTn id="23" dur="500"/>
-                                        <p:tgtEl>
-                                          <p:spTgt spid="3">
-                                            <p:txEl>
-                                              <p:pRg st="5" end="5"/>
-                                            </p:txEl>
-                                          </p:spTgt>
-                                        </p:tgtEl>
-                                      </p:cBhvr>
-                                    </p:animEffect>
-                                  </p:childTnLst>
-                                </p:cTn>
-                              </p:par>
-                              <p:par>
-                                <p:cTn id="24" presetID="10" presetClass="entr" presetSubtype="0" fill="hold" nodeType="withEffect">
-                                  <p:stCondLst>
-                                    <p:cond delay="0"/>
-                                  </p:stCondLst>
-                                  <p:childTnLst>
-                                    <p:set>
-                                      <p:cBhvr>
-                                        <p:cTn id="25" dur="1" fill="hold">
-                                          <p:stCondLst>
-                                            <p:cond delay="0"/>
-                                          </p:stCondLst>
-                                        </p:cTn>
-                                        <p:tgtEl>
-                                          <p:spTgt spid="3">
-                                            <p:txEl>
-                                              <p:pRg st="6" end="6"/>
-                                            </p:txEl>
-                                          </p:spTgt>
-                                        </p:tgtEl>
-                                        <p:attrNameLst>
-                                          <p:attrName>style.visibility</p:attrName>
-                                        </p:attrNameLst>
-                                      </p:cBhvr>
-                                      <p:to>
-                                        <p:strVal val="visible"/>
-                                      </p:to>
-                                    </p:set>
-                                    <p:animEffect transition="in" filter="fade">
-                                      <p:cBhvr>
-                                        <p:cTn id="26" dur="500"/>
-                                        <p:tgtEl>
-                                          <p:spTgt spid="3">
-                                            <p:txEl>
-                                              <p:pRg st="6" end="6"/>
-                                            </p:txEl>
-                                          </p:spTgt>
-                                        </p:tgtEl>
-                                      </p:cBhvr>
-                                    </p:animEffect>
-                                  </p:childTnLst>
-                                </p:cTn>
-                              </p:par>
-                              <p:par>
-                                <p:cTn id="27" presetID="10" presetClass="entr" presetSubtype="0" fill="hold" nodeType="withEffect">
-                                  <p:stCondLst>
-                                    <p:cond delay="0"/>
-                                  </p:stCondLst>
-                                  <p:childTnLst>
-                                    <p:set>
-                                      <p:cBhvr>
-                                        <p:cTn id="28" dur="1" fill="hold">
-                                          <p:stCondLst>
-                                            <p:cond delay="0"/>
-                                          </p:stCondLst>
-                                        </p:cTn>
-                                        <p:tgtEl>
-                                          <p:spTgt spid="3">
-                                            <p:txEl>
-                                              <p:pRg st="7" end="7"/>
-                                            </p:txEl>
-                                          </p:spTgt>
-                                        </p:tgtEl>
-                                        <p:attrNameLst>
-                                          <p:attrName>style.visibility</p:attrName>
-                                        </p:attrNameLst>
-                                      </p:cBhvr>
-                                      <p:to>
-                                        <p:strVal val="visible"/>
-                                      </p:to>
-                                    </p:set>
-                                    <p:animEffect transition="in" filter="fade">
-                                      <p:cBhvr>
-                                        <p:cTn id="29" dur="500"/>
-                                        <p:tgtEl>
-                                          <p:spTgt spid="3">
-                                            <p:txEl>
-                                              <p:pRg st="7" end="7"/>
-                                            </p:txEl>
-                                          </p:spTgt>
-                                        </p:tgtEl>
-                                      </p:cBhvr>
-                                    </p:animEffect>
-                                  </p:childTnLst>
-                                </p:cTn>
-                              </p:par>
-                            </p:childTnLst>
-                          </p:cTn>
-                        </p:par>
-                      </p:childTnLst>
-                    </p:cTn>
-                  </p:par>
-                </p:childTnLst>
-              </p:cTn>
-              <p:prevCondLst>
-                <p:cond evt="onPrev" delay="0">
-                  <p:tgtEl>
-                    <p:sldTgt/>
-                  </p:tgtEl>
-                </p:cond>
-              </p:prevCondLst>
-              <p:nextCondLst>
-                <p:cond evt="onNext" delay="0">
-                  <p:tgtEl>
-                    <p:sldTgt/>
-                  </p:tgtEl>
-                </p:cond>
-              </p:nextCondLst>
-            </p:seq>
-          </p:childTnLst>
-        </p:cTn>
-      </p:par>
-    </p:tnLst>
-  </p:timing>
-</p:sld>
-</file>
-
-<file path=ppt/slides/slide5.xml><?xml version="1.0" encoding="utf-8"?>
-<p:sld xmlns:a="http://schemas.openxmlformats.org/drawingml/2006/main" xmlns:r="http://schemas.openxmlformats.org/officeDocument/2006/relationships" xmlns:p="http://schemas.openxmlformats.org/presentationml/2006/main">
-  <p:cSld>
-    <p:spTree>
-      <p:nvGrpSpPr>
-        <p:cNvPr id="1" name=""/>
-        <p:cNvGrpSpPr/>
-        <p:nvPr/>
-      </p:nvGrpSpPr>
-      <p:grpSpPr>
-        <a:xfrm>
-          <a:off x="0" y="0"/>
-          <a:ext cx="0" cy="0"/>
-          <a:chOff x="0" y="0"/>
-          <a:chExt cx="0" cy="0"/>
-        </a:xfrm>
-      </p:grpSpPr>
-      <p:pic>
-        <p:nvPicPr>
-          <p:cNvPr id="6" name="Grafik 5"/>
-          <p:cNvPicPr>
-            <a:picLocks noChangeAspect="1"/>
-          </p:cNvPicPr>
-          <p:nvPr/>
-        </p:nvPicPr>
-        <p:blipFill>
-          <a:blip r:embed="rId2">
-            <a:extLst>
-              <a:ext uri="{28A0092B-C50C-407E-A947-70E740481C1C}">
-                <a14:useLocalDpi xmlns:a14="http://schemas.microsoft.com/office/drawing/2010/main" val="0"/>
-              </a:ext>
-            </a:extLst>
-          </a:blip>
-          <a:stretch>
-            <a:fillRect/>
-          </a:stretch>
-        </p:blipFill>
-        <p:spPr>
-          <a:xfrm>
-            <a:off x="660822" y="877330"/>
-            <a:ext cx="3059176" cy="5050068"/>
-          </a:xfrm>
-          <a:prstGeom prst="rect">
-            <a:avLst/>
-          </a:prstGeom>
-        </p:spPr>
-      </p:pic>
-      <p:pic>
-        <p:nvPicPr>
-          <p:cNvPr id="9" name="Grafik 8"/>
-          <p:cNvPicPr>
-            <a:picLocks noChangeAspect="1"/>
-          </p:cNvPicPr>
-          <p:nvPr/>
-        </p:nvPicPr>
-        <p:blipFill>
-          <a:blip r:embed="rId3"/>
-          <a:stretch>
-            <a:fillRect/>
-          </a:stretch>
-        </p:blipFill>
-        <p:spPr>
-          <a:xfrm>
-            <a:off x="9633981" y="2182994"/>
-            <a:ext cx="2438740" cy="2438740"/>
-          </a:xfrm>
-          <a:prstGeom prst="rect">
-            <a:avLst/>
-          </a:prstGeom>
-        </p:spPr>
-      </p:pic>
-      <p:sp>
-        <p:nvSpPr>
-          <p:cNvPr id="10" name="Wolke 9"/>
-          <p:cNvSpPr/>
-          <p:nvPr/>
-        </p:nvSpPr>
-        <p:spPr>
-          <a:xfrm>
-            <a:off x="4683211" y="1456174"/>
-            <a:ext cx="4411362" cy="3892379"/>
-          </a:xfrm>
-          <a:prstGeom prst="cloud">
-            <a:avLst/>
-          </a:prstGeom>
-        </p:spPr>
-        <p:style>
-          <a:lnRef idx="1">
-            <a:schemeClr val="accent3"/>
-          </a:lnRef>
-          <a:fillRef idx="2">
-            <a:schemeClr val="accent3"/>
-          </a:fillRef>
-          <a:effectRef idx="1">
-            <a:schemeClr val="accent3"/>
-          </a:effectRef>
-          <a:fontRef idx="minor">
-            <a:schemeClr val="dk1"/>
-          </a:fontRef>
-        </p:style>
-        <p:txBody>
-          <a:bodyPr rtlCol="0" anchor="ctr"/>
-          <a:lstStyle/>
-          <a:p>
-            <a:pPr algn="ctr"/>
-            <a:endParaRPr lang="de-AT"/>
-          </a:p>
-        </p:txBody>
-      </p:sp>
-      <p:cxnSp>
-        <p:nvCxnSpPr>
-          <p:cNvPr id="12" name="Gerade Verbindung mit Pfeil 11"/>
-          <p:cNvCxnSpPr/>
-          <p:nvPr/>
-        </p:nvCxnSpPr>
-        <p:spPr>
-          <a:xfrm>
-            <a:off x="3855308" y="3402363"/>
-            <a:ext cx="6190735" cy="0"/>
-          </a:xfrm>
-          <a:prstGeom prst="straightConnector1">
-            <a:avLst/>
-          </a:prstGeom>
-          <a:ln w="76200">
-            <a:solidFill>
-              <a:srgbClr val="C00000"/>
-            </a:solidFill>
-            <a:headEnd type="triangle"/>
-            <a:tailEnd type="triangle"/>
-          </a:ln>
-        </p:spPr>
-        <p:style>
-          <a:lnRef idx="1">
-            <a:schemeClr val="accent1"/>
-          </a:lnRef>
-          <a:fillRef idx="0">
-            <a:schemeClr val="accent1"/>
-          </a:fillRef>
-          <a:effectRef idx="0">
-            <a:schemeClr val="accent1"/>
-          </a:effectRef>
-          <a:fontRef idx="minor">
-            <a:schemeClr val="tx1"/>
-          </a:fontRef>
-        </p:style>
-      </p:cxnSp>
-      <p:sp>
-        <p:nvSpPr>
-          <p:cNvPr id="14" name="Textfeld 13"/>
-          <p:cNvSpPr txBox="1"/>
-          <p:nvPr/>
-        </p:nvSpPr>
-        <p:spPr>
-          <a:xfrm>
-            <a:off x="6435149" y="2718487"/>
-            <a:ext cx="1031051" cy="584775"/>
-          </a:xfrm>
-          <a:prstGeom prst="rect">
-            <a:avLst/>
-          </a:prstGeom>
-          <a:noFill/>
-        </p:spPr>
-        <p:txBody>
-          <a:bodyPr wrap="none" rtlCol="0">
-            <a:spAutoFit/>
-          </a:bodyPr>
-          <a:lstStyle/>
-          <a:p>
-            <a:r>
-              <a:rPr lang="de-AT" sz="3200" dirty="0">
-                <a:solidFill>
-                  <a:srgbClr val="C00000"/>
-                </a:solidFill>
-              </a:rPr>
-              <a:t>REST</a:t>
-            </a:r>
-          </a:p>
-        </p:txBody>
-      </p:sp>
-      <p:pic>
-        <p:nvPicPr>
-          <p:cNvPr id="15" name="Grafik 14"/>
-          <p:cNvPicPr>
-            <a:picLocks noChangeAspect="1"/>
-          </p:cNvPicPr>
-          <p:nvPr/>
-        </p:nvPicPr>
-        <p:blipFill>
-          <a:blip r:embed="rId3"/>
-          <a:stretch>
-            <a:fillRect/>
-          </a:stretch>
-        </p:blipFill>
-        <p:spPr>
-          <a:xfrm>
-            <a:off x="9633981" y="572134"/>
-            <a:ext cx="2438740" cy="2438740"/>
-          </a:xfrm>
-          <a:prstGeom prst="rect">
-            <a:avLst/>
-          </a:prstGeom>
-        </p:spPr>
-      </p:pic>
-      <p:pic>
-        <p:nvPicPr>
-          <p:cNvPr id="16" name="Grafik 15"/>
-          <p:cNvPicPr>
-            <a:picLocks noChangeAspect="1"/>
-          </p:cNvPicPr>
-          <p:nvPr/>
-        </p:nvPicPr>
-        <p:blipFill>
-          <a:blip r:embed="rId3"/>
-          <a:stretch>
-            <a:fillRect/>
-          </a:stretch>
-        </p:blipFill>
-        <p:spPr>
-          <a:xfrm>
-            <a:off x="9633981" y="3793854"/>
-            <a:ext cx="2438740" cy="2438740"/>
-          </a:xfrm>
-          <a:prstGeom prst="rect">
-            <a:avLst/>
-          </a:prstGeom>
-        </p:spPr>
-      </p:pic>
-    </p:spTree>
-    <p:extLst>
-      <p:ext uri="{BB962C8B-B14F-4D97-AF65-F5344CB8AC3E}">
-        <p14:creationId xmlns:p14="http://schemas.microsoft.com/office/powerpoint/2010/main" val="934137650"/>
-      </p:ext>
-    </p:extLst>
-  </p:cSld>
-  <p:clrMapOvr>
-    <a:masterClrMapping/>
-  </p:clrMapOvr>
-  <mc:AlternateContent xmlns:mc="http://schemas.openxmlformats.org/markup-compatibility/2006" xmlns:p14="http://schemas.microsoft.com/office/powerpoint/2010/main">
-    <mc:Choice Requires="p14">
-      <p:transition spd="med" p14:dur="700">
-        <p:fade/>
-      </p:transition>
-    </mc:Choice>
-    <mc:Fallback xmlns="">
-      <p:transition spd="med">
-        <p:fade/>
-      </p:transition>
-    </mc:Fallback>
-  </mc:AlternateContent>
-  <p:timing>
-    <p:tnLst>
-      <p:par>
-        <p:cTn id="1" dur="indefinite" restart="never" nodeType="tmRoot">
-          <p:childTnLst>
-            <p:seq concurrent="1" nextAc="seek">
-              <p:cTn id="2" dur="indefinite" nodeType="mainSeq">
-                <p:childTnLst>
-                  <p:par>
-                    <p:cTn id="3" fill="hold">
-                      <p:stCondLst>
-                        <p:cond delay="indefinite"/>
-                        <p:cond evt="onBegin" delay="0">
-                          <p:tn val="2"/>
-                        </p:cond>
-                      </p:stCondLst>
-                      <p:childTnLst>
-                        <p:par>
-                          <p:cTn id="4" fill="hold">
-                            <p:stCondLst>
-                              <p:cond delay="0"/>
-                            </p:stCondLst>
-                            <p:childTnLst>
-                              <p:par>
-                                <p:cTn id="5" presetID="2" presetClass="entr" presetSubtype="8" fill="hold" nodeType="afterEffect">
-                                  <p:stCondLst>
-                                    <p:cond delay="0"/>
-                                  </p:stCondLst>
-                                  <p:childTnLst>
-                                    <p:set>
-                                      <p:cBhvr>
-                                        <p:cTn id="6" dur="1" fill="hold">
-                                          <p:stCondLst>
-                                            <p:cond delay="0"/>
-                                          </p:stCondLst>
-                                        </p:cTn>
-                                        <p:tgtEl>
-                                          <p:spTgt spid="6"/>
-                                        </p:tgtEl>
-                                        <p:attrNameLst>
-                                          <p:attrName>style.visibility</p:attrName>
-                                        </p:attrNameLst>
-                                      </p:cBhvr>
-                                      <p:to>
-                                        <p:strVal val="visible"/>
-                                      </p:to>
-                                    </p:set>
-                                    <p:anim calcmode="lin" valueType="num">
-                                      <p:cBhvr additive="base">
-                                        <p:cTn id="7" dur="500" fill="hold"/>
-                                        <p:tgtEl>
-                                          <p:spTgt spid="6"/>
-                                        </p:tgtEl>
-                                        <p:attrNameLst>
-                                          <p:attrName>ppt_x</p:attrName>
-                                        </p:attrNameLst>
-                                      </p:cBhvr>
-                                      <p:tavLst>
-                                        <p:tav tm="0">
-                                          <p:val>
-                                            <p:strVal val="0-#ppt_w/2"/>
-                                          </p:val>
-                                        </p:tav>
-                                        <p:tav tm="100000">
-                                          <p:val>
-                                            <p:strVal val="#ppt_x"/>
-                                          </p:val>
-                                        </p:tav>
-                                      </p:tavLst>
-                                    </p:anim>
-                                    <p:anim calcmode="lin" valueType="num">
-                                      <p:cBhvr additive="base">
-                                        <p:cTn id="8" dur="500" fill="hold"/>
-                                        <p:tgtEl>
-                                          <p:spTgt spid="6"/>
-                                        </p:tgtEl>
-                                        <p:attrNameLst>
-                                          <p:attrName>ppt_y</p:attrName>
-                                        </p:attrNameLst>
-                                      </p:cBhvr>
-                                      <p:tavLst>
-                                        <p:tav tm="0">
-                                          <p:val>
-                                            <p:strVal val="#ppt_y"/>
-                                          </p:val>
-                                        </p:tav>
-                                        <p:tav tm="100000">
-                                          <p:val>
-                                            <p:strVal val="#ppt_y"/>
-                                          </p:val>
-                                        </p:tav>
-                                      </p:tavLst>
-                                    </p:anim>
-                                  </p:childTnLst>
-                                </p:cTn>
-                              </p:par>
-                              <p:par>
-                                <p:cTn id="9" presetID="2" presetClass="entr" presetSubtype="2" fill="hold" nodeType="withEffect">
-                                  <p:stCondLst>
-                                    <p:cond delay="250"/>
-                                  </p:stCondLst>
-                                  <p:childTnLst>
-                                    <p:set>
-                                      <p:cBhvr>
-                                        <p:cTn id="10" dur="1" fill="hold">
-                                          <p:stCondLst>
-                                            <p:cond delay="0"/>
-                                          </p:stCondLst>
-                                        </p:cTn>
-                                        <p:tgtEl>
-                                          <p:spTgt spid="9"/>
-                                        </p:tgtEl>
-                                        <p:attrNameLst>
-                                          <p:attrName>style.visibility</p:attrName>
-                                        </p:attrNameLst>
-                                      </p:cBhvr>
-                                      <p:to>
-                                        <p:strVal val="visible"/>
-                                      </p:to>
-                                    </p:set>
-                                    <p:anim calcmode="lin" valueType="num">
-                                      <p:cBhvr additive="base">
-                                        <p:cTn id="11" dur="500" fill="hold"/>
-                                        <p:tgtEl>
-                                          <p:spTgt spid="9"/>
-                                        </p:tgtEl>
-                                        <p:attrNameLst>
-                                          <p:attrName>ppt_x</p:attrName>
-                                        </p:attrNameLst>
-                                      </p:cBhvr>
-                                      <p:tavLst>
-                                        <p:tav tm="0">
-                                          <p:val>
-                                            <p:strVal val="1+#ppt_w/2"/>
-                                          </p:val>
-                                        </p:tav>
-                                        <p:tav tm="100000">
-                                          <p:val>
-                                            <p:strVal val="#ppt_x"/>
-                                          </p:val>
-                                        </p:tav>
-                                      </p:tavLst>
-                                    </p:anim>
-                                    <p:anim calcmode="lin" valueType="num">
-                                      <p:cBhvr additive="base">
-                                        <p:cTn id="12" dur="500" fill="hold"/>
-                                        <p:tgtEl>
-                                          <p:spTgt spid="9"/>
-                                        </p:tgtEl>
-                                        <p:attrNameLst>
-                                          <p:attrName>ppt_y</p:attrName>
-                                        </p:attrNameLst>
-                                      </p:cBhvr>
-                                      <p:tavLst>
-                                        <p:tav tm="0">
-                                          <p:val>
-                                            <p:strVal val="#ppt_y"/>
-                                          </p:val>
-                                        </p:tav>
-                                        <p:tav tm="100000">
-                                          <p:val>
-                                            <p:strVal val="#ppt_y"/>
-                                          </p:val>
-                                        </p:tav>
-                                      </p:tavLst>
-                                    </p:anim>
-                                  </p:childTnLst>
-                                </p:cTn>
-                              </p:par>
-                              <p:par>
-                                <p:cTn id="13" presetID="10" presetClass="entr" presetSubtype="0" fill="hold" grpId="0" nodeType="withEffect">
-                                  <p:stCondLst>
-                                    <p:cond delay="250"/>
-                                  </p:stCondLst>
-                                  <p:childTnLst>
-                                    <p:set>
-                                      <p:cBhvr>
-                                        <p:cTn id="14" dur="1" fill="hold">
-                                          <p:stCondLst>
-                                            <p:cond delay="0"/>
-                                          </p:stCondLst>
-                                        </p:cTn>
-                                        <p:tgtEl>
-                                          <p:spTgt spid="10"/>
-                                        </p:tgtEl>
-                                        <p:attrNameLst>
-                                          <p:attrName>style.visibility</p:attrName>
-                                        </p:attrNameLst>
-                                      </p:cBhvr>
-                                      <p:to>
-                                        <p:strVal val="visible"/>
-                                      </p:to>
-                                    </p:set>
-                                    <p:animEffect transition="in" filter="fade">
-                                      <p:cBhvr>
-                                        <p:cTn id="15" dur="500"/>
-                                        <p:tgtEl>
-                                          <p:spTgt spid="10"/>
-                                        </p:tgtEl>
-                                      </p:cBhvr>
-                                    </p:animEffect>
-                                  </p:childTnLst>
-                                </p:cTn>
-                              </p:par>
-                            </p:childTnLst>
-                          </p:cTn>
-                        </p:par>
-                        <p:par>
-                          <p:cTn id="16" fill="hold">
-                            <p:stCondLst>
-                              <p:cond delay="750"/>
-                            </p:stCondLst>
-                            <p:childTnLst>
-                              <p:par>
-                                <p:cTn id="17" presetID="42" presetClass="entr" presetSubtype="0" fill="hold" nodeType="afterEffect">
-                                  <p:stCondLst>
-                                    <p:cond delay="0"/>
-                                  </p:stCondLst>
-                                  <p:childTnLst>
-                                    <p:set>
-                                      <p:cBhvr>
-                                        <p:cTn id="18" dur="1" fill="hold">
-                                          <p:stCondLst>
-                                            <p:cond delay="0"/>
-                                          </p:stCondLst>
-                                        </p:cTn>
-                                        <p:tgtEl>
-                                          <p:spTgt spid="12"/>
-                                        </p:tgtEl>
-                                        <p:attrNameLst>
-                                          <p:attrName>style.visibility</p:attrName>
-                                        </p:attrNameLst>
-                                      </p:cBhvr>
-                                      <p:to>
-                                        <p:strVal val="visible"/>
-                                      </p:to>
-                                    </p:set>
-                                    <p:animEffect transition="in" filter="fade">
-                                      <p:cBhvr>
-                                        <p:cTn id="19" dur="1000"/>
-                                        <p:tgtEl>
-                                          <p:spTgt spid="12"/>
-                                        </p:tgtEl>
-                                      </p:cBhvr>
-                                    </p:animEffect>
-                                    <p:anim calcmode="lin" valueType="num">
-                                      <p:cBhvr>
-                                        <p:cTn id="20" dur="1000" fill="hold"/>
-                                        <p:tgtEl>
-                                          <p:spTgt spid="12"/>
-                                        </p:tgtEl>
-                                        <p:attrNameLst>
-                                          <p:attrName>ppt_x</p:attrName>
-                                        </p:attrNameLst>
-                                      </p:cBhvr>
-                                      <p:tavLst>
-                                        <p:tav tm="0">
-                                          <p:val>
-                                            <p:strVal val="#ppt_x"/>
-                                          </p:val>
-                                        </p:tav>
-                                        <p:tav tm="100000">
-                                          <p:val>
-                                            <p:strVal val="#ppt_x"/>
-                                          </p:val>
-                                        </p:tav>
-                                      </p:tavLst>
-                                    </p:anim>
-                                    <p:anim calcmode="lin" valueType="num">
-                                      <p:cBhvr>
-                                        <p:cTn id="21" dur="1000" fill="hold"/>
-                                        <p:tgtEl>
-                                          <p:spTgt spid="12"/>
-                                        </p:tgtEl>
-                                        <p:attrNameLst>
-                                          <p:attrName>ppt_y</p:attrName>
-                                        </p:attrNameLst>
-                                      </p:cBhvr>
-                                      <p:tavLst>
-                                        <p:tav tm="0">
-                                          <p:val>
-                                            <p:strVal val="#ppt_y+.1"/>
-                                          </p:val>
-                                        </p:tav>
-                                        <p:tav tm="100000">
-                                          <p:val>
-                                            <p:strVal val="#ppt_y"/>
-                                          </p:val>
-                                        </p:tav>
-                                      </p:tavLst>
-                                    </p:anim>
-                                  </p:childTnLst>
-                                </p:cTn>
-                              </p:par>
-                              <p:par>
-                                <p:cTn id="22" presetID="42" presetClass="entr" presetSubtype="0" fill="hold" grpId="0" nodeType="withEffect">
-                                  <p:stCondLst>
-                                    <p:cond delay="0"/>
-                                  </p:stCondLst>
-                                  <p:childTnLst>
-                                    <p:set>
-                                      <p:cBhvr>
-                                        <p:cTn id="23" dur="1" fill="hold">
-                                          <p:stCondLst>
-                                            <p:cond delay="0"/>
-                                          </p:stCondLst>
-                                        </p:cTn>
-                                        <p:tgtEl>
-                                          <p:spTgt spid="14"/>
-                                        </p:tgtEl>
-                                        <p:attrNameLst>
-                                          <p:attrName>style.visibility</p:attrName>
-                                        </p:attrNameLst>
-                                      </p:cBhvr>
-                                      <p:to>
-                                        <p:strVal val="visible"/>
-                                      </p:to>
-                                    </p:set>
-                                    <p:animEffect transition="in" filter="fade">
-                                      <p:cBhvr>
-                                        <p:cTn id="24" dur="1000"/>
-                                        <p:tgtEl>
-                                          <p:spTgt spid="14"/>
-                                        </p:tgtEl>
-                                      </p:cBhvr>
-                                    </p:animEffect>
-                                    <p:anim calcmode="lin" valueType="num">
-                                      <p:cBhvr>
-                                        <p:cTn id="25" dur="1000" fill="hold"/>
-                                        <p:tgtEl>
-                                          <p:spTgt spid="14"/>
-                                        </p:tgtEl>
-                                        <p:attrNameLst>
-                                          <p:attrName>ppt_x</p:attrName>
-                                        </p:attrNameLst>
-                                      </p:cBhvr>
-                                      <p:tavLst>
-                                        <p:tav tm="0">
-                                          <p:val>
-                                            <p:strVal val="#ppt_x"/>
-                                          </p:val>
-                                        </p:tav>
-                                        <p:tav tm="100000">
-                                          <p:val>
-                                            <p:strVal val="#ppt_x"/>
-                                          </p:val>
-                                        </p:tav>
-                                      </p:tavLst>
-                                    </p:anim>
-                                    <p:anim calcmode="lin" valueType="num">
-                                      <p:cBhvr>
-                                        <p:cTn id="26" dur="1000" fill="hold"/>
-                                        <p:tgtEl>
-                                          <p:spTgt spid="14"/>
-                                        </p:tgtEl>
-                                        <p:attrNameLst>
-                                          <p:attrName>ppt_y</p:attrName>
-                                        </p:attrNameLst>
-                                      </p:cBhvr>
-                                      <p:tavLst>
-                                        <p:tav tm="0">
-                                          <p:val>
-                                            <p:strVal val="#ppt_y+.1"/>
-                                          </p:val>
-                                        </p:tav>
-                                        <p:tav tm="100000">
-                                          <p:val>
-                                            <p:strVal val="#ppt_y"/>
-                                          </p:val>
-                                        </p:tav>
-                                      </p:tavLst>
-                                    </p:anim>
-                                  </p:childTnLst>
-                                </p:cTn>
-                              </p:par>
-                            </p:childTnLst>
-                          </p:cTn>
-                        </p:par>
-                      </p:childTnLst>
-                    </p:cTn>
-                  </p:par>
-                  <p:par>
-                    <p:cTn id="27" fill="hold">
-                      <p:stCondLst>
-                        <p:cond delay="indefinite"/>
-                      </p:stCondLst>
-                      <p:childTnLst>
-                        <p:par>
-                          <p:cTn id="28" fill="hold">
-                            <p:stCondLst>
-                              <p:cond delay="0"/>
-                            </p:stCondLst>
-                            <p:childTnLst>
-                              <p:par>
-                                <p:cTn id="29" presetID="2" presetClass="entr" presetSubtype="2" fill="hold" nodeType="clickEffect">
-                                  <p:stCondLst>
-                                    <p:cond delay="0"/>
-                                  </p:stCondLst>
-                                  <p:childTnLst>
-                                    <p:set>
-                                      <p:cBhvr>
-                                        <p:cTn id="30" dur="1" fill="hold">
-                                          <p:stCondLst>
-                                            <p:cond delay="0"/>
-                                          </p:stCondLst>
-                                        </p:cTn>
-                                        <p:tgtEl>
-                                          <p:spTgt spid="16"/>
-                                        </p:tgtEl>
-                                        <p:attrNameLst>
-                                          <p:attrName>style.visibility</p:attrName>
-                                        </p:attrNameLst>
-                                      </p:cBhvr>
-                                      <p:to>
-                                        <p:strVal val="visible"/>
-                                      </p:to>
-                                    </p:set>
-                                    <p:anim calcmode="lin" valueType="num">
-                                      <p:cBhvr additive="base">
-                                        <p:cTn id="31" dur="500" fill="hold"/>
-                                        <p:tgtEl>
-                                          <p:spTgt spid="16"/>
-                                        </p:tgtEl>
-                                        <p:attrNameLst>
-                                          <p:attrName>ppt_x</p:attrName>
-                                        </p:attrNameLst>
-                                      </p:cBhvr>
-                                      <p:tavLst>
-                                        <p:tav tm="0">
-                                          <p:val>
-                                            <p:strVal val="1+#ppt_w/2"/>
-                                          </p:val>
-                                        </p:tav>
-                                        <p:tav tm="100000">
-                                          <p:val>
-                                            <p:strVal val="#ppt_x"/>
-                                          </p:val>
-                                        </p:tav>
-                                      </p:tavLst>
-                                    </p:anim>
-                                    <p:anim calcmode="lin" valueType="num">
-                                      <p:cBhvr additive="base">
-                                        <p:cTn id="32" dur="500" fill="hold"/>
-                                        <p:tgtEl>
-                                          <p:spTgt spid="16"/>
-                                        </p:tgtEl>
-                                        <p:attrNameLst>
-                                          <p:attrName>ppt_y</p:attrName>
-                                        </p:attrNameLst>
-                                      </p:cBhvr>
-                                      <p:tavLst>
-                                        <p:tav tm="0">
-                                          <p:val>
-                                            <p:strVal val="#ppt_y"/>
-                                          </p:val>
-                                        </p:tav>
-                                        <p:tav tm="100000">
-                                          <p:val>
-                                            <p:strVal val="#ppt_y"/>
-                                          </p:val>
-                                        </p:tav>
-                                      </p:tavLst>
-                                    </p:anim>
-                                  </p:childTnLst>
-                                </p:cTn>
-                              </p:par>
-                              <p:par>
-                                <p:cTn id="33" presetID="2" presetClass="entr" presetSubtype="2" fill="hold" nodeType="withEffect">
-                                  <p:stCondLst>
-                                    <p:cond delay="0"/>
-                                  </p:stCondLst>
-                                  <p:childTnLst>
-                                    <p:set>
-                                      <p:cBhvr>
-                                        <p:cTn id="34" dur="1" fill="hold">
-                                          <p:stCondLst>
-                                            <p:cond delay="0"/>
-                                          </p:stCondLst>
-                                        </p:cTn>
-                                        <p:tgtEl>
-                                          <p:spTgt spid="15"/>
-                                        </p:tgtEl>
-                                        <p:attrNameLst>
-                                          <p:attrName>style.visibility</p:attrName>
-                                        </p:attrNameLst>
-                                      </p:cBhvr>
-                                      <p:to>
-                                        <p:strVal val="visible"/>
-                                      </p:to>
-                                    </p:set>
-                                    <p:anim calcmode="lin" valueType="num">
-                                      <p:cBhvr additive="base">
-                                        <p:cTn id="35" dur="500" fill="hold"/>
-                                        <p:tgtEl>
-                                          <p:spTgt spid="15"/>
-                                        </p:tgtEl>
-                                        <p:attrNameLst>
-                                          <p:attrName>ppt_x</p:attrName>
-                                        </p:attrNameLst>
-                                      </p:cBhvr>
-                                      <p:tavLst>
-                                        <p:tav tm="0">
-                                          <p:val>
-                                            <p:strVal val="1+#ppt_w/2"/>
-                                          </p:val>
-                                        </p:tav>
-                                        <p:tav tm="100000">
-                                          <p:val>
-                                            <p:strVal val="#ppt_x"/>
-                                          </p:val>
-                                        </p:tav>
-                                      </p:tavLst>
-                                    </p:anim>
-                                    <p:anim calcmode="lin" valueType="num">
-                                      <p:cBhvr additive="base">
-                                        <p:cTn id="36" dur="500" fill="hold"/>
-                                        <p:tgtEl>
-                                          <p:spTgt spid="15"/>
-                                        </p:tgtEl>
-                                        <p:attrNameLst>
-                                          <p:attrName>ppt_y</p:attrName>
-                                        </p:attrNameLst>
-                                      </p:cBhvr>
-                                      <p:tavLst>
-                                        <p:tav tm="0">
-                                          <p:val>
-                                            <p:strVal val="#ppt_y"/>
-                                          </p:val>
-                                        </p:tav>
-                                        <p:tav tm="100000">
-                                          <p:val>
-                                            <p:strVal val="#ppt_y"/>
-                                          </p:val>
-                                        </p:tav>
-                                      </p:tavLst>
-                                    </p:anim>
-                                  </p:childTnLst>
-                                </p:cTn>
-                              </p:par>
-                            </p:childTnLst>
-                          </p:cTn>
-                        </p:par>
-                      </p:childTnLst>
-                    </p:cTn>
-                  </p:par>
-                </p:childTnLst>
-              </p:cTn>
-              <p:prevCondLst>
-                <p:cond evt="onPrev" delay="0">
-                  <p:tgtEl>
-                    <p:sldTgt/>
-                  </p:tgtEl>
-                </p:cond>
-              </p:prevCondLst>
-              <p:nextCondLst>
-                <p:cond evt="onNext" delay="0">
-                  <p:tgtEl>
-                    <p:sldTgt/>
-                  </p:tgtEl>
-                </p:cond>
-              </p:nextCondLst>
-            </p:seq>
-          </p:childTnLst>
-        </p:cTn>
-      </p:par>
-    </p:tnLst>
-    <p:bldLst>
-      <p:bldP spid="10" grpId="0" animBg="1"/>
-      <p:bldP spid="14" grpId="0"/>
-    </p:bldLst>
-  </p:timing>
-</p:sld>
-</file>
-
-<file path=ppt/slides/slide6.xml><?xml version="1.0" encoding="utf-8"?>
-<p:sld xmlns:a="http://schemas.openxmlformats.org/drawingml/2006/main" xmlns:r="http://schemas.openxmlformats.org/officeDocument/2006/relationships" xmlns:p="http://schemas.openxmlformats.org/presentationml/2006/main">
-  <p:cSld>
-    <p:spTree>
-      <p:nvGrpSpPr>
-        <p:cNvPr id="1" name=""/>
-        <p:cNvGrpSpPr/>
-        <p:nvPr/>
-      </p:nvGrpSpPr>
-      <p:grpSpPr>
-        <a:xfrm>
-          <a:off x="0" y="0"/>
-          <a:ext cx="0" cy="0"/>
-          <a:chOff x="0" y="0"/>
-          <a:chExt cx="0" cy="0"/>
-        </a:xfrm>
-      </p:grpSpPr>
-      <p:sp>
-        <p:nvSpPr>
-          <p:cNvPr id="2" name="Titel 1"/>
-          <p:cNvSpPr>
-            <a:spLocks noGrp="1"/>
-          </p:cNvSpPr>
-          <p:nvPr>
-            <p:ph type="title"/>
-          </p:nvPr>
-        </p:nvSpPr>
-        <p:spPr/>
-        <p:txBody>
-          <a:bodyPr/>
-          <a:lstStyle/>
-          <a:p>
-            <a:r>
-              <a:rPr lang="de-AT" dirty="0"/>
-              <a:t>Bot Directory</a:t>
-            </a:r>
-          </a:p>
-        </p:txBody>
-      </p:sp>
-      <p:sp>
-        <p:nvSpPr>
-          <p:cNvPr id="3" name="Inhaltsplatzhalter 2"/>
-          <p:cNvSpPr>
-            <a:spLocks noGrp="1"/>
-          </p:cNvSpPr>
-          <p:nvPr>
-            <p:ph idx="1"/>
-          </p:nvPr>
-        </p:nvSpPr>
-        <p:spPr>
-          <a:xfrm>
-            <a:off x="838200" y="1825625"/>
-            <a:ext cx="5328424" cy="4351338"/>
-          </a:xfrm>
-        </p:spPr>
-        <p:txBody>
-          <a:bodyPr/>
-          <a:lstStyle/>
-          <a:p>
-            <a:r>
-              <a:rPr lang="de-AT" dirty="0"/>
-              <a:t>Registrierung unter</a:t>
-            </a:r>
-            <a:br>
-              <a:rPr lang="de-AT" dirty="0"/>
-            </a:br>
-            <a:r>
-              <a:rPr lang="de-AT" dirty="0">
-                <a:hlinkClick r:id="rId2"/>
-              </a:rPr>
-              <a:t>http://dev.botframework.com</a:t>
-            </a:r>
-            <a:endParaRPr lang="de-AT" dirty="0"/>
-          </a:p>
-          <a:p>
-            <a:r>
-              <a:rPr lang="de-AT" dirty="0"/>
-              <a:t>Endpunkt-Adresse</a:t>
-            </a:r>
-          </a:p>
-          <a:p>
-            <a:r>
-              <a:rPr lang="de-AT" dirty="0"/>
-              <a:t>Möglichkeit zur Veröffentlichung im Bot Directory</a:t>
-            </a:r>
-          </a:p>
-          <a:p>
-            <a:endParaRPr lang="de-AT" dirty="0"/>
-          </a:p>
-        </p:txBody>
-      </p:sp>
-      <p:pic>
-        <p:nvPicPr>
-          <p:cNvPr id="6" name="Grafik 5"/>
-          <p:cNvPicPr>
-            <a:picLocks noChangeAspect="1"/>
-          </p:cNvPicPr>
-          <p:nvPr/>
-        </p:nvPicPr>
-        <p:blipFill>
-          <a:blip r:embed="rId3">
-            <a:extLst>
-              <a:ext uri="{28A0092B-C50C-407E-A947-70E740481C1C}">
-                <a14:useLocalDpi xmlns:a14="http://schemas.microsoft.com/office/drawing/2010/main" val="0"/>
-              </a:ext>
-            </a:extLst>
-          </a:blip>
-          <a:stretch>
-            <a:fillRect/>
-          </a:stretch>
-        </p:blipFill>
-        <p:spPr>
-          <a:xfrm>
-            <a:off x="6393121" y="1825625"/>
-            <a:ext cx="5798879" cy="4828478"/>
-          </a:xfrm>
-          <a:prstGeom prst="rect">
-            <a:avLst/>
-          </a:prstGeom>
-        </p:spPr>
-      </p:pic>
-    </p:spTree>
-    <p:extLst>
-      <p:ext uri="{BB962C8B-B14F-4D97-AF65-F5344CB8AC3E}">
-        <p14:creationId xmlns:p14="http://schemas.microsoft.com/office/powerpoint/2010/main" val="3207087208"/>
-      </p:ext>
-    </p:extLst>
-  </p:cSld>
-  <p:clrMapOvr>
-    <a:masterClrMapping/>
-  </p:clrMapOvr>
-  <mc:AlternateContent xmlns:mc="http://schemas.openxmlformats.org/markup-compatibility/2006" xmlns:p14="http://schemas.microsoft.com/office/powerpoint/2010/main">
-    <mc:Choice Requires="p14">
-      <p:transition spd="med" p14:dur="700">
-        <p:fade/>
-      </p:transition>
-    </mc:Choice>
-    <mc:Fallback xmlns="">
-      <p:transition spd="med">
-        <p:fade/>
-      </p:transition>
-    </mc:Fallback>
-  </mc:AlternateContent>
-</p:sld>
-</file>
-
-<file path=ppt/slides/slide7.xml><?xml version="1.0" encoding="utf-8"?>
-<p:sld xmlns:a="http://schemas.openxmlformats.org/drawingml/2006/main" xmlns:r="http://schemas.openxmlformats.org/officeDocument/2006/relationships" xmlns:p="http://schemas.openxmlformats.org/presentationml/2006/main">
-  <p:cSld>
-    <p:spTree>
-      <p:nvGrpSpPr>
-        <p:cNvPr id="1" name=""/>
-        <p:cNvGrpSpPr/>
-        <p:nvPr/>
-      </p:nvGrpSpPr>
-      <p:grpSpPr>
-        <a:xfrm>
-          <a:off x="0" y="0"/>
-          <a:ext cx="0" cy="0"/>
-          <a:chOff x="0" y="0"/>
-          <a:chExt cx="0" cy="0"/>
-        </a:xfrm>
-      </p:grpSpPr>
-      <p:sp>
-        <p:nvSpPr>
-          <p:cNvPr id="2" name="Titel 1"/>
-          <p:cNvSpPr>
-            <a:spLocks noGrp="1"/>
-          </p:cNvSpPr>
-          <p:nvPr>
-            <p:ph type="title"/>
-          </p:nvPr>
-        </p:nvSpPr>
-        <p:spPr/>
-        <p:txBody>
-          <a:bodyPr/>
-          <a:lstStyle/>
-          <a:p>
-            <a:r>
-              <a:rPr lang="de-AT" dirty="0"/>
-              <a:t>Channels</a:t>
-            </a:r>
-          </a:p>
-        </p:txBody>
-      </p:sp>
-      <p:pic>
-        <p:nvPicPr>
-          <p:cNvPr id="14" name="Grafik 13"/>
-          <p:cNvPicPr>
-            <a:picLocks noChangeAspect="1"/>
-          </p:cNvPicPr>
-          <p:nvPr/>
-        </p:nvPicPr>
-        <p:blipFill>
-          <a:blip r:embed="rId2">
-            <a:extLst>
-              <a:ext uri="{28A0092B-C50C-407E-A947-70E740481C1C}">
-                <a14:useLocalDpi xmlns:a14="http://schemas.microsoft.com/office/drawing/2010/main" val="0"/>
-              </a:ext>
-            </a:extLst>
-          </a:blip>
-          <a:stretch>
-            <a:fillRect/>
-          </a:stretch>
-        </p:blipFill>
-        <p:spPr>
-          <a:xfrm>
-            <a:off x="7842810" y="160866"/>
-            <a:ext cx="4000000" cy="6603174"/>
-          </a:xfrm>
-          <a:prstGeom prst="rect">
-            <a:avLst/>
-          </a:prstGeom>
-        </p:spPr>
-      </p:pic>
-      <p:pic>
-        <p:nvPicPr>
-          <p:cNvPr id="15" name="Grafik 14"/>
-          <p:cNvPicPr>
-            <a:picLocks noChangeAspect="1"/>
-          </p:cNvPicPr>
-          <p:nvPr/>
-        </p:nvPicPr>
-        <p:blipFill>
-          <a:blip r:embed="rId3">
-            <a:extLst>
-              <a:ext uri="{28A0092B-C50C-407E-A947-70E740481C1C}">
-                <a14:useLocalDpi xmlns:a14="http://schemas.microsoft.com/office/drawing/2010/main" val="0"/>
-              </a:ext>
-            </a:extLst>
-          </a:blip>
-          <a:stretch>
-            <a:fillRect/>
-          </a:stretch>
-        </p:blipFill>
-        <p:spPr>
-          <a:xfrm>
-            <a:off x="7471510" y="33453"/>
-            <a:ext cx="7764579" cy="6858000"/>
-          </a:xfrm>
-          <a:prstGeom prst="rect">
-            <a:avLst/>
-          </a:prstGeom>
-        </p:spPr>
-      </p:pic>
-      <p:pic>
-        <p:nvPicPr>
-          <p:cNvPr id="9" name="Grafik 8">
-            <a:extLst>
-              <a:ext uri="{FF2B5EF4-FFF2-40B4-BE49-F238E27FC236}">
-                <a16:creationId xmlns:a16="http://schemas.microsoft.com/office/drawing/2014/main" id="{A2335BC0-C1AC-40E3-80E2-F7F681706C67}"/>
-              </a:ext>
-            </a:extLst>
-          </p:cNvPr>
-          <p:cNvPicPr>
-            <a:picLocks noChangeAspect="1"/>
-          </p:cNvPicPr>
-          <p:nvPr/>
-        </p:nvPicPr>
-        <p:blipFill>
-          <a:blip r:embed="rId4"/>
-          <a:stretch>
-            <a:fillRect/>
-          </a:stretch>
-        </p:blipFill>
-        <p:spPr>
-          <a:xfrm>
-            <a:off x="838200" y="1458412"/>
-            <a:ext cx="6063986" cy="4634973"/>
-          </a:xfrm>
-          <a:prstGeom prst="rect">
-            <a:avLst/>
-          </a:prstGeom>
-        </p:spPr>
-      </p:pic>
-      <p:sp>
-        <p:nvSpPr>
-          <p:cNvPr id="13" name="Textfeld 12">
-            <a:extLst>
-              <a:ext uri="{FF2B5EF4-FFF2-40B4-BE49-F238E27FC236}">
-                <a16:creationId xmlns:a16="http://schemas.microsoft.com/office/drawing/2014/main" id="{8BDCE6FF-AA1B-42C0-B750-369AA96BB447}"/>
-              </a:ext>
-            </a:extLst>
-          </p:cNvPr>
-          <p:cNvSpPr txBox="1"/>
-          <p:nvPr/>
-        </p:nvSpPr>
-        <p:spPr>
-          <a:xfrm>
-            <a:off x="882650" y="6318250"/>
-            <a:ext cx="1939313" cy="369332"/>
-          </a:xfrm>
-          <a:prstGeom prst="rect">
-            <a:avLst/>
-          </a:prstGeom>
-          <a:noFill/>
-        </p:spPr>
-        <p:txBody>
-          <a:bodyPr wrap="none" rtlCol="0">
-            <a:spAutoFit/>
-          </a:bodyPr>
-          <a:lstStyle/>
-          <a:p>
-            <a:r>
-              <a:rPr lang="de-DE">
-                <a:hlinkClick r:id="rId5"/>
-              </a:rPr>
-              <a:t>Channel Inspector</a:t>
-            </a:r>
-            <a:r>
-              <a:rPr lang="de-DE"/>
-              <a:t> </a:t>
-            </a:r>
-            <a:endParaRPr lang="de-DE" dirty="0"/>
-          </a:p>
-        </p:txBody>
-      </p:sp>
-    </p:spTree>
-    <p:extLst>
-      <p:ext uri="{BB962C8B-B14F-4D97-AF65-F5344CB8AC3E}">
-        <p14:creationId xmlns:p14="http://schemas.microsoft.com/office/powerpoint/2010/main" val="2965828358"/>
-      </p:ext>
-    </p:extLst>
-  </p:cSld>
-  <p:clrMapOvr>
-    <a:masterClrMapping/>
-  </p:clrMapOvr>
-  <mc:AlternateContent xmlns:mc="http://schemas.openxmlformats.org/markup-compatibility/2006" xmlns:p14="http://schemas.microsoft.com/office/powerpoint/2010/main">
-    <mc:Choice Requires="p14">
-      <p:transition spd="med" p14:dur="700">
-        <p:fade/>
-      </p:transition>
-    </mc:Choice>
-    <mc:Fallback xmlns="">
-      <p:transition spd="med">
-        <p:fade/>
-      </p:transition>
-    </mc:Fallback>
-  </mc:AlternateContent>
-  <p:timing>
-    <p:tnLst>
-      <p:par>
-        <p:cTn id="1" dur="indefinite" restart="never" nodeType="tmRoot">
-          <p:childTnLst>
-            <p:seq concurrent="1" nextAc="seek">
-              <p:cTn id="2" dur="indefinite" nodeType="mainSeq">
-                <p:childTnLst>
-                  <p:par>
-                    <p:cTn id="3" fill="hold">
-                      <p:stCondLst>
-                        <p:cond delay="indefinite"/>
-                      </p:stCondLst>
-                      <p:childTnLst>
-                        <p:par>
-                          <p:cTn id="4" fill="hold">
-                            <p:stCondLst>
-                              <p:cond delay="0"/>
-                            </p:stCondLst>
-                            <p:childTnLst>
-                              <p:par>
-                                <p:cTn id="5" presetID="10" presetClass="entr" presetSubtype="0" fill="hold" nodeType="clickEffect">
-                                  <p:stCondLst>
-                                    <p:cond delay="0"/>
-                                  </p:stCondLst>
-                                  <p:childTnLst>
-                                    <p:set>
-                                      <p:cBhvr>
-                                        <p:cTn id="6" dur="1" fill="hold">
-                                          <p:stCondLst>
-                                            <p:cond delay="0"/>
-                                          </p:stCondLst>
-                                        </p:cTn>
-                                        <p:tgtEl>
-                                          <p:spTgt spid="14"/>
-                                        </p:tgtEl>
-                                        <p:attrNameLst>
-                                          <p:attrName>style.visibility</p:attrName>
-                                        </p:attrNameLst>
-                                      </p:cBhvr>
-                                      <p:to>
-                                        <p:strVal val="visible"/>
-                                      </p:to>
-                                    </p:set>
-                                    <p:animEffect transition="in" filter="fade">
-                                      <p:cBhvr>
-                                        <p:cTn id="7" dur="500"/>
-                                        <p:tgtEl>
-                                          <p:spTgt spid="14"/>
-                                        </p:tgtEl>
-                                      </p:cBhvr>
-                                    </p:animEffect>
-                                  </p:childTnLst>
-                                </p:cTn>
-                              </p:par>
-                            </p:childTnLst>
-                          </p:cTn>
-                        </p:par>
-                      </p:childTnLst>
-                    </p:cTn>
-                  </p:par>
-                  <p:par>
-                    <p:cTn id="8" fill="hold">
-                      <p:stCondLst>
-                        <p:cond delay="indefinite"/>
-                      </p:stCondLst>
-                      <p:childTnLst>
-                        <p:par>
-                          <p:cTn id="9" fill="hold">
-                            <p:stCondLst>
-                              <p:cond delay="0"/>
-                            </p:stCondLst>
-                            <p:childTnLst>
-                              <p:par>
-                                <p:cTn id="10" presetID="10" presetClass="entr" presetSubtype="0" fill="hold" nodeType="clickEffect">
-                                  <p:stCondLst>
-                                    <p:cond delay="0"/>
-                                  </p:stCondLst>
-                                  <p:childTnLst>
-                                    <p:set>
-                                      <p:cBhvr>
-                                        <p:cTn id="11" dur="1" fill="hold">
-                                          <p:stCondLst>
-                                            <p:cond delay="0"/>
-                                          </p:stCondLst>
-                                        </p:cTn>
-                                        <p:tgtEl>
-                                          <p:spTgt spid="15"/>
-                                        </p:tgtEl>
-                                        <p:attrNameLst>
-                                          <p:attrName>style.visibility</p:attrName>
-                                        </p:attrNameLst>
-                                      </p:cBhvr>
-                                      <p:to>
-                                        <p:strVal val="visible"/>
-                                      </p:to>
-                                    </p:set>
-                                    <p:animEffect transition="in" filter="fade">
-                                      <p:cBhvr>
-                                        <p:cTn id="12" dur="500"/>
-                                        <p:tgtEl>
-                                          <p:spTgt spid="15"/>
-                                        </p:tgtEl>
-                                      </p:cBhvr>
-                                    </p:animEffect>
-                                  </p:childTnLst>
-                                </p:cTn>
-                              </p:par>
-                            </p:childTnLst>
-                          </p:cTn>
-                        </p:par>
-                      </p:childTnLst>
-                    </p:cTn>
-                  </p:par>
-                </p:childTnLst>
-              </p:cTn>
-              <p:prevCondLst>
-                <p:cond evt="onPrev" delay="0">
-                  <p:tgtEl>
-                    <p:sldTgt/>
-                  </p:tgtEl>
-                </p:cond>
-              </p:prevCondLst>
-              <p:nextCondLst>
-                <p:cond evt="onNext" delay="0">
-                  <p:tgtEl>
-                    <p:sldTgt/>
-                  </p:tgtEl>
-                </p:cond>
-              </p:nextCondLst>
-            </p:seq>
-          </p:childTnLst>
-        </p:cTn>
-      </p:par>
-    </p:tnLst>
-  </p:timing>
-</p:sld>
-</file>
-
-<file path=ppt/slides/slide8.xml><?xml version="1.0" encoding="utf-8"?>
-<p:sld xmlns:a="http://schemas.openxmlformats.org/drawingml/2006/main" xmlns:r="http://schemas.openxmlformats.org/officeDocument/2006/relationships" xmlns:p="http://schemas.openxmlformats.org/presentationml/2006/main">
-  <p:cSld>
-    <p:spTree>
-      <p:nvGrpSpPr>
-        <p:cNvPr id="1" name=""/>
-        <p:cNvGrpSpPr/>
-        <p:nvPr/>
-      </p:nvGrpSpPr>
-      <p:grpSpPr>
-        <a:xfrm>
-          <a:off x="0" y="0"/>
-          <a:ext cx="0" cy="0"/>
-          <a:chOff x="0" y="0"/>
-          <a:chExt cx="0" cy="0"/>
-        </a:xfrm>
-      </p:grpSpPr>
-      <p:sp>
-        <p:nvSpPr>
-          <p:cNvPr id="2" name="Titel 1"/>
-          <p:cNvSpPr>
-            <a:spLocks noGrp="1"/>
-          </p:cNvSpPr>
-          <p:nvPr>
-            <p:ph type="title"/>
-          </p:nvPr>
-        </p:nvSpPr>
-        <p:spPr/>
-        <p:txBody>
-          <a:bodyPr/>
-          <a:lstStyle/>
-          <a:p>
-            <a:r>
-              <a:rPr lang="de-AT" dirty="0" err="1"/>
-              <a:t>Cognitive</a:t>
-            </a:r>
-            <a:r>
-              <a:rPr lang="de-AT" dirty="0"/>
-              <a:t> Services</a:t>
-            </a:r>
-          </a:p>
-        </p:txBody>
-      </p:sp>
-      <p:sp>
-        <p:nvSpPr>
-          <p:cNvPr id="3" name="Inhaltsplatzhalter 2"/>
-          <p:cNvSpPr>
-            <a:spLocks noGrp="1"/>
-          </p:cNvSpPr>
-          <p:nvPr>
-            <p:ph idx="1"/>
-          </p:nvPr>
-        </p:nvSpPr>
-        <p:spPr/>
-        <p:txBody>
-          <a:bodyPr/>
-          <a:lstStyle/>
-          <a:p>
-            <a:endParaRPr lang="de-AT"/>
-          </a:p>
-        </p:txBody>
-      </p:sp>
-      <p:pic>
-        <p:nvPicPr>
-          <p:cNvPr id="4" name="Grafik 3"/>
-          <p:cNvPicPr>
-            <a:picLocks noChangeAspect="1"/>
-          </p:cNvPicPr>
-          <p:nvPr/>
-        </p:nvPicPr>
-        <p:blipFill>
-          <a:blip r:embed="rId2"/>
-          <a:stretch>
-            <a:fillRect/>
-          </a:stretch>
-        </p:blipFill>
-        <p:spPr>
-          <a:xfrm>
-            <a:off x="0" y="1666625"/>
-            <a:ext cx="12192000" cy="6115110"/>
-          </a:xfrm>
-          <a:prstGeom prst="rect">
-            <a:avLst/>
-          </a:prstGeom>
-        </p:spPr>
-      </p:pic>
-    </p:spTree>
-    <p:extLst>
-      <p:ext uri="{BB962C8B-B14F-4D97-AF65-F5344CB8AC3E}">
-        <p14:creationId xmlns:p14="http://schemas.microsoft.com/office/powerpoint/2010/main" val="2400238340"/>
-      </p:ext>
-    </p:extLst>
-  </p:cSld>
-  <p:clrMapOvr>
-    <a:masterClrMapping/>
-  </p:clrMapOvr>
-  <mc:AlternateContent xmlns:mc="http://schemas.openxmlformats.org/markup-compatibility/2006" xmlns:p14="http://schemas.microsoft.com/office/powerpoint/2010/main">
-    <mc:Choice Requires="p14">
-      <p:transition spd="med" p14:dur="700">
-        <p:fade/>
-      </p:transition>
-    </mc:Choice>
-    <mc:Fallback xmlns="">
-      <p:transition spd="med">
-        <p:fade/>
-      </p:transition>
-    </mc:Fallback>
-  </mc:AlternateContent>
-</p:sld>
-</file>
-
-<file path=ppt/slides/slide9.xml><?xml version="1.0" encoding="utf-8"?>
 <p:sld xmlns:a="http://schemas.openxmlformats.org/drawingml/2006/main" xmlns:r="http://schemas.openxmlformats.org/officeDocument/2006/relationships" xmlns:p="http://schemas.openxmlformats.org/presentationml/2006/main">
   <p:cSld>
     <p:spTree>
@@ -8545,6 +4651,3973 @@
       </p:par>
     </p:tnLst>
   </p:timing>
+</p:sld>
+</file>
+
+<file path=ppt/slides/slide11.xml><?xml version="1.0" encoding="utf-8"?>
+<p:sld xmlns:a="http://schemas.openxmlformats.org/drawingml/2006/main" xmlns:r="http://schemas.openxmlformats.org/officeDocument/2006/relationships" xmlns:p="http://schemas.openxmlformats.org/presentationml/2006/main">
+  <p:cSld>
+    <p:spTree>
+      <p:nvGrpSpPr>
+        <p:cNvPr id="1" name=""/>
+        <p:cNvGrpSpPr/>
+        <p:nvPr/>
+      </p:nvGrpSpPr>
+      <p:grpSpPr>
+        <a:xfrm>
+          <a:off x="0" y="0"/>
+          <a:ext cx="0" cy="0"/>
+          <a:chOff x="0" y="0"/>
+          <a:chExt cx="0" cy="0"/>
+        </a:xfrm>
+      </p:grpSpPr>
+      <p:sp>
+        <p:nvSpPr>
+          <p:cNvPr id="4" name="Titel 3"/>
+          <p:cNvSpPr>
+            <a:spLocks noGrp="1"/>
+          </p:cNvSpPr>
+          <p:nvPr>
+            <p:ph type="title"/>
+          </p:nvPr>
+        </p:nvSpPr>
+        <p:spPr/>
+        <p:txBody>
+          <a:bodyPr>
+            <a:normAutofit/>
+          </a:bodyPr>
+          <a:lstStyle/>
+          <a:p>
+            <a:r>
+              <a:rPr lang="de-AT" dirty="0"/>
+              <a:t>LUIS</a:t>
+            </a:r>
+            <a:br>
+              <a:rPr lang="de-AT" dirty="0"/>
+            </a:br>
+            <a:r>
+              <a:rPr lang="de-AT" sz="3200" dirty="0"/>
+              <a:t>(Language Understanding Intelligent Service)</a:t>
+            </a:r>
+            <a:endParaRPr lang="de-AT" dirty="0"/>
+          </a:p>
+        </p:txBody>
+      </p:sp>
+      <p:sp>
+        <p:nvSpPr>
+          <p:cNvPr id="5" name="Inhaltsplatzhalter 4"/>
+          <p:cNvSpPr>
+            <a:spLocks noGrp="1"/>
+          </p:cNvSpPr>
+          <p:nvPr>
+            <p:ph idx="1"/>
+          </p:nvPr>
+        </p:nvSpPr>
+        <p:spPr>
+          <a:xfrm>
+            <a:off x="838200" y="1825625"/>
+            <a:ext cx="4838700" cy="4351338"/>
+          </a:xfrm>
+        </p:spPr>
+        <p:txBody>
+          <a:bodyPr>
+            <a:normAutofit/>
+          </a:bodyPr>
+          <a:lstStyle/>
+          <a:p>
+            <a:r>
+              <a:rPr lang="de-DE" dirty="0"/>
+              <a:t>Sprache verstehen</a:t>
+            </a:r>
+          </a:p>
+          <a:p>
+            <a:pPr lvl="1"/>
+            <a:r>
+              <a:rPr lang="de-DE" dirty="0"/>
+              <a:t>Welche Aktion?</a:t>
+            </a:r>
+          </a:p>
+          <a:p>
+            <a:pPr lvl="1"/>
+            <a:r>
+              <a:rPr lang="de-DE" dirty="0"/>
+              <a:t>Welche Daten?</a:t>
+            </a:r>
+          </a:p>
+          <a:p>
+            <a:r>
+              <a:rPr lang="de-DE" dirty="0" err="1"/>
+              <a:t>Machine</a:t>
+            </a:r>
+            <a:r>
+              <a:rPr lang="de-DE" dirty="0"/>
+              <a:t> Learning</a:t>
+            </a:r>
+          </a:p>
+          <a:p>
+            <a:r>
+              <a:rPr lang="de-DE" dirty="0"/>
+              <a:t>Kosten</a:t>
+            </a:r>
+          </a:p>
+          <a:p>
+            <a:pPr lvl="1"/>
+            <a:r>
+              <a:rPr lang="de-DE" dirty="0"/>
+              <a:t>10.000 Transaktionen pro Monat kostenlos</a:t>
+            </a:r>
+          </a:p>
+          <a:p>
+            <a:pPr lvl="1"/>
+            <a:r>
+              <a:rPr lang="de-DE" dirty="0"/>
+              <a:t>50 Transaktionen/Sekunde: 0,633 € pro 1000 Transaktionen</a:t>
+            </a:r>
+            <a:endParaRPr lang="de-AT" dirty="0"/>
+          </a:p>
+        </p:txBody>
+      </p:sp>
+      <p:pic>
+        <p:nvPicPr>
+          <p:cNvPr id="3" name="Grafik 2">
+            <a:extLst>
+              <a:ext uri="{FF2B5EF4-FFF2-40B4-BE49-F238E27FC236}">
+                <a16:creationId xmlns:a16="http://schemas.microsoft.com/office/drawing/2014/main" id="{83710459-286C-4168-978C-DA81AEA436E2}"/>
+              </a:ext>
+            </a:extLst>
+          </p:cNvPr>
+          <p:cNvPicPr>
+            <a:picLocks noChangeAspect="1"/>
+          </p:cNvPicPr>
+          <p:nvPr/>
+        </p:nvPicPr>
+        <p:blipFill>
+          <a:blip r:embed="rId2"/>
+          <a:stretch>
+            <a:fillRect/>
+          </a:stretch>
+        </p:blipFill>
+        <p:spPr>
+          <a:xfrm>
+            <a:off x="6096000" y="1825625"/>
+            <a:ext cx="5573789" cy="3208346"/>
+          </a:xfrm>
+          <a:prstGeom prst="rect">
+            <a:avLst/>
+          </a:prstGeom>
+          <a:ln>
+            <a:solidFill>
+              <a:schemeClr val="bg1">
+                <a:lumMod val="75000"/>
+              </a:schemeClr>
+            </a:solidFill>
+          </a:ln>
+        </p:spPr>
+      </p:pic>
+    </p:spTree>
+    <p:extLst>
+      <p:ext uri="{BB962C8B-B14F-4D97-AF65-F5344CB8AC3E}">
+        <p14:creationId xmlns:p14="http://schemas.microsoft.com/office/powerpoint/2010/main" val="4105793681"/>
+      </p:ext>
+    </p:extLst>
+  </p:cSld>
+  <p:clrMapOvr>
+    <a:masterClrMapping/>
+  </p:clrMapOvr>
+  <mc:AlternateContent xmlns:mc="http://schemas.openxmlformats.org/markup-compatibility/2006" xmlns:p14="http://schemas.microsoft.com/office/powerpoint/2010/main">
+    <mc:Choice Requires="p14">
+      <p:transition spd="med" p14:dur="700">
+        <p:fade/>
+      </p:transition>
+    </mc:Choice>
+    <mc:Fallback xmlns="">
+      <p:transition spd="med">
+        <p:fade/>
+      </p:transition>
+    </mc:Fallback>
+  </mc:AlternateContent>
+  <p:timing>
+    <p:tnLst>
+      <p:par>
+        <p:cTn id="1" dur="indefinite" restart="never" nodeType="tmRoot">
+          <p:childTnLst>
+            <p:seq concurrent="1" nextAc="seek">
+              <p:cTn id="2" dur="indefinite" nodeType="mainSeq">
+                <p:childTnLst>
+                  <p:par>
+                    <p:cTn id="3" fill="hold">
+                      <p:stCondLst>
+                        <p:cond delay="indefinite"/>
+                      </p:stCondLst>
+                      <p:childTnLst>
+                        <p:par>
+                          <p:cTn id="4" fill="hold">
+                            <p:stCondLst>
+                              <p:cond delay="0"/>
+                            </p:stCondLst>
+                            <p:childTnLst>
+                              <p:par>
+                                <p:cTn id="5" presetID="10" presetClass="entr" presetSubtype="0" fill="hold" nodeType="clickEffect">
+                                  <p:stCondLst>
+                                    <p:cond delay="0"/>
+                                  </p:stCondLst>
+                                  <p:childTnLst>
+                                    <p:set>
+                                      <p:cBhvr>
+                                        <p:cTn id="6" dur="1" fill="hold">
+                                          <p:stCondLst>
+                                            <p:cond delay="0"/>
+                                          </p:stCondLst>
+                                        </p:cTn>
+                                        <p:tgtEl>
+                                          <p:spTgt spid="5">
+                                            <p:txEl>
+                                              <p:pRg st="3" end="3"/>
+                                            </p:txEl>
+                                          </p:spTgt>
+                                        </p:tgtEl>
+                                        <p:attrNameLst>
+                                          <p:attrName>style.visibility</p:attrName>
+                                        </p:attrNameLst>
+                                      </p:cBhvr>
+                                      <p:to>
+                                        <p:strVal val="visible"/>
+                                      </p:to>
+                                    </p:set>
+                                    <p:animEffect transition="in" filter="fade">
+                                      <p:cBhvr>
+                                        <p:cTn id="7" dur="500"/>
+                                        <p:tgtEl>
+                                          <p:spTgt spid="5">
+                                            <p:txEl>
+                                              <p:pRg st="3" end="3"/>
+                                            </p:txEl>
+                                          </p:spTgt>
+                                        </p:tgtEl>
+                                      </p:cBhvr>
+                                    </p:animEffect>
+                                  </p:childTnLst>
+                                </p:cTn>
+                              </p:par>
+                            </p:childTnLst>
+                          </p:cTn>
+                        </p:par>
+                      </p:childTnLst>
+                    </p:cTn>
+                  </p:par>
+                  <p:par>
+                    <p:cTn id="8" fill="hold">
+                      <p:stCondLst>
+                        <p:cond delay="indefinite"/>
+                      </p:stCondLst>
+                      <p:childTnLst>
+                        <p:par>
+                          <p:cTn id="9" fill="hold">
+                            <p:stCondLst>
+                              <p:cond delay="0"/>
+                            </p:stCondLst>
+                            <p:childTnLst>
+                              <p:par>
+                                <p:cTn id="10" presetID="10" presetClass="entr" presetSubtype="0" fill="hold" nodeType="clickEffect">
+                                  <p:stCondLst>
+                                    <p:cond delay="0"/>
+                                  </p:stCondLst>
+                                  <p:childTnLst>
+                                    <p:set>
+                                      <p:cBhvr>
+                                        <p:cTn id="11" dur="1" fill="hold">
+                                          <p:stCondLst>
+                                            <p:cond delay="0"/>
+                                          </p:stCondLst>
+                                        </p:cTn>
+                                        <p:tgtEl>
+                                          <p:spTgt spid="5">
+                                            <p:txEl>
+                                              <p:pRg st="4" end="4"/>
+                                            </p:txEl>
+                                          </p:spTgt>
+                                        </p:tgtEl>
+                                        <p:attrNameLst>
+                                          <p:attrName>style.visibility</p:attrName>
+                                        </p:attrNameLst>
+                                      </p:cBhvr>
+                                      <p:to>
+                                        <p:strVal val="visible"/>
+                                      </p:to>
+                                    </p:set>
+                                    <p:animEffect transition="in" filter="fade">
+                                      <p:cBhvr>
+                                        <p:cTn id="12" dur="500"/>
+                                        <p:tgtEl>
+                                          <p:spTgt spid="5">
+                                            <p:txEl>
+                                              <p:pRg st="4" end="4"/>
+                                            </p:txEl>
+                                          </p:spTgt>
+                                        </p:tgtEl>
+                                      </p:cBhvr>
+                                    </p:animEffect>
+                                  </p:childTnLst>
+                                </p:cTn>
+                              </p:par>
+                              <p:par>
+                                <p:cTn id="13" presetID="10" presetClass="entr" presetSubtype="0" fill="hold" nodeType="withEffect">
+                                  <p:stCondLst>
+                                    <p:cond delay="0"/>
+                                  </p:stCondLst>
+                                  <p:childTnLst>
+                                    <p:set>
+                                      <p:cBhvr>
+                                        <p:cTn id="14" dur="1" fill="hold">
+                                          <p:stCondLst>
+                                            <p:cond delay="0"/>
+                                          </p:stCondLst>
+                                        </p:cTn>
+                                        <p:tgtEl>
+                                          <p:spTgt spid="5">
+                                            <p:txEl>
+                                              <p:pRg st="5" end="5"/>
+                                            </p:txEl>
+                                          </p:spTgt>
+                                        </p:tgtEl>
+                                        <p:attrNameLst>
+                                          <p:attrName>style.visibility</p:attrName>
+                                        </p:attrNameLst>
+                                      </p:cBhvr>
+                                      <p:to>
+                                        <p:strVal val="visible"/>
+                                      </p:to>
+                                    </p:set>
+                                    <p:animEffect transition="in" filter="fade">
+                                      <p:cBhvr>
+                                        <p:cTn id="15" dur="500"/>
+                                        <p:tgtEl>
+                                          <p:spTgt spid="5">
+                                            <p:txEl>
+                                              <p:pRg st="5" end="5"/>
+                                            </p:txEl>
+                                          </p:spTgt>
+                                        </p:tgtEl>
+                                      </p:cBhvr>
+                                    </p:animEffect>
+                                  </p:childTnLst>
+                                </p:cTn>
+                              </p:par>
+                              <p:par>
+                                <p:cTn id="16" presetID="10" presetClass="entr" presetSubtype="0" fill="hold" nodeType="withEffect">
+                                  <p:stCondLst>
+                                    <p:cond delay="0"/>
+                                  </p:stCondLst>
+                                  <p:childTnLst>
+                                    <p:set>
+                                      <p:cBhvr>
+                                        <p:cTn id="17" dur="1" fill="hold">
+                                          <p:stCondLst>
+                                            <p:cond delay="0"/>
+                                          </p:stCondLst>
+                                        </p:cTn>
+                                        <p:tgtEl>
+                                          <p:spTgt spid="5">
+                                            <p:txEl>
+                                              <p:pRg st="6" end="6"/>
+                                            </p:txEl>
+                                          </p:spTgt>
+                                        </p:tgtEl>
+                                        <p:attrNameLst>
+                                          <p:attrName>style.visibility</p:attrName>
+                                        </p:attrNameLst>
+                                      </p:cBhvr>
+                                      <p:to>
+                                        <p:strVal val="visible"/>
+                                      </p:to>
+                                    </p:set>
+                                    <p:animEffect transition="in" filter="fade">
+                                      <p:cBhvr>
+                                        <p:cTn id="18" dur="500"/>
+                                        <p:tgtEl>
+                                          <p:spTgt spid="5">
+                                            <p:txEl>
+                                              <p:pRg st="6" end="6"/>
+                                            </p:txEl>
+                                          </p:spTgt>
+                                        </p:tgtEl>
+                                      </p:cBhvr>
+                                    </p:animEffect>
+                                  </p:childTnLst>
+                                </p:cTn>
+                              </p:par>
+                            </p:childTnLst>
+                          </p:cTn>
+                        </p:par>
+                      </p:childTnLst>
+                    </p:cTn>
+                  </p:par>
+                </p:childTnLst>
+              </p:cTn>
+              <p:prevCondLst>
+                <p:cond evt="onPrev" delay="0">
+                  <p:tgtEl>
+                    <p:sldTgt/>
+                  </p:tgtEl>
+                </p:cond>
+              </p:prevCondLst>
+              <p:nextCondLst>
+                <p:cond evt="onNext" delay="0">
+                  <p:tgtEl>
+                    <p:sldTgt/>
+                  </p:tgtEl>
+                </p:cond>
+              </p:nextCondLst>
+            </p:seq>
+          </p:childTnLst>
+        </p:cTn>
+      </p:par>
+    </p:tnLst>
+  </p:timing>
+</p:sld>
+</file>
+
+<file path=ppt/slides/slide12.xml><?xml version="1.0" encoding="utf-8"?>
+<p:sld xmlns:a="http://schemas.openxmlformats.org/drawingml/2006/main" xmlns:r="http://schemas.openxmlformats.org/officeDocument/2006/relationships" xmlns:p="http://schemas.openxmlformats.org/presentationml/2006/main">
+  <p:cSld>
+    <p:spTree>
+      <p:nvGrpSpPr>
+        <p:cNvPr id="1" name=""/>
+        <p:cNvGrpSpPr/>
+        <p:nvPr/>
+      </p:nvGrpSpPr>
+      <p:grpSpPr>
+        <a:xfrm>
+          <a:off x="0" y="0"/>
+          <a:ext cx="0" cy="0"/>
+          <a:chOff x="0" y="0"/>
+          <a:chExt cx="0" cy="0"/>
+        </a:xfrm>
+      </p:grpSpPr>
+      <p:sp>
+        <p:nvSpPr>
+          <p:cNvPr id="2" name="Titel 1">
+            <a:extLst>
+              <a:ext uri="{FF2B5EF4-FFF2-40B4-BE49-F238E27FC236}">
+                <a16:creationId xmlns:a16="http://schemas.microsoft.com/office/drawing/2014/main" id="{EF8C42CF-D2FD-4419-BAFD-0D31AF2B9F35}"/>
+              </a:ext>
+            </a:extLst>
+          </p:cNvPr>
+          <p:cNvSpPr>
+            <a:spLocks noGrp="1"/>
+          </p:cNvSpPr>
+          <p:nvPr>
+            <p:ph type="title"/>
+          </p:nvPr>
+        </p:nvSpPr>
+        <p:spPr/>
+        <p:txBody>
+          <a:bodyPr/>
+          <a:lstStyle/>
+          <a:p>
+            <a:r>
+              <a:rPr lang="de-DE" dirty="0"/>
+              <a:t>Cortana Skills</a:t>
+            </a:r>
+          </a:p>
+        </p:txBody>
+      </p:sp>
+      <p:sp>
+        <p:nvSpPr>
+          <p:cNvPr id="3" name="Inhaltsplatzhalter 2">
+            <a:extLst>
+              <a:ext uri="{FF2B5EF4-FFF2-40B4-BE49-F238E27FC236}">
+                <a16:creationId xmlns:a16="http://schemas.microsoft.com/office/drawing/2014/main" id="{FEFD182B-5849-4BBD-855F-F3838387DE2C}"/>
+              </a:ext>
+            </a:extLst>
+          </p:cNvPr>
+          <p:cNvSpPr>
+            <a:spLocks noGrp="1"/>
+          </p:cNvSpPr>
+          <p:nvPr>
+            <p:ph idx="1"/>
+          </p:nvPr>
+        </p:nvSpPr>
+        <p:spPr/>
+        <p:txBody>
+          <a:bodyPr/>
+          <a:lstStyle/>
+          <a:p>
+            <a:r>
+              <a:rPr lang="de-DE" dirty="0"/>
+              <a:t>Bisherige Möglichkeiten in UWP</a:t>
+            </a:r>
+          </a:p>
+          <a:p>
+            <a:pPr lvl="1"/>
+            <a:r>
+              <a:rPr lang="de-DE" dirty="0" err="1"/>
+              <a:t>Foreground</a:t>
+            </a:r>
+            <a:r>
+              <a:rPr lang="de-DE" dirty="0"/>
+              <a:t> (Start der App)</a:t>
+            </a:r>
+          </a:p>
+          <a:p>
+            <a:pPr lvl="1"/>
+            <a:r>
+              <a:rPr lang="de-DE" dirty="0"/>
+              <a:t>Background (Kommunikation über Cortana)</a:t>
+            </a:r>
+          </a:p>
+          <a:p>
+            <a:r>
+              <a:rPr lang="de-DE" dirty="0"/>
+              <a:t>Neu: Cortana Skills</a:t>
+            </a:r>
+          </a:p>
+          <a:p>
+            <a:pPr lvl="1"/>
+            <a:r>
+              <a:rPr lang="de-DE" dirty="0"/>
+              <a:t>Cortana-Integration von Bots</a:t>
+            </a:r>
+          </a:p>
+          <a:p>
+            <a:pPr lvl="1"/>
+            <a:r>
+              <a:rPr lang="de-DE" dirty="0"/>
+              <a:t>Zugriff auf das Cortana-Profil möglich</a:t>
+            </a:r>
+          </a:p>
+          <a:p>
+            <a:pPr lvl="1"/>
+            <a:r>
+              <a:rPr lang="de-DE" dirty="0"/>
+              <a:t>Derzeit beschränkt auf EN-US</a:t>
+            </a:r>
+          </a:p>
+          <a:p>
+            <a:pPr lvl="1"/>
+            <a:r>
+              <a:rPr lang="de-DE" dirty="0">
+                <a:hlinkClick r:id="rId2"/>
+              </a:rPr>
+              <a:t>https://www.microsoft.com/en-us/windows/cortana/cortana-skills/</a:t>
+            </a:r>
+            <a:r>
+              <a:rPr lang="de-DE" dirty="0"/>
+              <a:t> </a:t>
+            </a:r>
+          </a:p>
+        </p:txBody>
+      </p:sp>
+      <p:grpSp>
+        <p:nvGrpSpPr>
+          <p:cNvPr id="4" name="Gruppieren 3">
+            <a:extLst>
+              <a:ext uri="{FF2B5EF4-FFF2-40B4-BE49-F238E27FC236}">
+                <a16:creationId xmlns:a16="http://schemas.microsoft.com/office/drawing/2014/main" id="{352C6C53-9B53-46BF-84D8-515D6ECF2509}"/>
+              </a:ext>
+            </a:extLst>
+          </p:cNvPr>
+          <p:cNvGrpSpPr/>
+          <p:nvPr/>
+        </p:nvGrpSpPr>
+        <p:grpSpPr>
+          <a:xfrm>
+            <a:off x="7455627" y="-1180464"/>
+            <a:ext cx="5588000" cy="5588000"/>
+            <a:chOff x="3114675" y="1466850"/>
+            <a:chExt cx="4886325" cy="4886325"/>
+          </a:xfrm>
+        </p:grpSpPr>
+        <p:sp>
+          <p:nvSpPr>
+            <p:cNvPr id="5" name="Ellipse 4">
+              <a:extLst>
+                <a:ext uri="{FF2B5EF4-FFF2-40B4-BE49-F238E27FC236}">
+                  <a16:creationId xmlns:a16="http://schemas.microsoft.com/office/drawing/2014/main" id="{3B14CD9C-A26D-4DF7-9CBA-EB9CEF3DECD8}"/>
+                </a:ext>
+              </a:extLst>
+            </p:cNvPr>
+            <p:cNvSpPr/>
+            <p:nvPr/>
+          </p:nvSpPr>
+          <p:spPr>
+            <a:xfrm>
+              <a:off x="3114675" y="1466850"/>
+              <a:ext cx="4886325" cy="4886325"/>
+            </a:xfrm>
+            <a:prstGeom prst="ellipse">
+              <a:avLst/>
+            </a:prstGeom>
+            <a:solidFill>
+              <a:srgbClr val="9ADAF6"/>
+            </a:solidFill>
+            <a:ln>
+              <a:noFill/>
+            </a:ln>
+          </p:spPr>
+          <p:style>
+            <a:lnRef idx="2">
+              <a:schemeClr val="accent1">
+                <a:shade val="50000"/>
+              </a:schemeClr>
+            </a:lnRef>
+            <a:fillRef idx="1">
+              <a:schemeClr val="accent1"/>
+            </a:fillRef>
+            <a:effectRef idx="0">
+              <a:schemeClr val="accent1"/>
+            </a:effectRef>
+            <a:fontRef idx="minor">
+              <a:schemeClr val="lt1"/>
+            </a:fontRef>
+          </p:style>
+          <p:txBody>
+            <a:bodyPr rtlCol="0" anchor="ctr"/>
+            <a:lstStyle/>
+            <a:p>
+              <a:pPr algn="ctr"/>
+              <a:endParaRPr lang="de-AT"/>
+            </a:p>
+          </p:txBody>
+        </p:sp>
+        <p:sp>
+          <p:nvSpPr>
+            <p:cNvPr id="6" name="Ellipse 5">
+              <a:extLst>
+                <a:ext uri="{FF2B5EF4-FFF2-40B4-BE49-F238E27FC236}">
+                  <a16:creationId xmlns:a16="http://schemas.microsoft.com/office/drawing/2014/main" id="{6860BEA9-FE15-4726-A56B-4A56FE52D939}"/>
+                </a:ext>
+              </a:extLst>
+            </p:cNvPr>
+            <p:cNvSpPr/>
+            <p:nvPr/>
+          </p:nvSpPr>
+          <p:spPr>
+            <a:xfrm>
+              <a:off x="3567112" y="1919287"/>
+              <a:ext cx="3981450" cy="3981450"/>
+            </a:xfrm>
+            <a:prstGeom prst="ellipse">
+              <a:avLst/>
+            </a:prstGeom>
+            <a:solidFill>
+              <a:srgbClr val="1C9FE7"/>
+            </a:solidFill>
+            <a:ln>
+              <a:noFill/>
+            </a:ln>
+          </p:spPr>
+          <p:style>
+            <a:lnRef idx="2">
+              <a:schemeClr val="accent1">
+                <a:shade val="50000"/>
+              </a:schemeClr>
+            </a:lnRef>
+            <a:fillRef idx="1">
+              <a:schemeClr val="accent1"/>
+            </a:fillRef>
+            <a:effectRef idx="0">
+              <a:schemeClr val="accent1"/>
+            </a:effectRef>
+            <a:fontRef idx="minor">
+              <a:schemeClr val="lt1"/>
+            </a:fontRef>
+          </p:style>
+          <p:txBody>
+            <a:bodyPr rtlCol="0" anchor="ctr"/>
+            <a:lstStyle/>
+            <a:p>
+              <a:pPr algn="ctr"/>
+              <a:endParaRPr lang="de-AT"/>
+            </a:p>
+          </p:txBody>
+        </p:sp>
+        <p:sp>
+          <p:nvSpPr>
+            <p:cNvPr id="7" name="Ellipse 6">
+              <a:extLst>
+                <a:ext uri="{FF2B5EF4-FFF2-40B4-BE49-F238E27FC236}">
+                  <a16:creationId xmlns:a16="http://schemas.microsoft.com/office/drawing/2014/main" id="{3F604523-7585-4312-820B-B48BB20D8E39}"/>
+                </a:ext>
+              </a:extLst>
+            </p:cNvPr>
+            <p:cNvSpPr/>
+            <p:nvPr/>
+          </p:nvSpPr>
+          <p:spPr>
+            <a:xfrm>
+              <a:off x="3950493" y="2302668"/>
+              <a:ext cx="3214688" cy="3214688"/>
+            </a:xfrm>
+            <a:prstGeom prst="ellipse">
+              <a:avLst/>
+            </a:prstGeom>
+            <a:solidFill>
+              <a:schemeClr val="bg1"/>
+            </a:solidFill>
+            <a:ln>
+              <a:noFill/>
+            </a:ln>
+          </p:spPr>
+          <p:style>
+            <a:lnRef idx="2">
+              <a:schemeClr val="accent1">
+                <a:shade val="50000"/>
+              </a:schemeClr>
+            </a:lnRef>
+            <a:fillRef idx="1">
+              <a:schemeClr val="accent1"/>
+            </a:fillRef>
+            <a:effectRef idx="0">
+              <a:schemeClr val="accent1"/>
+            </a:effectRef>
+            <a:fontRef idx="minor">
+              <a:schemeClr val="lt1"/>
+            </a:fontRef>
+          </p:style>
+          <p:txBody>
+            <a:bodyPr rtlCol="0" anchor="ctr"/>
+            <a:lstStyle/>
+            <a:p>
+              <a:pPr algn="ctr"/>
+              <a:endParaRPr lang="de-AT"/>
+            </a:p>
+          </p:txBody>
+        </p:sp>
+      </p:grpSp>
+    </p:spTree>
+    <p:extLst>
+      <p:ext uri="{BB962C8B-B14F-4D97-AF65-F5344CB8AC3E}">
+        <p14:creationId xmlns:p14="http://schemas.microsoft.com/office/powerpoint/2010/main" val="1017461564"/>
+      </p:ext>
+    </p:extLst>
+  </p:cSld>
+  <p:clrMapOvr>
+    <a:masterClrMapping/>
+  </p:clrMapOvr>
+  <mc:AlternateContent xmlns:mc="http://schemas.openxmlformats.org/markup-compatibility/2006" xmlns:p14="http://schemas.microsoft.com/office/powerpoint/2010/main">
+    <mc:Choice Requires="p14">
+      <p:transition spd="med" p14:dur="700">
+        <p:fade/>
+      </p:transition>
+    </mc:Choice>
+    <mc:Fallback xmlns="">
+      <p:transition spd="med">
+        <p:fade/>
+      </p:transition>
+    </mc:Fallback>
+  </mc:AlternateContent>
+  <p:timing>
+    <p:tnLst>
+      <p:par>
+        <p:cTn id="1" dur="indefinite" restart="never" nodeType="tmRoot">
+          <p:childTnLst>
+            <p:seq concurrent="1" nextAc="seek">
+              <p:cTn id="2" dur="indefinite" nodeType="mainSeq">
+                <p:childTnLst>
+                  <p:par>
+                    <p:cTn id="3" fill="hold">
+                      <p:stCondLst>
+                        <p:cond delay="indefinite"/>
+                        <p:cond evt="onBegin" delay="0">
+                          <p:tn val="2"/>
+                        </p:cond>
+                      </p:stCondLst>
+                      <p:childTnLst>
+                        <p:par>
+                          <p:cTn id="4" fill="hold">
+                            <p:stCondLst>
+                              <p:cond delay="0"/>
+                            </p:stCondLst>
+                            <p:childTnLst>
+                              <p:par>
+                                <p:cTn id="5" presetID="10" presetClass="entr" presetSubtype="0" fill="hold" nodeType="afterEffect">
+                                  <p:stCondLst>
+                                    <p:cond delay="0"/>
+                                  </p:stCondLst>
+                                  <p:childTnLst>
+                                    <p:set>
+                                      <p:cBhvr>
+                                        <p:cTn id="6" dur="1" fill="hold">
+                                          <p:stCondLst>
+                                            <p:cond delay="0"/>
+                                          </p:stCondLst>
+                                        </p:cTn>
+                                        <p:tgtEl>
+                                          <p:spTgt spid="3">
+                                            <p:txEl>
+                                              <p:pRg st="0" end="0"/>
+                                            </p:txEl>
+                                          </p:spTgt>
+                                        </p:tgtEl>
+                                        <p:attrNameLst>
+                                          <p:attrName>style.visibility</p:attrName>
+                                        </p:attrNameLst>
+                                      </p:cBhvr>
+                                      <p:to>
+                                        <p:strVal val="visible"/>
+                                      </p:to>
+                                    </p:set>
+                                    <p:animEffect transition="in" filter="fade">
+                                      <p:cBhvr>
+                                        <p:cTn id="7" dur="500"/>
+                                        <p:tgtEl>
+                                          <p:spTgt spid="3">
+                                            <p:txEl>
+                                              <p:pRg st="0" end="0"/>
+                                            </p:txEl>
+                                          </p:spTgt>
+                                        </p:tgtEl>
+                                      </p:cBhvr>
+                                    </p:animEffect>
+                                  </p:childTnLst>
+                                </p:cTn>
+                              </p:par>
+                              <p:par>
+                                <p:cTn id="8" presetID="10" presetClass="entr" presetSubtype="0" fill="hold" nodeType="withEffect">
+                                  <p:stCondLst>
+                                    <p:cond delay="0"/>
+                                  </p:stCondLst>
+                                  <p:childTnLst>
+                                    <p:set>
+                                      <p:cBhvr>
+                                        <p:cTn id="9" dur="1" fill="hold">
+                                          <p:stCondLst>
+                                            <p:cond delay="0"/>
+                                          </p:stCondLst>
+                                        </p:cTn>
+                                        <p:tgtEl>
+                                          <p:spTgt spid="3">
+                                            <p:txEl>
+                                              <p:pRg st="1" end="1"/>
+                                            </p:txEl>
+                                          </p:spTgt>
+                                        </p:tgtEl>
+                                        <p:attrNameLst>
+                                          <p:attrName>style.visibility</p:attrName>
+                                        </p:attrNameLst>
+                                      </p:cBhvr>
+                                      <p:to>
+                                        <p:strVal val="visible"/>
+                                      </p:to>
+                                    </p:set>
+                                    <p:animEffect transition="in" filter="fade">
+                                      <p:cBhvr>
+                                        <p:cTn id="10" dur="500"/>
+                                        <p:tgtEl>
+                                          <p:spTgt spid="3">
+                                            <p:txEl>
+                                              <p:pRg st="1" end="1"/>
+                                            </p:txEl>
+                                          </p:spTgt>
+                                        </p:tgtEl>
+                                      </p:cBhvr>
+                                    </p:animEffect>
+                                  </p:childTnLst>
+                                </p:cTn>
+                              </p:par>
+                              <p:par>
+                                <p:cTn id="11" presetID="10" presetClass="entr" presetSubtype="0" fill="hold" nodeType="withEffect">
+                                  <p:stCondLst>
+                                    <p:cond delay="0"/>
+                                  </p:stCondLst>
+                                  <p:childTnLst>
+                                    <p:set>
+                                      <p:cBhvr>
+                                        <p:cTn id="12" dur="1" fill="hold">
+                                          <p:stCondLst>
+                                            <p:cond delay="0"/>
+                                          </p:stCondLst>
+                                        </p:cTn>
+                                        <p:tgtEl>
+                                          <p:spTgt spid="3">
+                                            <p:txEl>
+                                              <p:pRg st="2" end="2"/>
+                                            </p:txEl>
+                                          </p:spTgt>
+                                        </p:tgtEl>
+                                        <p:attrNameLst>
+                                          <p:attrName>style.visibility</p:attrName>
+                                        </p:attrNameLst>
+                                      </p:cBhvr>
+                                      <p:to>
+                                        <p:strVal val="visible"/>
+                                      </p:to>
+                                    </p:set>
+                                    <p:animEffect transition="in" filter="fade">
+                                      <p:cBhvr>
+                                        <p:cTn id="13" dur="500"/>
+                                        <p:tgtEl>
+                                          <p:spTgt spid="3">
+                                            <p:txEl>
+                                              <p:pRg st="2" end="2"/>
+                                            </p:txEl>
+                                          </p:spTgt>
+                                        </p:tgtEl>
+                                      </p:cBhvr>
+                                    </p:animEffect>
+                                  </p:childTnLst>
+                                </p:cTn>
+                              </p:par>
+                            </p:childTnLst>
+                          </p:cTn>
+                        </p:par>
+                      </p:childTnLst>
+                    </p:cTn>
+                  </p:par>
+                  <p:par>
+                    <p:cTn id="14" fill="hold">
+                      <p:stCondLst>
+                        <p:cond delay="indefinite"/>
+                      </p:stCondLst>
+                      <p:childTnLst>
+                        <p:par>
+                          <p:cTn id="15" fill="hold">
+                            <p:stCondLst>
+                              <p:cond delay="0"/>
+                            </p:stCondLst>
+                            <p:childTnLst>
+                              <p:par>
+                                <p:cTn id="16" presetID="10" presetClass="entr" presetSubtype="0" fill="hold" nodeType="clickEffect">
+                                  <p:stCondLst>
+                                    <p:cond delay="0"/>
+                                  </p:stCondLst>
+                                  <p:childTnLst>
+                                    <p:set>
+                                      <p:cBhvr>
+                                        <p:cTn id="17" dur="1" fill="hold">
+                                          <p:stCondLst>
+                                            <p:cond delay="0"/>
+                                          </p:stCondLst>
+                                        </p:cTn>
+                                        <p:tgtEl>
+                                          <p:spTgt spid="3">
+                                            <p:txEl>
+                                              <p:pRg st="3" end="3"/>
+                                            </p:txEl>
+                                          </p:spTgt>
+                                        </p:tgtEl>
+                                        <p:attrNameLst>
+                                          <p:attrName>style.visibility</p:attrName>
+                                        </p:attrNameLst>
+                                      </p:cBhvr>
+                                      <p:to>
+                                        <p:strVal val="visible"/>
+                                      </p:to>
+                                    </p:set>
+                                    <p:animEffect transition="in" filter="fade">
+                                      <p:cBhvr>
+                                        <p:cTn id="18" dur="500"/>
+                                        <p:tgtEl>
+                                          <p:spTgt spid="3">
+                                            <p:txEl>
+                                              <p:pRg st="3" end="3"/>
+                                            </p:txEl>
+                                          </p:spTgt>
+                                        </p:tgtEl>
+                                      </p:cBhvr>
+                                    </p:animEffect>
+                                  </p:childTnLst>
+                                </p:cTn>
+                              </p:par>
+                              <p:par>
+                                <p:cTn id="19" presetID="10" presetClass="entr" presetSubtype="0" fill="hold" nodeType="withEffect">
+                                  <p:stCondLst>
+                                    <p:cond delay="0"/>
+                                  </p:stCondLst>
+                                  <p:childTnLst>
+                                    <p:set>
+                                      <p:cBhvr>
+                                        <p:cTn id="20" dur="1" fill="hold">
+                                          <p:stCondLst>
+                                            <p:cond delay="0"/>
+                                          </p:stCondLst>
+                                        </p:cTn>
+                                        <p:tgtEl>
+                                          <p:spTgt spid="3">
+                                            <p:txEl>
+                                              <p:pRg st="4" end="4"/>
+                                            </p:txEl>
+                                          </p:spTgt>
+                                        </p:tgtEl>
+                                        <p:attrNameLst>
+                                          <p:attrName>style.visibility</p:attrName>
+                                        </p:attrNameLst>
+                                      </p:cBhvr>
+                                      <p:to>
+                                        <p:strVal val="visible"/>
+                                      </p:to>
+                                    </p:set>
+                                    <p:animEffect transition="in" filter="fade">
+                                      <p:cBhvr>
+                                        <p:cTn id="21" dur="500"/>
+                                        <p:tgtEl>
+                                          <p:spTgt spid="3">
+                                            <p:txEl>
+                                              <p:pRg st="4" end="4"/>
+                                            </p:txEl>
+                                          </p:spTgt>
+                                        </p:tgtEl>
+                                      </p:cBhvr>
+                                    </p:animEffect>
+                                  </p:childTnLst>
+                                </p:cTn>
+                              </p:par>
+                              <p:par>
+                                <p:cTn id="22" presetID="10" presetClass="entr" presetSubtype="0" fill="hold" nodeType="withEffect">
+                                  <p:stCondLst>
+                                    <p:cond delay="0"/>
+                                  </p:stCondLst>
+                                  <p:childTnLst>
+                                    <p:set>
+                                      <p:cBhvr>
+                                        <p:cTn id="23" dur="1" fill="hold">
+                                          <p:stCondLst>
+                                            <p:cond delay="0"/>
+                                          </p:stCondLst>
+                                        </p:cTn>
+                                        <p:tgtEl>
+                                          <p:spTgt spid="3">
+                                            <p:txEl>
+                                              <p:pRg st="5" end="5"/>
+                                            </p:txEl>
+                                          </p:spTgt>
+                                        </p:tgtEl>
+                                        <p:attrNameLst>
+                                          <p:attrName>style.visibility</p:attrName>
+                                        </p:attrNameLst>
+                                      </p:cBhvr>
+                                      <p:to>
+                                        <p:strVal val="visible"/>
+                                      </p:to>
+                                    </p:set>
+                                    <p:animEffect transition="in" filter="fade">
+                                      <p:cBhvr>
+                                        <p:cTn id="24" dur="500"/>
+                                        <p:tgtEl>
+                                          <p:spTgt spid="3">
+                                            <p:txEl>
+                                              <p:pRg st="5" end="5"/>
+                                            </p:txEl>
+                                          </p:spTgt>
+                                        </p:tgtEl>
+                                      </p:cBhvr>
+                                    </p:animEffect>
+                                  </p:childTnLst>
+                                </p:cTn>
+                              </p:par>
+                              <p:par>
+                                <p:cTn id="25" presetID="10" presetClass="entr" presetSubtype="0" fill="hold" nodeType="withEffect">
+                                  <p:stCondLst>
+                                    <p:cond delay="0"/>
+                                  </p:stCondLst>
+                                  <p:childTnLst>
+                                    <p:set>
+                                      <p:cBhvr>
+                                        <p:cTn id="26" dur="1" fill="hold">
+                                          <p:stCondLst>
+                                            <p:cond delay="0"/>
+                                          </p:stCondLst>
+                                        </p:cTn>
+                                        <p:tgtEl>
+                                          <p:spTgt spid="3">
+                                            <p:txEl>
+                                              <p:pRg st="6" end="6"/>
+                                            </p:txEl>
+                                          </p:spTgt>
+                                        </p:tgtEl>
+                                        <p:attrNameLst>
+                                          <p:attrName>style.visibility</p:attrName>
+                                        </p:attrNameLst>
+                                      </p:cBhvr>
+                                      <p:to>
+                                        <p:strVal val="visible"/>
+                                      </p:to>
+                                    </p:set>
+                                    <p:animEffect transition="in" filter="fade">
+                                      <p:cBhvr>
+                                        <p:cTn id="27" dur="500"/>
+                                        <p:tgtEl>
+                                          <p:spTgt spid="3">
+                                            <p:txEl>
+                                              <p:pRg st="6" end="6"/>
+                                            </p:txEl>
+                                          </p:spTgt>
+                                        </p:tgtEl>
+                                      </p:cBhvr>
+                                    </p:animEffect>
+                                  </p:childTnLst>
+                                </p:cTn>
+                              </p:par>
+                              <p:par>
+                                <p:cTn id="28" presetID="10" presetClass="entr" presetSubtype="0" fill="hold" nodeType="withEffect">
+                                  <p:stCondLst>
+                                    <p:cond delay="0"/>
+                                  </p:stCondLst>
+                                  <p:childTnLst>
+                                    <p:set>
+                                      <p:cBhvr>
+                                        <p:cTn id="29" dur="1" fill="hold">
+                                          <p:stCondLst>
+                                            <p:cond delay="0"/>
+                                          </p:stCondLst>
+                                        </p:cTn>
+                                        <p:tgtEl>
+                                          <p:spTgt spid="3">
+                                            <p:txEl>
+                                              <p:pRg st="7" end="7"/>
+                                            </p:txEl>
+                                          </p:spTgt>
+                                        </p:tgtEl>
+                                        <p:attrNameLst>
+                                          <p:attrName>style.visibility</p:attrName>
+                                        </p:attrNameLst>
+                                      </p:cBhvr>
+                                      <p:to>
+                                        <p:strVal val="visible"/>
+                                      </p:to>
+                                    </p:set>
+                                    <p:animEffect transition="in" filter="fade">
+                                      <p:cBhvr>
+                                        <p:cTn id="30" dur="500"/>
+                                        <p:tgtEl>
+                                          <p:spTgt spid="3">
+                                            <p:txEl>
+                                              <p:pRg st="7" end="7"/>
+                                            </p:txEl>
+                                          </p:spTgt>
+                                        </p:tgtEl>
+                                      </p:cBhvr>
+                                    </p:animEffect>
+                                  </p:childTnLst>
+                                </p:cTn>
+                              </p:par>
+                            </p:childTnLst>
+                          </p:cTn>
+                        </p:par>
+                      </p:childTnLst>
+                    </p:cTn>
+                  </p:par>
+                </p:childTnLst>
+              </p:cTn>
+              <p:prevCondLst>
+                <p:cond evt="onPrev" delay="0">
+                  <p:tgtEl>
+                    <p:sldTgt/>
+                  </p:tgtEl>
+                </p:cond>
+              </p:prevCondLst>
+              <p:nextCondLst>
+                <p:cond evt="onNext" delay="0">
+                  <p:tgtEl>
+                    <p:sldTgt/>
+                  </p:tgtEl>
+                </p:cond>
+              </p:nextCondLst>
+            </p:seq>
+          </p:childTnLst>
+        </p:cTn>
+      </p:par>
+    </p:tnLst>
+  </p:timing>
+</p:sld>
+</file>
+
+<file path=ppt/slides/slide13.xml><?xml version="1.0" encoding="utf-8"?>
+<p:sld xmlns:a="http://schemas.openxmlformats.org/drawingml/2006/main" xmlns:r="http://schemas.openxmlformats.org/officeDocument/2006/relationships" xmlns:p="http://schemas.openxmlformats.org/presentationml/2006/main">
+  <p:cSld>
+    <p:spTree>
+      <p:nvGrpSpPr>
+        <p:cNvPr id="1" name=""/>
+        <p:cNvGrpSpPr/>
+        <p:nvPr/>
+      </p:nvGrpSpPr>
+      <p:grpSpPr>
+        <a:xfrm>
+          <a:off x="0" y="0"/>
+          <a:ext cx="0" cy="0"/>
+          <a:chOff x="0" y="0"/>
+          <a:chExt cx="0" cy="0"/>
+        </a:xfrm>
+      </p:grpSpPr>
+      <p:sp>
+        <p:nvSpPr>
+          <p:cNvPr id="2" name="Titel 1">
+            <a:extLst>
+              <a:ext uri="{FF2B5EF4-FFF2-40B4-BE49-F238E27FC236}">
+                <a16:creationId xmlns:a16="http://schemas.microsoft.com/office/drawing/2014/main" id="{9BFA046A-80B0-413F-99A4-868FE79AE2CE}"/>
+              </a:ext>
+            </a:extLst>
+          </p:cNvPr>
+          <p:cNvSpPr>
+            <a:spLocks noGrp="1"/>
+          </p:cNvSpPr>
+          <p:nvPr>
+            <p:ph type="title"/>
+          </p:nvPr>
+        </p:nvSpPr>
+        <p:spPr/>
+        <p:txBody>
+          <a:bodyPr/>
+          <a:lstStyle/>
+          <a:p>
+            <a:r>
+              <a:rPr lang="de-DE" dirty="0"/>
+              <a:t>Voice Design Guidelines</a:t>
+            </a:r>
+          </a:p>
+        </p:txBody>
+      </p:sp>
+      <p:sp>
+        <p:nvSpPr>
+          <p:cNvPr id="3" name="Inhaltsplatzhalter 2">
+            <a:extLst>
+              <a:ext uri="{FF2B5EF4-FFF2-40B4-BE49-F238E27FC236}">
+                <a16:creationId xmlns:a16="http://schemas.microsoft.com/office/drawing/2014/main" id="{01362AF5-B271-460D-ACB9-9070D9EA69AD}"/>
+              </a:ext>
+            </a:extLst>
+          </p:cNvPr>
+          <p:cNvSpPr>
+            <a:spLocks noGrp="1"/>
+          </p:cNvSpPr>
+          <p:nvPr>
+            <p:ph idx="1"/>
+          </p:nvPr>
+        </p:nvSpPr>
+        <p:spPr/>
+        <p:txBody>
+          <a:bodyPr/>
+          <a:lstStyle/>
+          <a:p>
+            <a:r>
+              <a:rPr lang="de-DE" dirty="0"/>
+              <a:t>Weniger ist mehr, Wichtiges zuerst.</a:t>
+            </a:r>
+          </a:p>
+          <a:p>
+            <a:pPr lvl="1"/>
+            <a:r>
+              <a:rPr lang="de-DE" dirty="0" err="1"/>
+              <a:t>Full</a:t>
+            </a:r>
+            <a:r>
+              <a:rPr lang="de-DE" dirty="0"/>
+              <a:t>/Partial/</a:t>
+            </a:r>
+            <a:r>
+              <a:rPr lang="de-DE" dirty="0" err="1"/>
+              <a:t>No</a:t>
+            </a:r>
+            <a:r>
+              <a:rPr lang="de-DE" dirty="0"/>
+              <a:t> </a:t>
+            </a:r>
+            <a:r>
+              <a:rPr lang="de-DE" dirty="0" err="1"/>
+              <a:t>Intent</a:t>
+            </a:r>
+            <a:r>
+              <a:rPr lang="de-DE" dirty="0"/>
+              <a:t>?</a:t>
+            </a:r>
+          </a:p>
+          <a:p>
+            <a:r>
+              <a:rPr lang="de-DE" dirty="0"/>
+              <a:t>Einfache, klare Fragen.</a:t>
+            </a:r>
+          </a:p>
+          <a:p>
+            <a:r>
+              <a:rPr lang="de-DE" dirty="0"/>
+              <a:t>Annahmen treffen und hinterfragen</a:t>
+            </a:r>
+          </a:p>
+          <a:p>
+            <a:r>
+              <a:rPr lang="de-DE" dirty="0"/>
+              <a:t>Bestätigungen („Ok, …“)</a:t>
+            </a:r>
+          </a:p>
+          <a:p>
+            <a:r>
+              <a:rPr lang="de-DE" dirty="0"/>
+              <a:t>Keine 1:1-Wiederholungen von Fragen</a:t>
+            </a:r>
+          </a:p>
+          <a:p>
+            <a:pPr lvl="1"/>
+            <a:endParaRPr lang="de-DE" dirty="0"/>
+          </a:p>
+          <a:p>
+            <a:endParaRPr lang="de-DE" dirty="0"/>
+          </a:p>
+        </p:txBody>
+      </p:sp>
+    </p:spTree>
+    <p:extLst>
+      <p:ext uri="{BB962C8B-B14F-4D97-AF65-F5344CB8AC3E}">
+        <p14:creationId xmlns:p14="http://schemas.microsoft.com/office/powerpoint/2010/main" val="4072297484"/>
+      </p:ext>
+    </p:extLst>
+  </p:cSld>
+  <p:clrMapOvr>
+    <a:masterClrMapping/>
+  </p:clrMapOvr>
+  <mc:AlternateContent xmlns:mc="http://schemas.openxmlformats.org/markup-compatibility/2006" xmlns:p14="http://schemas.microsoft.com/office/powerpoint/2010/main">
+    <mc:Choice Requires="p14">
+      <p:transition spd="med" p14:dur="700">
+        <p:fade/>
+      </p:transition>
+    </mc:Choice>
+    <mc:Fallback xmlns="">
+      <p:transition spd="med">
+        <p:fade/>
+      </p:transition>
+    </mc:Fallback>
+  </mc:AlternateContent>
+  <p:timing>
+    <p:tnLst>
+      <p:par>
+        <p:cTn id="1" dur="indefinite" restart="never" nodeType="tmRoot">
+          <p:childTnLst>
+            <p:seq concurrent="1" nextAc="seek">
+              <p:cTn id="2" dur="indefinite" nodeType="mainSeq">
+                <p:childTnLst>
+                  <p:par>
+                    <p:cTn id="3" fill="hold">
+                      <p:stCondLst>
+                        <p:cond delay="indefinite"/>
+                        <p:cond evt="onBegin" delay="0">
+                          <p:tn val="2"/>
+                        </p:cond>
+                      </p:stCondLst>
+                      <p:childTnLst>
+                        <p:par>
+                          <p:cTn id="4" fill="hold">
+                            <p:stCondLst>
+                              <p:cond delay="0"/>
+                            </p:stCondLst>
+                            <p:childTnLst>
+                              <p:par>
+                                <p:cTn id="5" presetID="10" presetClass="entr" presetSubtype="0" fill="hold" nodeType="afterEffect">
+                                  <p:stCondLst>
+                                    <p:cond delay="0"/>
+                                  </p:stCondLst>
+                                  <p:childTnLst>
+                                    <p:set>
+                                      <p:cBhvr>
+                                        <p:cTn id="6" dur="1" fill="hold">
+                                          <p:stCondLst>
+                                            <p:cond delay="0"/>
+                                          </p:stCondLst>
+                                        </p:cTn>
+                                        <p:tgtEl>
+                                          <p:spTgt spid="3">
+                                            <p:txEl>
+                                              <p:pRg st="0" end="0"/>
+                                            </p:txEl>
+                                          </p:spTgt>
+                                        </p:tgtEl>
+                                        <p:attrNameLst>
+                                          <p:attrName>style.visibility</p:attrName>
+                                        </p:attrNameLst>
+                                      </p:cBhvr>
+                                      <p:to>
+                                        <p:strVal val="visible"/>
+                                      </p:to>
+                                    </p:set>
+                                    <p:animEffect transition="in" filter="fade">
+                                      <p:cBhvr>
+                                        <p:cTn id="7" dur="500"/>
+                                        <p:tgtEl>
+                                          <p:spTgt spid="3">
+                                            <p:txEl>
+                                              <p:pRg st="0" end="0"/>
+                                            </p:txEl>
+                                          </p:spTgt>
+                                        </p:tgtEl>
+                                      </p:cBhvr>
+                                    </p:animEffect>
+                                  </p:childTnLst>
+                                </p:cTn>
+                              </p:par>
+                              <p:par>
+                                <p:cTn id="8" presetID="10" presetClass="entr" presetSubtype="0" fill="hold" nodeType="withEffect">
+                                  <p:stCondLst>
+                                    <p:cond delay="0"/>
+                                  </p:stCondLst>
+                                  <p:childTnLst>
+                                    <p:set>
+                                      <p:cBhvr>
+                                        <p:cTn id="9" dur="1" fill="hold">
+                                          <p:stCondLst>
+                                            <p:cond delay="0"/>
+                                          </p:stCondLst>
+                                        </p:cTn>
+                                        <p:tgtEl>
+                                          <p:spTgt spid="3">
+                                            <p:txEl>
+                                              <p:pRg st="1" end="1"/>
+                                            </p:txEl>
+                                          </p:spTgt>
+                                        </p:tgtEl>
+                                        <p:attrNameLst>
+                                          <p:attrName>style.visibility</p:attrName>
+                                        </p:attrNameLst>
+                                      </p:cBhvr>
+                                      <p:to>
+                                        <p:strVal val="visible"/>
+                                      </p:to>
+                                    </p:set>
+                                    <p:animEffect transition="in" filter="fade">
+                                      <p:cBhvr>
+                                        <p:cTn id="10" dur="500"/>
+                                        <p:tgtEl>
+                                          <p:spTgt spid="3">
+                                            <p:txEl>
+                                              <p:pRg st="1" end="1"/>
+                                            </p:txEl>
+                                          </p:spTgt>
+                                        </p:tgtEl>
+                                      </p:cBhvr>
+                                    </p:animEffect>
+                                  </p:childTnLst>
+                                </p:cTn>
+                              </p:par>
+                            </p:childTnLst>
+                          </p:cTn>
+                        </p:par>
+                      </p:childTnLst>
+                    </p:cTn>
+                  </p:par>
+                  <p:par>
+                    <p:cTn id="11" fill="hold">
+                      <p:stCondLst>
+                        <p:cond delay="indefinite"/>
+                      </p:stCondLst>
+                      <p:childTnLst>
+                        <p:par>
+                          <p:cTn id="12" fill="hold">
+                            <p:stCondLst>
+                              <p:cond delay="0"/>
+                            </p:stCondLst>
+                            <p:childTnLst>
+                              <p:par>
+                                <p:cTn id="13" presetID="10" presetClass="entr" presetSubtype="0" fill="hold" nodeType="clickEffect">
+                                  <p:stCondLst>
+                                    <p:cond delay="0"/>
+                                  </p:stCondLst>
+                                  <p:childTnLst>
+                                    <p:set>
+                                      <p:cBhvr>
+                                        <p:cTn id="14" dur="1" fill="hold">
+                                          <p:stCondLst>
+                                            <p:cond delay="0"/>
+                                          </p:stCondLst>
+                                        </p:cTn>
+                                        <p:tgtEl>
+                                          <p:spTgt spid="3">
+                                            <p:txEl>
+                                              <p:pRg st="2" end="2"/>
+                                            </p:txEl>
+                                          </p:spTgt>
+                                        </p:tgtEl>
+                                        <p:attrNameLst>
+                                          <p:attrName>style.visibility</p:attrName>
+                                        </p:attrNameLst>
+                                      </p:cBhvr>
+                                      <p:to>
+                                        <p:strVal val="visible"/>
+                                      </p:to>
+                                    </p:set>
+                                    <p:animEffect transition="in" filter="fade">
+                                      <p:cBhvr>
+                                        <p:cTn id="15" dur="500"/>
+                                        <p:tgtEl>
+                                          <p:spTgt spid="3">
+                                            <p:txEl>
+                                              <p:pRg st="2" end="2"/>
+                                            </p:txEl>
+                                          </p:spTgt>
+                                        </p:tgtEl>
+                                      </p:cBhvr>
+                                    </p:animEffect>
+                                  </p:childTnLst>
+                                </p:cTn>
+                              </p:par>
+                            </p:childTnLst>
+                          </p:cTn>
+                        </p:par>
+                      </p:childTnLst>
+                    </p:cTn>
+                  </p:par>
+                  <p:par>
+                    <p:cTn id="16" fill="hold">
+                      <p:stCondLst>
+                        <p:cond delay="indefinite"/>
+                      </p:stCondLst>
+                      <p:childTnLst>
+                        <p:par>
+                          <p:cTn id="17" fill="hold">
+                            <p:stCondLst>
+                              <p:cond delay="0"/>
+                            </p:stCondLst>
+                            <p:childTnLst>
+                              <p:par>
+                                <p:cTn id="18" presetID="10" presetClass="entr" presetSubtype="0" fill="hold" nodeType="clickEffect">
+                                  <p:stCondLst>
+                                    <p:cond delay="0"/>
+                                  </p:stCondLst>
+                                  <p:childTnLst>
+                                    <p:set>
+                                      <p:cBhvr>
+                                        <p:cTn id="19" dur="1" fill="hold">
+                                          <p:stCondLst>
+                                            <p:cond delay="0"/>
+                                          </p:stCondLst>
+                                        </p:cTn>
+                                        <p:tgtEl>
+                                          <p:spTgt spid="3">
+                                            <p:txEl>
+                                              <p:pRg st="3" end="3"/>
+                                            </p:txEl>
+                                          </p:spTgt>
+                                        </p:tgtEl>
+                                        <p:attrNameLst>
+                                          <p:attrName>style.visibility</p:attrName>
+                                        </p:attrNameLst>
+                                      </p:cBhvr>
+                                      <p:to>
+                                        <p:strVal val="visible"/>
+                                      </p:to>
+                                    </p:set>
+                                    <p:animEffect transition="in" filter="fade">
+                                      <p:cBhvr>
+                                        <p:cTn id="20" dur="500"/>
+                                        <p:tgtEl>
+                                          <p:spTgt spid="3">
+                                            <p:txEl>
+                                              <p:pRg st="3" end="3"/>
+                                            </p:txEl>
+                                          </p:spTgt>
+                                        </p:tgtEl>
+                                      </p:cBhvr>
+                                    </p:animEffect>
+                                  </p:childTnLst>
+                                </p:cTn>
+                              </p:par>
+                            </p:childTnLst>
+                          </p:cTn>
+                        </p:par>
+                      </p:childTnLst>
+                    </p:cTn>
+                  </p:par>
+                  <p:par>
+                    <p:cTn id="21" fill="hold">
+                      <p:stCondLst>
+                        <p:cond delay="indefinite"/>
+                      </p:stCondLst>
+                      <p:childTnLst>
+                        <p:par>
+                          <p:cTn id="22" fill="hold">
+                            <p:stCondLst>
+                              <p:cond delay="0"/>
+                            </p:stCondLst>
+                            <p:childTnLst>
+                              <p:par>
+                                <p:cTn id="23" presetID="10" presetClass="entr" presetSubtype="0" fill="hold" nodeType="clickEffect">
+                                  <p:stCondLst>
+                                    <p:cond delay="0"/>
+                                  </p:stCondLst>
+                                  <p:childTnLst>
+                                    <p:set>
+                                      <p:cBhvr>
+                                        <p:cTn id="24" dur="1" fill="hold">
+                                          <p:stCondLst>
+                                            <p:cond delay="0"/>
+                                          </p:stCondLst>
+                                        </p:cTn>
+                                        <p:tgtEl>
+                                          <p:spTgt spid="3">
+                                            <p:txEl>
+                                              <p:pRg st="4" end="4"/>
+                                            </p:txEl>
+                                          </p:spTgt>
+                                        </p:tgtEl>
+                                        <p:attrNameLst>
+                                          <p:attrName>style.visibility</p:attrName>
+                                        </p:attrNameLst>
+                                      </p:cBhvr>
+                                      <p:to>
+                                        <p:strVal val="visible"/>
+                                      </p:to>
+                                    </p:set>
+                                    <p:animEffect transition="in" filter="fade">
+                                      <p:cBhvr>
+                                        <p:cTn id="25" dur="500"/>
+                                        <p:tgtEl>
+                                          <p:spTgt spid="3">
+                                            <p:txEl>
+                                              <p:pRg st="4" end="4"/>
+                                            </p:txEl>
+                                          </p:spTgt>
+                                        </p:tgtEl>
+                                      </p:cBhvr>
+                                    </p:animEffect>
+                                  </p:childTnLst>
+                                </p:cTn>
+                              </p:par>
+                            </p:childTnLst>
+                          </p:cTn>
+                        </p:par>
+                      </p:childTnLst>
+                    </p:cTn>
+                  </p:par>
+                  <p:par>
+                    <p:cTn id="26" fill="hold">
+                      <p:stCondLst>
+                        <p:cond delay="indefinite"/>
+                      </p:stCondLst>
+                      <p:childTnLst>
+                        <p:par>
+                          <p:cTn id="27" fill="hold">
+                            <p:stCondLst>
+                              <p:cond delay="0"/>
+                            </p:stCondLst>
+                            <p:childTnLst>
+                              <p:par>
+                                <p:cTn id="28" presetID="10" presetClass="entr" presetSubtype="0" fill="hold" nodeType="clickEffect">
+                                  <p:stCondLst>
+                                    <p:cond delay="0"/>
+                                  </p:stCondLst>
+                                  <p:childTnLst>
+                                    <p:set>
+                                      <p:cBhvr>
+                                        <p:cTn id="29" dur="1" fill="hold">
+                                          <p:stCondLst>
+                                            <p:cond delay="0"/>
+                                          </p:stCondLst>
+                                        </p:cTn>
+                                        <p:tgtEl>
+                                          <p:spTgt spid="3">
+                                            <p:txEl>
+                                              <p:pRg st="5" end="5"/>
+                                            </p:txEl>
+                                          </p:spTgt>
+                                        </p:tgtEl>
+                                        <p:attrNameLst>
+                                          <p:attrName>style.visibility</p:attrName>
+                                        </p:attrNameLst>
+                                      </p:cBhvr>
+                                      <p:to>
+                                        <p:strVal val="visible"/>
+                                      </p:to>
+                                    </p:set>
+                                    <p:animEffect transition="in" filter="fade">
+                                      <p:cBhvr>
+                                        <p:cTn id="30" dur="500"/>
+                                        <p:tgtEl>
+                                          <p:spTgt spid="3">
+                                            <p:txEl>
+                                              <p:pRg st="5" end="5"/>
+                                            </p:txEl>
+                                          </p:spTgt>
+                                        </p:tgtEl>
+                                      </p:cBhvr>
+                                    </p:animEffect>
+                                  </p:childTnLst>
+                                </p:cTn>
+                              </p:par>
+                            </p:childTnLst>
+                          </p:cTn>
+                        </p:par>
+                      </p:childTnLst>
+                    </p:cTn>
+                  </p:par>
+                </p:childTnLst>
+              </p:cTn>
+              <p:prevCondLst>
+                <p:cond evt="onPrev" delay="0">
+                  <p:tgtEl>
+                    <p:sldTgt/>
+                  </p:tgtEl>
+                </p:cond>
+              </p:prevCondLst>
+              <p:nextCondLst>
+                <p:cond evt="onNext" delay="0">
+                  <p:tgtEl>
+                    <p:sldTgt/>
+                  </p:tgtEl>
+                </p:cond>
+              </p:nextCondLst>
+            </p:seq>
+          </p:childTnLst>
+        </p:cTn>
+      </p:par>
+    </p:tnLst>
+  </p:timing>
+</p:sld>
+</file>
+
+<file path=ppt/slides/slide2.xml><?xml version="1.0" encoding="utf-8"?>
+<p:sld xmlns:a="http://schemas.openxmlformats.org/drawingml/2006/main" xmlns:r="http://schemas.openxmlformats.org/officeDocument/2006/relationships" xmlns:p="http://schemas.openxmlformats.org/presentationml/2006/main">
+  <p:cSld>
+    <p:spTree>
+      <p:nvGrpSpPr>
+        <p:cNvPr id="1" name=""/>
+        <p:cNvGrpSpPr/>
+        <p:nvPr/>
+      </p:nvGrpSpPr>
+      <p:grpSpPr>
+        <a:xfrm>
+          <a:off x="0" y="0"/>
+          <a:ext cx="0" cy="0"/>
+          <a:chOff x="0" y="0"/>
+          <a:chExt cx="0" cy="0"/>
+        </a:xfrm>
+      </p:grpSpPr>
+      <p:sp>
+        <p:nvSpPr>
+          <p:cNvPr id="2" name="Textfeld 1">
+            <a:extLst>
+              <a:ext uri="{FF2B5EF4-FFF2-40B4-BE49-F238E27FC236}">
+                <a16:creationId xmlns:a16="http://schemas.microsoft.com/office/drawing/2014/main" id="{BD6D8D37-4632-427A-AE65-E083DEF51A2A}"/>
+              </a:ext>
+            </a:extLst>
+          </p:cNvPr>
+          <p:cNvSpPr txBox="1"/>
+          <p:nvPr/>
+        </p:nvSpPr>
+        <p:spPr>
+          <a:xfrm>
+            <a:off x="898199" y="3136613"/>
+            <a:ext cx="10395603" cy="584775"/>
+          </a:xfrm>
+          <a:prstGeom prst="rect">
+            <a:avLst/>
+          </a:prstGeom>
+          <a:noFill/>
+        </p:spPr>
+        <p:txBody>
+          <a:bodyPr wrap="none" rtlCol="0">
+            <a:spAutoFit/>
+          </a:bodyPr>
+          <a:lstStyle/>
+          <a:p>
+            <a:pPr algn="ctr"/>
+            <a:r>
+              <a:rPr lang="en-US" sz="3200" dirty="0">
+                <a:hlinkClick r:id="rId2"/>
+              </a:rPr>
+              <a:t>https://github.com/softawaregmbh/samples-botframework</a:t>
+            </a:r>
+            <a:r>
+              <a:rPr lang="en-US" sz="3200" dirty="0"/>
+              <a:t> </a:t>
+            </a:r>
+          </a:p>
+        </p:txBody>
+      </p:sp>
+    </p:spTree>
+    <p:extLst>
+      <p:ext uri="{BB962C8B-B14F-4D97-AF65-F5344CB8AC3E}">
+        <p14:creationId xmlns:p14="http://schemas.microsoft.com/office/powerpoint/2010/main" val="2584822128"/>
+      </p:ext>
+    </p:extLst>
+  </p:cSld>
+  <p:clrMapOvr>
+    <a:masterClrMapping/>
+  </p:clrMapOvr>
+</p:sld>
+</file>
+
+<file path=ppt/slides/slide3.xml><?xml version="1.0" encoding="utf-8"?>
+<p:sld xmlns:a="http://schemas.openxmlformats.org/drawingml/2006/main" xmlns:r="http://schemas.openxmlformats.org/officeDocument/2006/relationships" xmlns:p="http://schemas.openxmlformats.org/presentationml/2006/main">
+  <p:cSld>
+    <p:spTree>
+      <p:nvGrpSpPr>
+        <p:cNvPr id="1" name=""/>
+        <p:cNvGrpSpPr/>
+        <p:nvPr/>
+      </p:nvGrpSpPr>
+      <p:grpSpPr>
+        <a:xfrm>
+          <a:off x="0" y="0"/>
+          <a:ext cx="0" cy="0"/>
+          <a:chOff x="0" y="0"/>
+          <a:chExt cx="0" cy="0"/>
+        </a:xfrm>
+      </p:grpSpPr>
+      <p:pic>
+        <p:nvPicPr>
+          <p:cNvPr id="3" name="Grafik 2"/>
+          <p:cNvPicPr>
+            <a:picLocks noChangeAspect="1"/>
+          </p:cNvPicPr>
+          <p:nvPr/>
+        </p:nvPicPr>
+        <p:blipFill>
+          <a:blip r:embed="rId2">
+            <a:extLst>
+              <a:ext uri="{28A0092B-C50C-407E-A947-70E740481C1C}">
+                <a14:useLocalDpi xmlns:a14="http://schemas.microsoft.com/office/drawing/2010/main" val="0"/>
+              </a:ext>
+            </a:extLst>
+          </a:blip>
+          <a:stretch>
+            <a:fillRect/>
+          </a:stretch>
+        </p:blipFill>
+        <p:spPr>
+          <a:xfrm>
+            <a:off x="4045540" y="399143"/>
+            <a:ext cx="4100921" cy="6059714"/>
+          </a:xfrm>
+          <a:prstGeom prst="rect">
+            <a:avLst/>
+          </a:prstGeom>
+        </p:spPr>
+      </p:pic>
+    </p:spTree>
+    <p:extLst>
+      <p:ext uri="{BB962C8B-B14F-4D97-AF65-F5344CB8AC3E}">
+        <p14:creationId xmlns:p14="http://schemas.microsoft.com/office/powerpoint/2010/main" val="1284143165"/>
+      </p:ext>
+    </p:extLst>
+  </p:cSld>
+  <p:clrMapOvr>
+    <a:masterClrMapping/>
+  </p:clrMapOvr>
+  <mc:AlternateContent xmlns:mc="http://schemas.openxmlformats.org/markup-compatibility/2006" xmlns:p14="http://schemas.microsoft.com/office/powerpoint/2010/main">
+    <mc:Choice Requires="p14">
+      <p:transition spd="med" p14:dur="700">
+        <p:fade/>
+      </p:transition>
+    </mc:Choice>
+    <mc:Fallback xmlns="">
+      <p:transition spd="med">
+        <p:fade/>
+      </p:transition>
+    </mc:Fallback>
+  </mc:AlternateContent>
+</p:sld>
+</file>
+
+<file path=ppt/slides/slide4.xml><?xml version="1.0" encoding="utf-8"?>
+<p:sld xmlns:a="http://schemas.openxmlformats.org/drawingml/2006/main" xmlns:r="http://schemas.openxmlformats.org/officeDocument/2006/relationships" xmlns:p="http://schemas.openxmlformats.org/presentationml/2006/main">
+  <p:cSld>
+    <p:spTree>
+      <p:nvGrpSpPr>
+        <p:cNvPr id="1" name=""/>
+        <p:cNvGrpSpPr/>
+        <p:nvPr/>
+      </p:nvGrpSpPr>
+      <p:grpSpPr>
+        <a:xfrm>
+          <a:off x="0" y="0"/>
+          <a:ext cx="0" cy="0"/>
+          <a:chOff x="0" y="0"/>
+          <a:chExt cx="0" cy="0"/>
+        </a:xfrm>
+      </p:grpSpPr>
+      <p:sp>
+        <p:nvSpPr>
+          <p:cNvPr id="2" name="Titel 1"/>
+          <p:cNvSpPr>
+            <a:spLocks noGrp="1"/>
+          </p:cNvSpPr>
+          <p:nvPr>
+            <p:ph type="title"/>
+          </p:nvPr>
+        </p:nvSpPr>
+        <p:spPr/>
+        <p:txBody>
+          <a:bodyPr/>
+          <a:lstStyle/>
+          <a:p>
+            <a:r>
+              <a:rPr lang="de-AT" dirty="0" err="1"/>
+              <a:t>Conversational</a:t>
+            </a:r>
+            <a:r>
+              <a:rPr lang="de-AT" dirty="0"/>
+              <a:t> User Interfaces</a:t>
+            </a:r>
+          </a:p>
+        </p:txBody>
+      </p:sp>
+      <p:sp>
+        <p:nvSpPr>
+          <p:cNvPr id="3" name="Inhaltsplatzhalter 2"/>
+          <p:cNvSpPr>
+            <a:spLocks noGrp="1"/>
+          </p:cNvSpPr>
+          <p:nvPr>
+            <p:ph idx="1"/>
+          </p:nvPr>
+        </p:nvSpPr>
+        <p:spPr/>
+        <p:txBody>
+          <a:bodyPr/>
+          <a:lstStyle/>
+          <a:p>
+            <a:r>
+              <a:rPr lang="de-AT" dirty="0"/>
+              <a:t>Sprache ist natürlich</a:t>
+            </a:r>
+          </a:p>
+          <a:p>
+            <a:r>
+              <a:rPr lang="de-AT" dirty="0"/>
+              <a:t>Fun-Faktor vs. echter Vorteil</a:t>
+            </a:r>
+          </a:p>
+          <a:p>
+            <a:r>
+              <a:rPr lang="de-AT" dirty="0"/>
+              <a:t>Gesprochene und geschriebene Sprache</a:t>
+            </a:r>
+          </a:p>
+          <a:p>
+            <a:r>
+              <a:rPr lang="de-AT" dirty="0"/>
+              <a:t>Qualität der Erkennung ist entscheidend</a:t>
+            </a:r>
+          </a:p>
+          <a:p>
+            <a:pPr lvl="1"/>
+            <a:r>
+              <a:rPr lang="de-AT" dirty="0"/>
+              <a:t>Kann die Grammatik eingeschränkt werden?</a:t>
+            </a:r>
+          </a:p>
+          <a:p>
+            <a:endParaRPr lang="de-AT" dirty="0"/>
+          </a:p>
+        </p:txBody>
+      </p:sp>
+      <p:pic>
+        <p:nvPicPr>
+          <p:cNvPr id="4" name="Grafik 3"/>
+          <p:cNvPicPr>
+            <a:picLocks noChangeAspect="1"/>
+          </p:cNvPicPr>
+          <p:nvPr/>
+        </p:nvPicPr>
+        <p:blipFill>
+          <a:blip r:embed="rId3"/>
+          <a:stretch>
+            <a:fillRect/>
+          </a:stretch>
+        </p:blipFill>
+        <p:spPr>
+          <a:xfrm>
+            <a:off x="5586798" y="4462720"/>
+            <a:ext cx="6269366" cy="2036934"/>
+          </a:xfrm>
+          <a:prstGeom prst="rect">
+            <a:avLst/>
+          </a:prstGeom>
+        </p:spPr>
+      </p:pic>
+    </p:spTree>
+    <p:extLst>
+      <p:ext uri="{BB962C8B-B14F-4D97-AF65-F5344CB8AC3E}">
+        <p14:creationId xmlns:p14="http://schemas.microsoft.com/office/powerpoint/2010/main" val="3284261734"/>
+      </p:ext>
+    </p:extLst>
+  </p:cSld>
+  <p:clrMapOvr>
+    <a:masterClrMapping/>
+  </p:clrMapOvr>
+  <mc:AlternateContent xmlns:mc="http://schemas.openxmlformats.org/markup-compatibility/2006" xmlns:p14="http://schemas.microsoft.com/office/powerpoint/2010/main">
+    <mc:Choice Requires="p14">
+      <p:transition spd="med" p14:dur="700">
+        <p:fade/>
+      </p:transition>
+    </mc:Choice>
+    <mc:Fallback xmlns="">
+      <p:transition spd="med">
+        <p:fade/>
+      </p:transition>
+    </mc:Fallback>
+  </mc:AlternateContent>
+</p:sld>
+</file>
+
+<file path=ppt/slides/slide5.xml><?xml version="1.0" encoding="utf-8"?>
+<p:sld xmlns:a="http://schemas.openxmlformats.org/drawingml/2006/main" xmlns:r="http://schemas.openxmlformats.org/officeDocument/2006/relationships" xmlns:p="http://schemas.openxmlformats.org/presentationml/2006/main">
+  <p:cSld>
+    <p:spTree>
+      <p:nvGrpSpPr>
+        <p:cNvPr id="1" name=""/>
+        <p:cNvGrpSpPr/>
+        <p:nvPr/>
+      </p:nvGrpSpPr>
+      <p:grpSpPr>
+        <a:xfrm>
+          <a:off x="0" y="0"/>
+          <a:ext cx="0" cy="0"/>
+          <a:chOff x="0" y="0"/>
+          <a:chExt cx="0" cy="0"/>
+        </a:xfrm>
+      </p:grpSpPr>
+      <p:sp>
+        <p:nvSpPr>
+          <p:cNvPr id="2" name="Titel 1"/>
+          <p:cNvSpPr>
+            <a:spLocks noGrp="1"/>
+          </p:cNvSpPr>
+          <p:nvPr>
+            <p:ph type="title"/>
+          </p:nvPr>
+        </p:nvSpPr>
+        <p:spPr/>
+        <p:txBody>
+          <a:bodyPr/>
+          <a:lstStyle/>
+          <a:p>
+            <a:r>
+              <a:rPr lang="de-AT" dirty="0"/>
+              <a:t>Bot </a:t>
+            </a:r>
+            <a:r>
+              <a:rPr lang="de-AT" dirty="0" err="1"/>
+              <a:t>Builder</a:t>
+            </a:r>
+            <a:r>
+              <a:rPr lang="de-AT" dirty="0"/>
+              <a:t> SDK</a:t>
+            </a:r>
+          </a:p>
+        </p:txBody>
+      </p:sp>
+      <p:sp>
+        <p:nvSpPr>
+          <p:cNvPr id="3" name="Inhaltsplatzhalter 2"/>
+          <p:cNvSpPr>
+            <a:spLocks noGrp="1"/>
+          </p:cNvSpPr>
+          <p:nvPr>
+            <p:ph idx="1"/>
+          </p:nvPr>
+        </p:nvSpPr>
+        <p:spPr/>
+        <p:txBody>
+          <a:bodyPr/>
+          <a:lstStyle/>
+          <a:p>
+            <a:r>
+              <a:rPr lang="de-AT" dirty="0"/>
+              <a:t>Open Source (</a:t>
+            </a:r>
+            <a:r>
+              <a:rPr lang="de-AT" dirty="0" err="1"/>
+              <a:t>GitHub</a:t>
+            </a:r>
+            <a:r>
+              <a:rPr lang="de-AT" dirty="0"/>
+              <a:t>)</a:t>
+            </a:r>
+            <a:br>
+              <a:rPr lang="de-AT" dirty="0"/>
+            </a:br>
+            <a:r>
+              <a:rPr lang="de-AT" dirty="0">
+                <a:hlinkClick r:id="rId2"/>
+              </a:rPr>
+              <a:t>https://github.com/Microsoft/BotBuilder/</a:t>
+            </a:r>
+            <a:endParaRPr lang="de-AT" dirty="0"/>
+          </a:p>
+          <a:p>
+            <a:r>
+              <a:rPr lang="de-DE" dirty="0"/>
+              <a:t>Version 3</a:t>
+            </a:r>
+            <a:endParaRPr lang="de-AT" dirty="0"/>
+          </a:p>
+          <a:p>
+            <a:r>
+              <a:rPr lang="de-AT" dirty="0"/>
+              <a:t>Verfügbar für Node.js und C# </a:t>
+            </a:r>
+          </a:p>
+          <a:p>
+            <a:r>
+              <a:rPr lang="de-DE" dirty="0"/>
+              <a:t>Features</a:t>
+            </a:r>
+          </a:p>
+          <a:p>
+            <a:pPr lvl="1"/>
+            <a:r>
+              <a:rPr lang="de-DE" dirty="0"/>
+              <a:t>Standard-Dialoge für Ja/Nein, Strings, Zahlen, </a:t>
+            </a:r>
+            <a:r>
+              <a:rPr lang="de-DE" dirty="0" err="1"/>
+              <a:t>Enumerations</a:t>
+            </a:r>
+            <a:endParaRPr lang="de-DE" dirty="0"/>
+          </a:p>
+          <a:p>
+            <a:pPr lvl="1"/>
+            <a:r>
+              <a:rPr lang="de-DE" dirty="0"/>
+              <a:t>Standard-Dialoge für LUIS-Integration</a:t>
+            </a:r>
+          </a:p>
+          <a:p>
+            <a:pPr lvl="1"/>
+            <a:r>
+              <a:rPr lang="de-DE" dirty="0" err="1"/>
+              <a:t>FormFlow</a:t>
+            </a:r>
+            <a:r>
+              <a:rPr lang="de-DE" dirty="0"/>
+              <a:t>: Erzeugen eines Bots auf Basis einer C#-Klasse </a:t>
+            </a:r>
+          </a:p>
+          <a:p>
+            <a:pPr lvl="1"/>
+            <a:r>
+              <a:rPr lang="de-DE" dirty="0"/>
+              <a:t>Cards</a:t>
+            </a:r>
+          </a:p>
+          <a:p>
+            <a:endParaRPr lang="de-AT" dirty="0"/>
+          </a:p>
+          <a:p>
+            <a:endParaRPr lang="de-DE" dirty="0"/>
+          </a:p>
+          <a:p>
+            <a:pPr lvl="1"/>
+            <a:endParaRPr lang="de-AT" dirty="0"/>
+          </a:p>
+        </p:txBody>
+      </p:sp>
+    </p:spTree>
+    <p:extLst>
+      <p:ext uri="{BB962C8B-B14F-4D97-AF65-F5344CB8AC3E}">
+        <p14:creationId xmlns:p14="http://schemas.microsoft.com/office/powerpoint/2010/main" val="2979343863"/>
+      </p:ext>
+    </p:extLst>
+  </p:cSld>
+  <p:clrMapOvr>
+    <a:masterClrMapping/>
+  </p:clrMapOvr>
+  <mc:AlternateContent xmlns:mc="http://schemas.openxmlformats.org/markup-compatibility/2006" xmlns:p14="http://schemas.microsoft.com/office/powerpoint/2010/main">
+    <mc:Choice Requires="p14">
+      <p:transition spd="med" p14:dur="700">
+        <p:fade/>
+      </p:transition>
+    </mc:Choice>
+    <mc:Fallback xmlns="">
+      <p:transition spd="med">
+        <p:fade/>
+      </p:transition>
+    </mc:Fallback>
+  </mc:AlternateContent>
+  <p:timing>
+    <p:tnLst>
+      <p:par>
+        <p:cTn id="1" dur="indefinite" restart="never" nodeType="tmRoot">
+          <p:childTnLst>
+            <p:seq concurrent="1" nextAc="seek">
+              <p:cTn id="2" dur="indefinite" nodeType="mainSeq">
+                <p:childTnLst>
+                  <p:par>
+                    <p:cTn id="3" fill="hold">
+                      <p:stCondLst>
+                        <p:cond delay="indefinite"/>
+                      </p:stCondLst>
+                      <p:childTnLst>
+                        <p:par>
+                          <p:cTn id="4" fill="hold">
+                            <p:stCondLst>
+                              <p:cond delay="0"/>
+                            </p:stCondLst>
+                            <p:childTnLst>
+                              <p:par>
+                                <p:cTn id="5" presetID="10" presetClass="entr" presetSubtype="0" fill="hold" nodeType="clickEffect">
+                                  <p:stCondLst>
+                                    <p:cond delay="0"/>
+                                  </p:stCondLst>
+                                  <p:childTnLst>
+                                    <p:set>
+                                      <p:cBhvr>
+                                        <p:cTn id="6" dur="1" fill="hold">
+                                          <p:stCondLst>
+                                            <p:cond delay="0"/>
+                                          </p:stCondLst>
+                                        </p:cTn>
+                                        <p:tgtEl>
+                                          <p:spTgt spid="3">
+                                            <p:txEl>
+                                              <p:pRg st="1" end="1"/>
+                                            </p:txEl>
+                                          </p:spTgt>
+                                        </p:tgtEl>
+                                        <p:attrNameLst>
+                                          <p:attrName>style.visibility</p:attrName>
+                                        </p:attrNameLst>
+                                      </p:cBhvr>
+                                      <p:to>
+                                        <p:strVal val="visible"/>
+                                      </p:to>
+                                    </p:set>
+                                    <p:animEffect transition="in" filter="fade">
+                                      <p:cBhvr>
+                                        <p:cTn id="7" dur="500"/>
+                                        <p:tgtEl>
+                                          <p:spTgt spid="3">
+                                            <p:txEl>
+                                              <p:pRg st="1" end="1"/>
+                                            </p:txEl>
+                                          </p:spTgt>
+                                        </p:tgtEl>
+                                      </p:cBhvr>
+                                    </p:animEffect>
+                                  </p:childTnLst>
+                                </p:cTn>
+                              </p:par>
+                            </p:childTnLst>
+                          </p:cTn>
+                        </p:par>
+                      </p:childTnLst>
+                    </p:cTn>
+                  </p:par>
+                  <p:par>
+                    <p:cTn id="8" fill="hold">
+                      <p:stCondLst>
+                        <p:cond delay="indefinite"/>
+                      </p:stCondLst>
+                      <p:childTnLst>
+                        <p:par>
+                          <p:cTn id="9" fill="hold">
+                            <p:stCondLst>
+                              <p:cond delay="0"/>
+                            </p:stCondLst>
+                            <p:childTnLst>
+                              <p:par>
+                                <p:cTn id="10" presetID="10" presetClass="entr" presetSubtype="0" fill="hold" nodeType="clickEffect">
+                                  <p:stCondLst>
+                                    <p:cond delay="0"/>
+                                  </p:stCondLst>
+                                  <p:childTnLst>
+                                    <p:set>
+                                      <p:cBhvr>
+                                        <p:cTn id="11" dur="1" fill="hold">
+                                          <p:stCondLst>
+                                            <p:cond delay="0"/>
+                                          </p:stCondLst>
+                                        </p:cTn>
+                                        <p:tgtEl>
+                                          <p:spTgt spid="3">
+                                            <p:txEl>
+                                              <p:pRg st="2" end="2"/>
+                                            </p:txEl>
+                                          </p:spTgt>
+                                        </p:tgtEl>
+                                        <p:attrNameLst>
+                                          <p:attrName>style.visibility</p:attrName>
+                                        </p:attrNameLst>
+                                      </p:cBhvr>
+                                      <p:to>
+                                        <p:strVal val="visible"/>
+                                      </p:to>
+                                    </p:set>
+                                    <p:animEffect transition="in" filter="fade">
+                                      <p:cBhvr>
+                                        <p:cTn id="12" dur="500"/>
+                                        <p:tgtEl>
+                                          <p:spTgt spid="3">
+                                            <p:txEl>
+                                              <p:pRg st="2" end="2"/>
+                                            </p:txEl>
+                                          </p:spTgt>
+                                        </p:tgtEl>
+                                      </p:cBhvr>
+                                    </p:animEffect>
+                                  </p:childTnLst>
+                                </p:cTn>
+                              </p:par>
+                            </p:childTnLst>
+                          </p:cTn>
+                        </p:par>
+                      </p:childTnLst>
+                    </p:cTn>
+                  </p:par>
+                  <p:par>
+                    <p:cTn id="13" fill="hold">
+                      <p:stCondLst>
+                        <p:cond delay="indefinite"/>
+                      </p:stCondLst>
+                      <p:childTnLst>
+                        <p:par>
+                          <p:cTn id="14" fill="hold">
+                            <p:stCondLst>
+                              <p:cond delay="0"/>
+                            </p:stCondLst>
+                            <p:childTnLst>
+                              <p:par>
+                                <p:cTn id="15" presetID="10" presetClass="entr" presetSubtype="0" fill="hold" nodeType="clickEffect">
+                                  <p:stCondLst>
+                                    <p:cond delay="0"/>
+                                  </p:stCondLst>
+                                  <p:childTnLst>
+                                    <p:set>
+                                      <p:cBhvr>
+                                        <p:cTn id="16" dur="1" fill="hold">
+                                          <p:stCondLst>
+                                            <p:cond delay="0"/>
+                                          </p:stCondLst>
+                                        </p:cTn>
+                                        <p:tgtEl>
+                                          <p:spTgt spid="3">
+                                            <p:txEl>
+                                              <p:pRg st="3" end="3"/>
+                                            </p:txEl>
+                                          </p:spTgt>
+                                        </p:tgtEl>
+                                        <p:attrNameLst>
+                                          <p:attrName>style.visibility</p:attrName>
+                                        </p:attrNameLst>
+                                      </p:cBhvr>
+                                      <p:to>
+                                        <p:strVal val="visible"/>
+                                      </p:to>
+                                    </p:set>
+                                    <p:animEffect transition="in" filter="fade">
+                                      <p:cBhvr>
+                                        <p:cTn id="17" dur="500"/>
+                                        <p:tgtEl>
+                                          <p:spTgt spid="3">
+                                            <p:txEl>
+                                              <p:pRg st="3" end="3"/>
+                                            </p:txEl>
+                                          </p:spTgt>
+                                        </p:tgtEl>
+                                      </p:cBhvr>
+                                    </p:animEffect>
+                                  </p:childTnLst>
+                                </p:cTn>
+                              </p:par>
+                              <p:par>
+                                <p:cTn id="18" presetID="10" presetClass="entr" presetSubtype="0" fill="hold" nodeType="withEffect">
+                                  <p:stCondLst>
+                                    <p:cond delay="0"/>
+                                  </p:stCondLst>
+                                  <p:childTnLst>
+                                    <p:set>
+                                      <p:cBhvr>
+                                        <p:cTn id="19" dur="1" fill="hold">
+                                          <p:stCondLst>
+                                            <p:cond delay="0"/>
+                                          </p:stCondLst>
+                                        </p:cTn>
+                                        <p:tgtEl>
+                                          <p:spTgt spid="3">
+                                            <p:txEl>
+                                              <p:pRg st="4" end="4"/>
+                                            </p:txEl>
+                                          </p:spTgt>
+                                        </p:tgtEl>
+                                        <p:attrNameLst>
+                                          <p:attrName>style.visibility</p:attrName>
+                                        </p:attrNameLst>
+                                      </p:cBhvr>
+                                      <p:to>
+                                        <p:strVal val="visible"/>
+                                      </p:to>
+                                    </p:set>
+                                    <p:animEffect transition="in" filter="fade">
+                                      <p:cBhvr>
+                                        <p:cTn id="20" dur="500"/>
+                                        <p:tgtEl>
+                                          <p:spTgt spid="3">
+                                            <p:txEl>
+                                              <p:pRg st="4" end="4"/>
+                                            </p:txEl>
+                                          </p:spTgt>
+                                        </p:tgtEl>
+                                      </p:cBhvr>
+                                    </p:animEffect>
+                                  </p:childTnLst>
+                                </p:cTn>
+                              </p:par>
+                              <p:par>
+                                <p:cTn id="21" presetID="10" presetClass="entr" presetSubtype="0" fill="hold" nodeType="withEffect">
+                                  <p:stCondLst>
+                                    <p:cond delay="0"/>
+                                  </p:stCondLst>
+                                  <p:childTnLst>
+                                    <p:set>
+                                      <p:cBhvr>
+                                        <p:cTn id="22" dur="1" fill="hold">
+                                          <p:stCondLst>
+                                            <p:cond delay="0"/>
+                                          </p:stCondLst>
+                                        </p:cTn>
+                                        <p:tgtEl>
+                                          <p:spTgt spid="3">
+                                            <p:txEl>
+                                              <p:pRg st="5" end="5"/>
+                                            </p:txEl>
+                                          </p:spTgt>
+                                        </p:tgtEl>
+                                        <p:attrNameLst>
+                                          <p:attrName>style.visibility</p:attrName>
+                                        </p:attrNameLst>
+                                      </p:cBhvr>
+                                      <p:to>
+                                        <p:strVal val="visible"/>
+                                      </p:to>
+                                    </p:set>
+                                    <p:animEffect transition="in" filter="fade">
+                                      <p:cBhvr>
+                                        <p:cTn id="23" dur="500"/>
+                                        <p:tgtEl>
+                                          <p:spTgt spid="3">
+                                            <p:txEl>
+                                              <p:pRg st="5" end="5"/>
+                                            </p:txEl>
+                                          </p:spTgt>
+                                        </p:tgtEl>
+                                      </p:cBhvr>
+                                    </p:animEffect>
+                                  </p:childTnLst>
+                                </p:cTn>
+                              </p:par>
+                              <p:par>
+                                <p:cTn id="24" presetID="10" presetClass="entr" presetSubtype="0" fill="hold" nodeType="withEffect">
+                                  <p:stCondLst>
+                                    <p:cond delay="0"/>
+                                  </p:stCondLst>
+                                  <p:childTnLst>
+                                    <p:set>
+                                      <p:cBhvr>
+                                        <p:cTn id="25" dur="1" fill="hold">
+                                          <p:stCondLst>
+                                            <p:cond delay="0"/>
+                                          </p:stCondLst>
+                                        </p:cTn>
+                                        <p:tgtEl>
+                                          <p:spTgt spid="3">
+                                            <p:txEl>
+                                              <p:pRg st="6" end="6"/>
+                                            </p:txEl>
+                                          </p:spTgt>
+                                        </p:tgtEl>
+                                        <p:attrNameLst>
+                                          <p:attrName>style.visibility</p:attrName>
+                                        </p:attrNameLst>
+                                      </p:cBhvr>
+                                      <p:to>
+                                        <p:strVal val="visible"/>
+                                      </p:to>
+                                    </p:set>
+                                    <p:animEffect transition="in" filter="fade">
+                                      <p:cBhvr>
+                                        <p:cTn id="26" dur="500"/>
+                                        <p:tgtEl>
+                                          <p:spTgt spid="3">
+                                            <p:txEl>
+                                              <p:pRg st="6" end="6"/>
+                                            </p:txEl>
+                                          </p:spTgt>
+                                        </p:tgtEl>
+                                      </p:cBhvr>
+                                    </p:animEffect>
+                                  </p:childTnLst>
+                                </p:cTn>
+                              </p:par>
+                              <p:par>
+                                <p:cTn id="27" presetID="10" presetClass="entr" presetSubtype="0" fill="hold" nodeType="withEffect">
+                                  <p:stCondLst>
+                                    <p:cond delay="0"/>
+                                  </p:stCondLst>
+                                  <p:childTnLst>
+                                    <p:set>
+                                      <p:cBhvr>
+                                        <p:cTn id="28" dur="1" fill="hold">
+                                          <p:stCondLst>
+                                            <p:cond delay="0"/>
+                                          </p:stCondLst>
+                                        </p:cTn>
+                                        <p:tgtEl>
+                                          <p:spTgt spid="3">
+                                            <p:txEl>
+                                              <p:pRg st="7" end="7"/>
+                                            </p:txEl>
+                                          </p:spTgt>
+                                        </p:tgtEl>
+                                        <p:attrNameLst>
+                                          <p:attrName>style.visibility</p:attrName>
+                                        </p:attrNameLst>
+                                      </p:cBhvr>
+                                      <p:to>
+                                        <p:strVal val="visible"/>
+                                      </p:to>
+                                    </p:set>
+                                    <p:animEffect transition="in" filter="fade">
+                                      <p:cBhvr>
+                                        <p:cTn id="29" dur="500"/>
+                                        <p:tgtEl>
+                                          <p:spTgt spid="3">
+                                            <p:txEl>
+                                              <p:pRg st="7" end="7"/>
+                                            </p:txEl>
+                                          </p:spTgt>
+                                        </p:tgtEl>
+                                      </p:cBhvr>
+                                    </p:animEffect>
+                                  </p:childTnLst>
+                                </p:cTn>
+                              </p:par>
+                            </p:childTnLst>
+                          </p:cTn>
+                        </p:par>
+                      </p:childTnLst>
+                    </p:cTn>
+                  </p:par>
+                </p:childTnLst>
+              </p:cTn>
+              <p:prevCondLst>
+                <p:cond evt="onPrev" delay="0">
+                  <p:tgtEl>
+                    <p:sldTgt/>
+                  </p:tgtEl>
+                </p:cond>
+              </p:prevCondLst>
+              <p:nextCondLst>
+                <p:cond evt="onNext" delay="0">
+                  <p:tgtEl>
+                    <p:sldTgt/>
+                  </p:tgtEl>
+                </p:cond>
+              </p:nextCondLst>
+            </p:seq>
+          </p:childTnLst>
+        </p:cTn>
+      </p:par>
+    </p:tnLst>
+  </p:timing>
+</p:sld>
+</file>
+
+<file path=ppt/slides/slide6.xml><?xml version="1.0" encoding="utf-8"?>
+<p:sld xmlns:a="http://schemas.openxmlformats.org/drawingml/2006/main" xmlns:r="http://schemas.openxmlformats.org/officeDocument/2006/relationships" xmlns:p="http://schemas.openxmlformats.org/presentationml/2006/main">
+  <p:cSld>
+    <p:spTree>
+      <p:nvGrpSpPr>
+        <p:cNvPr id="1" name=""/>
+        <p:cNvGrpSpPr/>
+        <p:nvPr/>
+      </p:nvGrpSpPr>
+      <p:grpSpPr>
+        <a:xfrm>
+          <a:off x="0" y="0"/>
+          <a:ext cx="0" cy="0"/>
+          <a:chOff x="0" y="0"/>
+          <a:chExt cx="0" cy="0"/>
+        </a:xfrm>
+      </p:grpSpPr>
+      <p:pic>
+        <p:nvPicPr>
+          <p:cNvPr id="6" name="Grafik 5"/>
+          <p:cNvPicPr>
+            <a:picLocks noChangeAspect="1"/>
+          </p:cNvPicPr>
+          <p:nvPr/>
+        </p:nvPicPr>
+        <p:blipFill>
+          <a:blip r:embed="rId2">
+            <a:extLst>
+              <a:ext uri="{28A0092B-C50C-407E-A947-70E740481C1C}">
+                <a14:useLocalDpi xmlns:a14="http://schemas.microsoft.com/office/drawing/2010/main" val="0"/>
+              </a:ext>
+            </a:extLst>
+          </a:blip>
+          <a:stretch>
+            <a:fillRect/>
+          </a:stretch>
+        </p:blipFill>
+        <p:spPr>
+          <a:xfrm>
+            <a:off x="660822" y="877330"/>
+            <a:ext cx="3059176" cy="5050068"/>
+          </a:xfrm>
+          <a:prstGeom prst="rect">
+            <a:avLst/>
+          </a:prstGeom>
+        </p:spPr>
+      </p:pic>
+      <p:pic>
+        <p:nvPicPr>
+          <p:cNvPr id="9" name="Grafik 8"/>
+          <p:cNvPicPr>
+            <a:picLocks noChangeAspect="1"/>
+          </p:cNvPicPr>
+          <p:nvPr/>
+        </p:nvPicPr>
+        <p:blipFill>
+          <a:blip r:embed="rId3"/>
+          <a:stretch>
+            <a:fillRect/>
+          </a:stretch>
+        </p:blipFill>
+        <p:spPr>
+          <a:xfrm>
+            <a:off x="9633981" y="2182994"/>
+            <a:ext cx="2438740" cy="2438740"/>
+          </a:xfrm>
+          <a:prstGeom prst="rect">
+            <a:avLst/>
+          </a:prstGeom>
+        </p:spPr>
+      </p:pic>
+      <p:sp>
+        <p:nvSpPr>
+          <p:cNvPr id="10" name="Wolke 9"/>
+          <p:cNvSpPr/>
+          <p:nvPr/>
+        </p:nvSpPr>
+        <p:spPr>
+          <a:xfrm>
+            <a:off x="4683211" y="1456174"/>
+            <a:ext cx="4411362" cy="3892379"/>
+          </a:xfrm>
+          <a:prstGeom prst="cloud">
+            <a:avLst/>
+          </a:prstGeom>
+        </p:spPr>
+        <p:style>
+          <a:lnRef idx="1">
+            <a:schemeClr val="accent3"/>
+          </a:lnRef>
+          <a:fillRef idx="2">
+            <a:schemeClr val="accent3"/>
+          </a:fillRef>
+          <a:effectRef idx="1">
+            <a:schemeClr val="accent3"/>
+          </a:effectRef>
+          <a:fontRef idx="minor">
+            <a:schemeClr val="dk1"/>
+          </a:fontRef>
+        </p:style>
+        <p:txBody>
+          <a:bodyPr rtlCol="0" anchor="ctr"/>
+          <a:lstStyle/>
+          <a:p>
+            <a:pPr algn="ctr"/>
+            <a:endParaRPr lang="de-AT"/>
+          </a:p>
+        </p:txBody>
+      </p:sp>
+      <p:cxnSp>
+        <p:nvCxnSpPr>
+          <p:cNvPr id="12" name="Gerade Verbindung mit Pfeil 11"/>
+          <p:cNvCxnSpPr/>
+          <p:nvPr/>
+        </p:nvCxnSpPr>
+        <p:spPr>
+          <a:xfrm>
+            <a:off x="3855308" y="3402363"/>
+            <a:ext cx="6190735" cy="0"/>
+          </a:xfrm>
+          <a:prstGeom prst="straightConnector1">
+            <a:avLst/>
+          </a:prstGeom>
+          <a:ln w="76200">
+            <a:solidFill>
+              <a:srgbClr val="C00000"/>
+            </a:solidFill>
+            <a:headEnd type="triangle"/>
+            <a:tailEnd type="triangle"/>
+          </a:ln>
+        </p:spPr>
+        <p:style>
+          <a:lnRef idx="1">
+            <a:schemeClr val="accent1"/>
+          </a:lnRef>
+          <a:fillRef idx="0">
+            <a:schemeClr val="accent1"/>
+          </a:fillRef>
+          <a:effectRef idx="0">
+            <a:schemeClr val="accent1"/>
+          </a:effectRef>
+          <a:fontRef idx="minor">
+            <a:schemeClr val="tx1"/>
+          </a:fontRef>
+        </p:style>
+      </p:cxnSp>
+      <p:sp>
+        <p:nvSpPr>
+          <p:cNvPr id="14" name="Textfeld 13"/>
+          <p:cNvSpPr txBox="1"/>
+          <p:nvPr/>
+        </p:nvSpPr>
+        <p:spPr>
+          <a:xfrm>
+            <a:off x="6435149" y="2718487"/>
+            <a:ext cx="1031051" cy="584775"/>
+          </a:xfrm>
+          <a:prstGeom prst="rect">
+            <a:avLst/>
+          </a:prstGeom>
+          <a:noFill/>
+        </p:spPr>
+        <p:txBody>
+          <a:bodyPr wrap="none" rtlCol="0">
+            <a:spAutoFit/>
+          </a:bodyPr>
+          <a:lstStyle/>
+          <a:p>
+            <a:r>
+              <a:rPr lang="de-AT" sz="3200" dirty="0">
+                <a:solidFill>
+                  <a:srgbClr val="C00000"/>
+                </a:solidFill>
+              </a:rPr>
+              <a:t>REST</a:t>
+            </a:r>
+          </a:p>
+        </p:txBody>
+      </p:sp>
+      <p:pic>
+        <p:nvPicPr>
+          <p:cNvPr id="15" name="Grafik 14"/>
+          <p:cNvPicPr>
+            <a:picLocks noChangeAspect="1"/>
+          </p:cNvPicPr>
+          <p:nvPr/>
+        </p:nvPicPr>
+        <p:blipFill>
+          <a:blip r:embed="rId3"/>
+          <a:stretch>
+            <a:fillRect/>
+          </a:stretch>
+        </p:blipFill>
+        <p:spPr>
+          <a:xfrm>
+            <a:off x="9633981" y="572134"/>
+            <a:ext cx="2438740" cy="2438740"/>
+          </a:xfrm>
+          <a:prstGeom prst="rect">
+            <a:avLst/>
+          </a:prstGeom>
+        </p:spPr>
+      </p:pic>
+      <p:pic>
+        <p:nvPicPr>
+          <p:cNvPr id="16" name="Grafik 15"/>
+          <p:cNvPicPr>
+            <a:picLocks noChangeAspect="1"/>
+          </p:cNvPicPr>
+          <p:nvPr/>
+        </p:nvPicPr>
+        <p:blipFill>
+          <a:blip r:embed="rId3"/>
+          <a:stretch>
+            <a:fillRect/>
+          </a:stretch>
+        </p:blipFill>
+        <p:spPr>
+          <a:xfrm>
+            <a:off x="9633981" y="3793854"/>
+            <a:ext cx="2438740" cy="2438740"/>
+          </a:xfrm>
+          <a:prstGeom prst="rect">
+            <a:avLst/>
+          </a:prstGeom>
+        </p:spPr>
+      </p:pic>
+    </p:spTree>
+    <p:extLst>
+      <p:ext uri="{BB962C8B-B14F-4D97-AF65-F5344CB8AC3E}">
+        <p14:creationId xmlns:p14="http://schemas.microsoft.com/office/powerpoint/2010/main" val="934137650"/>
+      </p:ext>
+    </p:extLst>
+  </p:cSld>
+  <p:clrMapOvr>
+    <a:masterClrMapping/>
+  </p:clrMapOvr>
+  <mc:AlternateContent xmlns:mc="http://schemas.openxmlformats.org/markup-compatibility/2006" xmlns:p14="http://schemas.microsoft.com/office/powerpoint/2010/main">
+    <mc:Choice Requires="p14">
+      <p:transition spd="med" p14:dur="700">
+        <p:fade/>
+      </p:transition>
+    </mc:Choice>
+    <mc:Fallback xmlns="">
+      <p:transition spd="med">
+        <p:fade/>
+      </p:transition>
+    </mc:Fallback>
+  </mc:AlternateContent>
+  <p:timing>
+    <p:tnLst>
+      <p:par>
+        <p:cTn id="1" dur="indefinite" restart="never" nodeType="tmRoot">
+          <p:childTnLst>
+            <p:seq concurrent="1" nextAc="seek">
+              <p:cTn id="2" dur="indefinite" nodeType="mainSeq">
+                <p:childTnLst>
+                  <p:par>
+                    <p:cTn id="3" fill="hold">
+                      <p:stCondLst>
+                        <p:cond delay="indefinite"/>
+                        <p:cond evt="onBegin" delay="0">
+                          <p:tn val="2"/>
+                        </p:cond>
+                      </p:stCondLst>
+                      <p:childTnLst>
+                        <p:par>
+                          <p:cTn id="4" fill="hold">
+                            <p:stCondLst>
+                              <p:cond delay="0"/>
+                            </p:stCondLst>
+                            <p:childTnLst>
+                              <p:par>
+                                <p:cTn id="5" presetID="2" presetClass="entr" presetSubtype="8" fill="hold" nodeType="afterEffect">
+                                  <p:stCondLst>
+                                    <p:cond delay="0"/>
+                                  </p:stCondLst>
+                                  <p:childTnLst>
+                                    <p:set>
+                                      <p:cBhvr>
+                                        <p:cTn id="6" dur="1" fill="hold">
+                                          <p:stCondLst>
+                                            <p:cond delay="0"/>
+                                          </p:stCondLst>
+                                        </p:cTn>
+                                        <p:tgtEl>
+                                          <p:spTgt spid="6"/>
+                                        </p:tgtEl>
+                                        <p:attrNameLst>
+                                          <p:attrName>style.visibility</p:attrName>
+                                        </p:attrNameLst>
+                                      </p:cBhvr>
+                                      <p:to>
+                                        <p:strVal val="visible"/>
+                                      </p:to>
+                                    </p:set>
+                                    <p:anim calcmode="lin" valueType="num">
+                                      <p:cBhvr additive="base">
+                                        <p:cTn id="7" dur="500" fill="hold"/>
+                                        <p:tgtEl>
+                                          <p:spTgt spid="6"/>
+                                        </p:tgtEl>
+                                        <p:attrNameLst>
+                                          <p:attrName>ppt_x</p:attrName>
+                                        </p:attrNameLst>
+                                      </p:cBhvr>
+                                      <p:tavLst>
+                                        <p:tav tm="0">
+                                          <p:val>
+                                            <p:strVal val="0-#ppt_w/2"/>
+                                          </p:val>
+                                        </p:tav>
+                                        <p:tav tm="100000">
+                                          <p:val>
+                                            <p:strVal val="#ppt_x"/>
+                                          </p:val>
+                                        </p:tav>
+                                      </p:tavLst>
+                                    </p:anim>
+                                    <p:anim calcmode="lin" valueType="num">
+                                      <p:cBhvr additive="base">
+                                        <p:cTn id="8" dur="500" fill="hold"/>
+                                        <p:tgtEl>
+                                          <p:spTgt spid="6"/>
+                                        </p:tgtEl>
+                                        <p:attrNameLst>
+                                          <p:attrName>ppt_y</p:attrName>
+                                        </p:attrNameLst>
+                                      </p:cBhvr>
+                                      <p:tavLst>
+                                        <p:tav tm="0">
+                                          <p:val>
+                                            <p:strVal val="#ppt_y"/>
+                                          </p:val>
+                                        </p:tav>
+                                        <p:tav tm="100000">
+                                          <p:val>
+                                            <p:strVal val="#ppt_y"/>
+                                          </p:val>
+                                        </p:tav>
+                                      </p:tavLst>
+                                    </p:anim>
+                                  </p:childTnLst>
+                                </p:cTn>
+                              </p:par>
+                              <p:par>
+                                <p:cTn id="9" presetID="2" presetClass="entr" presetSubtype="2" fill="hold" nodeType="withEffect">
+                                  <p:stCondLst>
+                                    <p:cond delay="250"/>
+                                  </p:stCondLst>
+                                  <p:childTnLst>
+                                    <p:set>
+                                      <p:cBhvr>
+                                        <p:cTn id="10" dur="1" fill="hold">
+                                          <p:stCondLst>
+                                            <p:cond delay="0"/>
+                                          </p:stCondLst>
+                                        </p:cTn>
+                                        <p:tgtEl>
+                                          <p:spTgt spid="9"/>
+                                        </p:tgtEl>
+                                        <p:attrNameLst>
+                                          <p:attrName>style.visibility</p:attrName>
+                                        </p:attrNameLst>
+                                      </p:cBhvr>
+                                      <p:to>
+                                        <p:strVal val="visible"/>
+                                      </p:to>
+                                    </p:set>
+                                    <p:anim calcmode="lin" valueType="num">
+                                      <p:cBhvr additive="base">
+                                        <p:cTn id="11" dur="500" fill="hold"/>
+                                        <p:tgtEl>
+                                          <p:spTgt spid="9"/>
+                                        </p:tgtEl>
+                                        <p:attrNameLst>
+                                          <p:attrName>ppt_x</p:attrName>
+                                        </p:attrNameLst>
+                                      </p:cBhvr>
+                                      <p:tavLst>
+                                        <p:tav tm="0">
+                                          <p:val>
+                                            <p:strVal val="1+#ppt_w/2"/>
+                                          </p:val>
+                                        </p:tav>
+                                        <p:tav tm="100000">
+                                          <p:val>
+                                            <p:strVal val="#ppt_x"/>
+                                          </p:val>
+                                        </p:tav>
+                                      </p:tavLst>
+                                    </p:anim>
+                                    <p:anim calcmode="lin" valueType="num">
+                                      <p:cBhvr additive="base">
+                                        <p:cTn id="12" dur="500" fill="hold"/>
+                                        <p:tgtEl>
+                                          <p:spTgt spid="9"/>
+                                        </p:tgtEl>
+                                        <p:attrNameLst>
+                                          <p:attrName>ppt_y</p:attrName>
+                                        </p:attrNameLst>
+                                      </p:cBhvr>
+                                      <p:tavLst>
+                                        <p:tav tm="0">
+                                          <p:val>
+                                            <p:strVal val="#ppt_y"/>
+                                          </p:val>
+                                        </p:tav>
+                                        <p:tav tm="100000">
+                                          <p:val>
+                                            <p:strVal val="#ppt_y"/>
+                                          </p:val>
+                                        </p:tav>
+                                      </p:tavLst>
+                                    </p:anim>
+                                  </p:childTnLst>
+                                </p:cTn>
+                              </p:par>
+                              <p:par>
+                                <p:cTn id="13" presetID="10" presetClass="entr" presetSubtype="0" fill="hold" grpId="0" nodeType="withEffect">
+                                  <p:stCondLst>
+                                    <p:cond delay="250"/>
+                                  </p:stCondLst>
+                                  <p:childTnLst>
+                                    <p:set>
+                                      <p:cBhvr>
+                                        <p:cTn id="14" dur="1" fill="hold">
+                                          <p:stCondLst>
+                                            <p:cond delay="0"/>
+                                          </p:stCondLst>
+                                        </p:cTn>
+                                        <p:tgtEl>
+                                          <p:spTgt spid="10"/>
+                                        </p:tgtEl>
+                                        <p:attrNameLst>
+                                          <p:attrName>style.visibility</p:attrName>
+                                        </p:attrNameLst>
+                                      </p:cBhvr>
+                                      <p:to>
+                                        <p:strVal val="visible"/>
+                                      </p:to>
+                                    </p:set>
+                                    <p:animEffect transition="in" filter="fade">
+                                      <p:cBhvr>
+                                        <p:cTn id="15" dur="500"/>
+                                        <p:tgtEl>
+                                          <p:spTgt spid="10"/>
+                                        </p:tgtEl>
+                                      </p:cBhvr>
+                                    </p:animEffect>
+                                  </p:childTnLst>
+                                </p:cTn>
+                              </p:par>
+                            </p:childTnLst>
+                          </p:cTn>
+                        </p:par>
+                        <p:par>
+                          <p:cTn id="16" fill="hold">
+                            <p:stCondLst>
+                              <p:cond delay="750"/>
+                            </p:stCondLst>
+                            <p:childTnLst>
+                              <p:par>
+                                <p:cTn id="17" presetID="42" presetClass="entr" presetSubtype="0" fill="hold" nodeType="afterEffect">
+                                  <p:stCondLst>
+                                    <p:cond delay="0"/>
+                                  </p:stCondLst>
+                                  <p:childTnLst>
+                                    <p:set>
+                                      <p:cBhvr>
+                                        <p:cTn id="18" dur="1" fill="hold">
+                                          <p:stCondLst>
+                                            <p:cond delay="0"/>
+                                          </p:stCondLst>
+                                        </p:cTn>
+                                        <p:tgtEl>
+                                          <p:spTgt spid="12"/>
+                                        </p:tgtEl>
+                                        <p:attrNameLst>
+                                          <p:attrName>style.visibility</p:attrName>
+                                        </p:attrNameLst>
+                                      </p:cBhvr>
+                                      <p:to>
+                                        <p:strVal val="visible"/>
+                                      </p:to>
+                                    </p:set>
+                                    <p:animEffect transition="in" filter="fade">
+                                      <p:cBhvr>
+                                        <p:cTn id="19" dur="1000"/>
+                                        <p:tgtEl>
+                                          <p:spTgt spid="12"/>
+                                        </p:tgtEl>
+                                      </p:cBhvr>
+                                    </p:animEffect>
+                                    <p:anim calcmode="lin" valueType="num">
+                                      <p:cBhvr>
+                                        <p:cTn id="20" dur="1000" fill="hold"/>
+                                        <p:tgtEl>
+                                          <p:spTgt spid="12"/>
+                                        </p:tgtEl>
+                                        <p:attrNameLst>
+                                          <p:attrName>ppt_x</p:attrName>
+                                        </p:attrNameLst>
+                                      </p:cBhvr>
+                                      <p:tavLst>
+                                        <p:tav tm="0">
+                                          <p:val>
+                                            <p:strVal val="#ppt_x"/>
+                                          </p:val>
+                                        </p:tav>
+                                        <p:tav tm="100000">
+                                          <p:val>
+                                            <p:strVal val="#ppt_x"/>
+                                          </p:val>
+                                        </p:tav>
+                                      </p:tavLst>
+                                    </p:anim>
+                                    <p:anim calcmode="lin" valueType="num">
+                                      <p:cBhvr>
+                                        <p:cTn id="21" dur="1000" fill="hold"/>
+                                        <p:tgtEl>
+                                          <p:spTgt spid="12"/>
+                                        </p:tgtEl>
+                                        <p:attrNameLst>
+                                          <p:attrName>ppt_y</p:attrName>
+                                        </p:attrNameLst>
+                                      </p:cBhvr>
+                                      <p:tavLst>
+                                        <p:tav tm="0">
+                                          <p:val>
+                                            <p:strVal val="#ppt_y+.1"/>
+                                          </p:val>
+                                        </p:tav>
+                                        <p:tav tm="100000">
+                                          <p:val>
+                                            <p:strVal val="#ppt_y"/>
+                                          </p:val>
+                                        </p:tav>
+                                      </p:tavLst>
+                                    </p:anim>
+                                  </p:childTnLst>
+                                </p:cTn>
+                              </p:par>
+                              <p:par>
+                                <p:cTn id="22" presetID="42" presetClass="entr" presetSubtype="0" fill="hold" grpId="0" nodeType="withEffect">
+                                  <p:stCondLst>
+                                    <p:cond delay="0"/>
+                                  </p:stCondLst>
+                                  <p:childTnLst>
+                                    <p:set>
+                                      <p:cBhvr>
+                                        <p:cTn id="23" dur="1" fill="hold">
+                                          <p:stCondLst>
+                                            <p:cond delay="0"/>
+                                          </p:stCondLst>
+                                        </p:cTn>
+                                        <p:tgtEl>
+                                          <p:spTgt spid="14"/>
+                                        </p:tgtEl>
+                                        <p:attrNameLst>
+                                          <p:attrName>style.visibility</p:attrName>
+                                        </p:attrNameLst>
+                                      </p:cBhvr>
+                                      <p:to>
+                                        <p:strVal val="visible"/>
+                                      </p:to>
+                                    </p:set>
+                                    <p:animEffect transition="in" filter="fade">
+                                      <p:cBhvr>
+                                        <p:cTn id="24" dur="1000"/>
+                                        <p:tgtEl>
+                                          <p:spTgt spid="14"/>
+                                        </p:tgtEl>
+                                      </p:cBhvr>
+                                    </p:animEffect>
+                                    <p:anim calcmode="lin" valueType="num">
+                                      <p:cBhvr>
+                                        <p:cTn id="25" dur="1000" fill="hold"/>
+                                        <p:tgtEl>
+                                          <p:spTgt spid="14"/>
+                                        </p:tgtEl>
+                                        <p:attrNameLst>
+                                          <p:attrName>ppt_x</p:attrName>
+                                        </p:attrNameLst>
+                                      </p:cBhvr>
+                                      <p:tavLst>
+                                        <p:tav tm="0">
+                                          <p:val>
+                                            <p:strVal val="#ppt_x"/>
+                                          </p:val>
+                                        </p:tav>
+                                        <p:tav tm="100000">
+                                          <p:val>
+                                            <p:strVal val="#ppt_x"/>
+                                          </p:val>
+                                        </p:tav>
+                                      </p:tavLst>
+                                    </p:anim>
+                                    <p:anim calcmode="lin" valueType="num">
+                                      <p:cBhvr>
+                                        <p:cTn id="26" dur="1000" fill="hold"/>
+                                        <p:tgtEl>
+                                          <p:spTgt spid="14"/>
+                                        </p:tgtEl>
+                                        <p:attrNameLst>
+                                          <p:attrName>ppt_y</p:attrName>
+                                        </p:attrNameLst>
+                                      </p:cBhvr>
+                                      <p:tavLst>
+                                        <p:tav tm="0">
+                                          <p:val>
+                                            <p:strVal val="#ppt_y+.1"/>
+                                          </p:val>
+                                        </p:tav>
+                                        <p:tav tm="100000">
+                                          <p:val>
+                                            <p:strVal val="#ppt_y"/>
+                                          </p:val>
+                                        </p:tav>
+                                      </p:tavLst>
+                                    </p:anim>
+                                  </p:childTnLst>
+                                </p:cTn>
+                              </p:par>
+                            </p:childTnLst>
+                          </p:cTn>
+                        </p:par>
+                      </p:childTnLst>
+                    </p:cTn>
+                  </p:par>
+                  <p:par>
+                    <p:cTn id="27" fill="hold">
+                      <p:stCondLst>
+                        <p:cond delay="indefinite"/>
+                      </p:stCondLst>
+                      <p:childTnLst>
+                        <p:par>
+                          <p:cTn id="28" fill="hold">
+                            <p:stCondLst>
+                              <p:cond delay="0"/>
+                            </p:stCondLst>
+                            <p:childTnLst>
+                              <p:par>
+                                <p:cTn id="29" presetID="2" presetClass="entr" presetSubtype="2" fill="hold" nodeType="clickEffect">
+                                  <p:stCondLst>
+                                    <p:cond delay="0"/>
+                                  </p:stCondLst>
+                                  <p:childTnLst>
+                                    <p:set>
+                                      <p:cBhvr>
+                                        <p:cTn id="30" dur="1" fill="hold">
+                                          <p:stCondLst>
+                                            <p:cond delay="0"/>
+                                          </p:stCondLst>
+                                        </p:cTn>
+                                        <p:tgtEl>
+                                          <p:spTgt spid="16"/>
+                                        </p:tgtEl>
+                                        <p:attrNameLst>
+                                          <p:attrName>style.visibility</p:attrName>
+                                        </p:attrNameLst>
+                                      </p:cBhvr>
+                                      <p:to>
+                                        <p:strVal val="visible"/>
+                                      </p:to>
+                                    </p:set>
+                                    <p:anim calcmode="lin" valueType="num">
+                                      <p:cBhvr additive="base">
+                                        <p:cTn id="31" dur="500" fill="hold"/>
+                                        <p:tgtEl>
+                                          <p:spTgt spid="16"/>
+                                        </p:tgtEl>
+                                        <p:attrNameLst>
+                                          <p:attrName>ppt_x</p:attrName>
+                                        </p:attrNameLst>
+                                      </p:cBhvr>
+                                      <p:tavLst>
+                                        <p:tav tm="0">
+                                          <p:val>
+                                            <p:strVal val="1+#ppt_w/2"/>
+                                          </p:val>
+                                        </p:tav>
+                                        <p:tav tm="100000">
+                                          <p:val>
+                                            <p:strVal val="#ppt_x"/>
+                                          </p:val>
+                                        </p:tav>
+                                      </p:tavLst>
+                                    </p:anim>
+                                    <p:anim calcmode="lin" valueType="num">
+                                      <p:cBhvr additive="base">
+                                        <p:cTn id="32" dur="500" fill="hold"/>
+                                        <p:tgtEl>
+                                          <p:spTgt spid="16"/>
+                                        </p:tgtEl>
+                                        <p:attrNameLst>
+                                          <p:attrName>ppt_y</p:attrName>
+                                        </p:attrNameLst>
+                                      </p:cBhvr>
+                                      <p:tavLst>
+                                        <p:tav tm="0">
+                                          <p:val>
+                                            <p:strVal val="#ppt_y"/>
+                                          </p:val>
+                                        </p:tav>
+                                        <p:tav tm="100000">
+                                          <p:val>
+                                            <p:strVal val="#ppt_y"/>
+                                          </p:val>
+                                        </p:tav>
+                                      </p:tavLst>
+                                    </p:anim>
+                                  </p:childTnLst>
+                                </p:cTn>
+                              </p:par>
+                              <p:par>
+                                <p:cTn id="33" presetID="2" presetClass="entr" presetSubtype="2" fill="hold" nodeType="withEffect">
+                                  <p:stCondLst>
+                                    <p:cond delay="0"/>
+                                  </p:stCondLst>
+                                  <p:childTnLst>
+                                    <p:set>
+                                      <p:cBhvr>
+                                        <p:cTn id="34" dur="1" fill="hold">
+                                          <p:stCondLst>
+                                            <p:cond delay="0"/>
+                                          </p:stCondLst>
+                                        </p:cTn>
+                                        <p:tgtEl>
+                                          <p:spTgt spid="15"/>
+                                        </p:tgtEl>
+                                        <p:attrNameLst>
+                                          <p:attrName>style.visibility</p:attrName>
+                                        </p:attrNameLst>
+                                      </p:cBhvr>
+                                      <p:to>
+                                        <p:strVal val="visible"/>
+                                      </p:to>
+                                    </p:set>
+                                    <p:anim calcmode="lin" valueType="num">
+                                      <p:cBhvr additive="base">
+                                        <p:cTn id="35" dur="500" fill="hold"/>
+                                        <p:tgtEl>
+                                          <p:spTgt spid="15"/>
+                                        </p:tgtEl>
+                                        <p:attrNameLst>
+                                          <p:attrName>ppt_x</p:attrName>
+                                        </p:attrNameLst>
+                                      </p:cBhvr>
+                                      <p:tavLst>
+                                        <p:tav tm="0">
+                                          <p:val>
+                                            <p:strVal val="1+#ppt_w/2"/>
+                                          </p:val>
+                                        </p:tav>
+                                        <p:tav tm="100000">
+                                          <p:val>
+                                            <p:strVal val="#ppt_x"/>
+                                          </p:val>
+                                        </p:tav>
+                                      </p:tavLst>
+                                    </p:anim>
+                                    <p:anim calcmode="lin" valueType="num">
+                                      <p:cBhvr additive="base">
+                                        <p:cTn id="36" dur="500" fill="hold"/>
+                                        <p:tgtEl>
+                                          <p:spTgt spid="15"/>
+                                        </p:tgtEl>
+                                        <p:attrNameLst>
+                                          <p:attrName>ppt_y</p:attrName>
+                                        </p:attrNameLst>
+                                      </p:cBhvr>
+                                      <p:tavLst>
+                                        <p:tav tm="0">
+                                          <p:val>
+                                            <p:strVal val="#ppt_y"/>
+                                          </p:val>
+                                        </p:tav>
+                                        <p:tav tm="100000">
+                                          <p:val>
+                                            <p:strVal val="#ppt_y"/>
+                                          </p:val>
+                                        </p:tav>
+                                      </p:tavLst>
+                                    </p:anim>
+                                  </p:childTnLst>
+                                </p:cTn>
+                              </p:par>
+                            </p:childTnLst>
+                          </p:cTn>
+                        </p:par>
+                      </p:childTnLst>
+                    </p:cTn>
+                  </p:par>
+                </p:childTnLst>
+              </p:cTn>
+              <p:prevCondLst>
+                <p:cond evt="onPrev" delay="0">
+                  <p:tgtEl>
+                    <p:sldTgt/>
+                  </p:tgtEl>
+                </p:cond>
+              </p:prevCondLst>
+              <p:nextCondLst>
+                <p:cond evt="onNext" delay="0">
+                  <p:tgtEl>
+                    <p:sldTgt/>
+                  </p:tgtEl>
+                </p:cond>
+              </p:nextCondLst>
+            </p:seq>
+          </p:childTnLst>
+        </p:cTn>
+      </p:par>
+    </p:tnLst>
+    <p:bldLst>
+      <p:bldP spid="10" grpId="0" animBg="1"/>
+      <p:bldP spid="14" grpId="0"/>
+    </p:bldLst>
+  </p:timing>
+</p:sld>
+</file>
+
+<file path=ppt/slides/slide7.xml><?xml version="1.0" encoding="utf-8"?>
+<p:sld xmlns:a="http://schemas.openxmlformats.org/drawingml/2006/main" xmlns:r="http://schemas.openxmlformats.org/officeDocument/2006/relationships" xmlns:p="http://schemas.openxmlformats.org/presentationml/2006/main">
+  <p:cSld>
+    <p:spTree>
+      <p:nvGrpSpPr>
+        <p:cNvPr id="1" name=""/>
+        <p:cNvGrpSpPr/>
+        <p:nvPr/>
+      </p:nvGrpSpPr>
+      <p:grpSpPr>
+        <a:xfrm>
+          <a:off x="0" y="0"/>
+          <a:ext cx="0" cy="0"/>
+          <a:chOff x="0" y="0"/>
+          <a:chExt cx="0" cy="0"/>
+        </a:xfrm>
+      </p:grpSpPr>
+      <p:sp>
+        <p:nvSpPr>
+          <p:cNvPr id="2" name="Titel 1"/>
+          <p:cNvSpPr>
+            <a:spLocks noGrp="1"/>
+          </p:cNvSpPr>
+          <p:nvPr>
+            <p:ph type="title"/>
+          </p:nvPr>
+        </p:nvSpPr>
+        <p:spPr/>
+        <p:txBody>
+          <a:bodyPr/>
+          <a:lstStyle/>
+          <a:p>
+            <a:r>
+              <a:rPr lang="de-AT" dirty="0"/>
+              <a:t>Bot Directory</a:t>
+            </a:r>
+          </a:p>
+        </p:txBody>
+      </p:sp>
+      <p:sp>
+        <p:nvSpPr>
+          <p:cNvPr id="3" name="Inhaltsplatzhalter 2"/>
+          <p:cNvSpPr>
+            <a:spLocks noGrp="1"/>
+          </p:cNvSpPr>
+          <p:nvPr>
+            <p:ph idx="1"/>
+          </p:nvPr>
+        </p:nvSpPr>
+        <p:spPr>
+          <a:xfrm>
+            <a:off x="838200" y="1825625"/>
+            <a:ext cx="5328424" cy="4351338"/>
+          </a:xfrm>
+        </p:spPr>
+        <p:txBody>
+          <a:bodyPr/>
+          <a:lstStyle/>
+          <a:p>
+            <a:r>
+              <a:rPr lang="de-AT" dirty="0"/>
+              <a:t>Registrierung unter</a:t>
+            </a:r>
+            <a:br>
+              <a:rPr lang="de-AT" dirty="0"/>
+            </a:br>
+            <a:r>
+              <a:rPr lang="de-AT" dirty="0">
+                <a:hlinkClick r:id="rId2"/>
+              </a:rPr>
+              <a:t>http://dev.botframework.com</a:t>
+            </a:r>
+            <a:endParaRPr lang="de-AT" dirty="0"/>
+          </a:p>
+          <a:p>
+            <a:r>
+              <a:rPr lang="de-AT" dirty="0"/>
+              <a:t>Endpunkt-Adresse</a:t>
+            </a:r>
+          </a:p>
+          <a:p>
+            <a:r>
+              <a:rPr lang="de-AT" dirty="0"/>
+              <a:t>Möglichkeit zur Veröffentlichung im Bot Directory</a:t>
+            </a:r>
+          </a:p>
+          <a:p>
+            <a:endParaRPr lang="de-AT" dirty="0"/>
+          </a:p>
+        </p:txBody>
+      </p:sp>
+      <p:pic>
+        <p:nvPicPr>
+          <p:cNvPr id="6" name="Grafik 5"/>
+          <p:cNvPicPr>
+            <a:picLocks noChangeAspect="1"/>
+          </p:cNvPicPr>
+          <p:nvPr/>
+        </p:nvPicPr>
+        <p:blipFill>
+          <a:blip r:embed="rId3">
+            <a:extLst>
+              <a:ext uri="{28A0092B-C50C-407E-A947-70E740481C1C}">
+                <a14:useLocalDpi xmlns:a14="http://schemas.microsoft.com/office/drawing/2010/main" val="0"/>
+              </a:ext>
+            </a:extLst>
+          </a:blip>
+          <a:stretch>
+            <a:fillRect/>
+          </a:stretch>
+        </p:blipFill>
+        <p:spPr>
+          <a:xfrm>
+            <a:off x="6393121" y="1825625"/>
+            <a:ext cx="5798879" cy="4828478"/>
+          </a:xfrm>
+          <a:prstGeom prst="rect">
+            <a:avLst/>
+          </a:prstGeom>
+        </p:spPr>
+      </p:pic>
+    </p:spTree>
+    <p:extLst>
+      <p:ext uri="{BB962C8B-B14F-4D97-AF65-F5344CB8AC3E}">
+        <p14:creationId xmlns:p14="http://schemas.microsoft.com/office/powerpoint/2010/main" val="3207087208"/>
+      </p:ext>
+    </p:extLst>
+  </p:cSld>
+  <p:clrMapOvr>
+    <a:masterClrMapping/>
+  </p:clrMapOvr>
+  <mc:AlternateContent xmlns:mc="http://schemas.openxmlformats.org/markup-compatibility/2006" xmlns:p14="http://schemas.microsoft.com/office/powerpoint/2010/main">
+    <mc:Choice Requires="p14">
+      <p:transition spd="med" p14:dur="700">
+        <p:fade/>
+      </p:transition>
+    </mc:Choice>
+    <mc:Fallback xmlns="">
+      <p:transition spd="med">
+        <p:fade/>
+      </p:transition>
+    </mc:Fallback>
+  </mc:AlternateContent>
+</p:sld>
+</file>
+
+<file path=ppt/slides/slide8.xml><?xml version="1.0" encoding="utf-8"?>
+<p:sld xmlns:a="http://schemas.openxmlformats.org/drawingml/2006/main" xmlns:r="http://schemas.openxmlformats.org/officeDocument/2006/relationships" xmlns:p="http://schemas.openxmlformats.org/presentationml/2006/main">
+  <p:cSld>
+    <p:spTree>
+      <p:nvGrpSpPr>
+        <p:cNvPr id="1" name=""/>
+        <p:cNvGrpSpPr/>
+        <p:nvPr/>
+      </p:nvGrpSpPr>
+      <p:grpSpPr>
+        <a:xfrm>
+          <a:off x="0" y="0"/>
+          <a:ext cx="0" cy="0"/>
+          <a:chOff x="0" y="0"/>
+          <a:chExt cx="0" cy="0"/>
+        </a:xfrm>
+      </p:grpSpPr>
+      <p:sp>
+        <p:nvSpPr>
+          <p:cNvPr id="2" name="Titel 1"/>
+          <p:cNvSpPr>
+            <a:spLocks noGrp="1"/>
+          </p:cNvSpPr>
+          <p:nvPr>
+            <p:ph type="title"/>
+          </p:nvPr>
+        </p:nvSpPr>
+        <p:spPr/>
+        <p:txBody>
+          <a:bodyPr/>
+          <a:lstStyle/>
+          <a:p>
+            <a:r>
+              <a:rPr lang="de-AT" dirty="0"/>
+              <a:t>Channels</a:t>
+            </a:r>
+          </a:p>
+        </p:txBody>
+      </p:sp>
+      <p:pic>
+        <p:nvPicPr>
+          <p:cNvPr id="14" name="Grafik 13"/>
+          <p:cNvPicPr>
+            <a:picLocks noChangeAspect="1"/>
+          </p:cNvPicPr>
+          <p:nvPr/>
+        </p:nvPicPr>
+        <p:blipFill>
+          <a:blip r:embed="rId2">
+            <a:extLst>
+              <a:ext uri="{28A0092B-C50C-407E-A947-70E740481C1C}">
+                <a14:useLocalDpi xmlns:a14="http://schemas.microsoft.com/office/drawing/2010/main" val="0"/>
+              </a:ext>
+            </a:extLst>
+          </a:blip>
+          <a:stretch>
+            <a:fillRect/>
+          </a:stretch>
+        </p:blipFill>
+        <p:spPr>
+          <a:xfrm>
+            <a:off x="7842810" y="160866"/>
+            <a:ext cx="4000000" cy="6603174"/>
+          </a:xfrm>
+          <a:prstGeom prst="rect">
+            <a:avLst/>
+          </a:prstGeom>
+        </p:spPr>
+      </p:pic>
+      <p:pic>
+        <p:nvPicPr>
+          <p:cNvPr id="15" name="Grafik 14"/>
+          <p:cNvPicPr>
+            <a:picLocks noChangeAspect="1"/>
+          </p:cNvPicPr>
+          <p:nvPr/>
+        </p:nvPicPr>
+        <p:blipFill>
+          <a:blip r:embed="rId3">
+            <a:extLst>
+              <a:ext uri="{28A0092B-C50C-407E-A947-70E740481C1C}">
+                <a14:useLocalDpi xmlns:a14="http://schemas.microsoft.com/office/drawing/2010/main" val="0"/>
+              </a:ext>
+            </a:extLst>
+          </a:blip>
+          <a:stretch>
+            <a:fillRect/>
+          </a:stretch>
+        </p:blipFill>
+        <p:spPr>
+          <a:xfrm>
+            <a:off x="7471510" y="33453"/>
+            <a:ext cx="7764579" cy="6858000"/>
+          </a:xfrm>
+          <a:prstGeom prst="rect">
+            <a:avLst/>
+          </a:prstGeom>
+        </p:spPr>
+      </p:pic>
+      <p:pic>
+        <p:nvPicPr>
+          <p:cNvPr id="9" name="Grafik 8">
+            <a:extLst>
+              <a:ext uri="{FF2B5EF4-FFF2-40B4-BE49-F238E27FC236}">
+                <a16:creationId xmlns:a16="http://schemas.microsoft.com/office/drawing/2014/main" id="{A2335BC0-C1AC-40E3-80E2-F7F681706C67}"/>
+              </a:ext>
+            </a:extLst>
+          </p:cNvPr>
+          <p:cNvPicPr>
+            <a:picLocks noChangeAspect="1"/>
+          </p:cNvPicPr>
+          <p:nvPr/>
+        </p:nvPicPr>
+        <p:blipFill>
+          <a:blip r:embed="rId4"/>
+          <a:stretch>
+            <a:fillRect/>
+          </a:stretch>
+        </p:blipFill>
+        <p:spPr>
+          <a:xfrm>
+            <a:off x="838200" y="1458412"/>
+            <a:ext cx="6063986" cy="4634973"/>
+          </a:xfrm>
+          <a:prstGeom prst="rect">
+            <a:avLst/>
+          </a:prstGeom>
+        </p:spPr>
+      </p:pic>
+      <p:sp>
+        <p:nvSpPr>
+          <p:cNvPr id="13" name="Textfeld 12">
+            <a:extLst>
+              <a:ext uri="{FF2B5EF4-FFF2-40B4-BE49-F238E27FC236}">
+                <a16:creationId xmlns:a16="http://schemas.microsoft.com/office/drawing/2014/main" id="{8BDCE6FF-AA1B-42C0-B750-369AA96BB447}"/>
+              </a:ext>
+            </a:extLst>
+          </p:cNvPr>
+          <p:cNvSpPr txBox="1"/>
+          <p:nvPr/>
+        </p:nvSpPr>
+        <p:spPr>
+          <a:xfrm>
+            <a:off x="882650" y="6318250"/>
+            <a:ext cx="1939313" cy="369332"/>
+          </a:xfrm>
+          <a:prstGeom prst="rect">
+            <a:avLst/>
+          </a:prstGeom>
+          <a:noFill/>
+        </p:spPr>
+        <p:txBody>
+          <a:bodyPr wrap="none" rtlCol="0">
+            <a:spAutoFit/>
+          </a:bodyPr>
+          <a:lstStyle/>
+          <a:p>
+            <a:r>
+              <a:rPr lang="de-DE">
+                <a:hlinkClick r:id="rId5"/>
+              </a:rPr>
+              <a:t>Channel Inspector</a:t>
+            </a:r>
+            <a:r>
+              <a:rPr lang="de-DE"/>
+              <a:t> </a:t>
+            </a:r>
+            <a:endParaRPr lang="de-DE" dirty="0"/>
+          </a:p>
+        </p:txBody>
+      </p:sp>
+    </p:spTree>
+    <p:extLst>
+      <p:ext uri="{BB962C8B-B14F-4D97-AF65-F5344CB8AC3E}">
+        <p14:creationId xmlns:p14="http://schemas.microsoft.com/office/powerpoint/2010/main" val="2965828358"/>
+      </p:ext>
+    </p:extLst>
+  </p:cSld>
+  <p:clrMapOvr>
+    <a:masterClrMapping/>
+  </p:clrMapOvr>
+  <mc:AlternateContent xmlns:mc="http://schemas.openxmlformats.org/markup-compatibility/2006" xmlns:p14="http://schemas.microsoft.com/office/powerpoint/2010/main">
+    <mc:Choice Requires="p14">
+      <p:transition spd="med" p14:dur="700">
+        <p:fade/>
+      </p:transition>
+    </mc:Choice>
+    <mc:Fallback xmlns="">
+      <p:transition spd="med">
+        <p:fade/>
+      </p:transition>
+    </mc:Fallback>
+  </mc:AlternateContent>
+  <p:timing>
+    <p:tnLst>
+      <p:par>
+        <p:cTn id="1" dur="indefinite" restart="never" nodeType="tmRoot">
+          <p:childTnLst>
+            <p:seq concurrent="1" nextAc="seek">
+              <p:cTn id="2" dur="indefinite" nodeType="mainSeq">
+                <p:childTnLst>
+                  <p:par>
+                    <p:cTn id="3" fill="hold">
+                      <p:stCondLst>
+                        <p:cond delay="indefinite"/>
+                      </p:stCondLst>
+                      <p:childTnLst>
+                        <p:par>
+                          <p:cTn id="4" fill="hold">
+                            <p:stCondLst>
+                              <p:cond delay="0"/>
+                            </p:stCondLst>
+                            <p:childTnLst>
+                              <p:par>
+                                <p:cTn id="5" presetID="10" presetClass="entr" presetSubtype="0" fill="hold" nodeType="clickEffect">
+                                  <p:stCondLst>
+                                    <p:cond delay="0"/>
+                                  </p:stCondLst>
+                                  <p:childTnLst>
+                                    <p:set>
+                                      <p:cBhvr>
+                                        <p:cTn id="6" dur="1" fill="hold">
+                                          <p:stCondLst>
+                                            <p:cond delay="0"/>
+                                          </p:stCondLst>
+                                        </p:cTn>
+                                        <p:tgtEl>
+                                          <p:spTgt spid="14"/>
+                                        </p:tgtEl>
+                                        <p:attrNameLst>
+                                          <p:attrName>style.visibility</p:attrName>
+                                        </p:attrNameLst>
+                                      </p:cBhvr>
+                                      <p:to>
+                                        <p:strVal val="visible"/>
+                                      </p:to>
+                                    </p:set>
+                                    <p:animEffect transition="in" filter="fade">
+                                      <p:cBhvr>
+                                        <p:cTn id="7" dur="500"/>
+                                        <p:tgtEl>
+                                          <p:spTgt spid="14"/>
+                                        </p:tgtEl>
+                                      </p:cBhvr>
+                                    </p:animEffect>
+                                  </p:childTnLst>
+                                </p:cTn>
+                              </p:par>
+                            </p:childTnLst>
+                          </p:cTn>
+                        </p:par>
+                      </p:childTnLst>
+                    </p:cTn>
+                  </p:par>
+                  <p:par>
+                    <p:cTn id="8" fill="hold">
+                      <p:stCondLst>
+                        <p:cond delay="indefinite"/>
+                      </p:stCondLst>
+                      <p:childTnLst>
+                        <p:par>
+                          <p:cTn id="9" fill="hold">
+                            <p:stCondLst>
+                              <p:cond delay="0"/>
+                            </p:stCondLst>
+                            <p:childTnLst>
+                              <p:par>
+                                <p:cTn id="10" presetID="10" presetClass="entr" presetSubtype="0" fill="hold" nodeType="clickEffect">
+                                  <p:stCondLst>
+                                    <p:cond delay="0"/>
+                                  </p:stCondLst>
+                                  <p:childTnLst>
+                                    <p:set>
+                                      <p:cBhvr>
+                                        <p:cTn id="11" dur="1" fill="hold">
+                                          <p:stCondLst>
+                                            <p:cond delay="0"/>
+                                          </p:stCondLst>
+                                        </p:cTn>
+                                        <p:tgtEl>
+                                          <p:spTgt spid="15"/>
+                                        </p:tgtEl>
+                                        <p:attrNameLst>
+                                          <p:attrName>style.visibility</p:attrName>
+                                        </p:attrNameLst>
+                                      </p:cBhvr>
+                                      <p:to>
+                                        <p:strVal val="visible"/>
+                                      </p:to>
+                                    </p:set>
+                                    <p:animEffect transition="in" filter="fade">
+                                      <p:cBhvr>
+                                        <p:cTn id="12" dur="500"/>
+                                        <p:tgtEl>
+                                          <p:spTgt spid="15"/>
+                                        </p:tgtEl>
+                                      </p:cBhvr>
+                                    </p:animEffect>
+                                  </p:childTnLst>
+                                </p:cTn>
+                              </p:par>
+                            </p:childTnLst>
+                          </p:cTn>
+                        </p:par>
+                      </p:childTnLst>
+                    </p:cTn>
+                  </p:par>
+                </p:childTnLst>
+              </p:cTn>
+              <p:prevCondLst>
+                <p:cond evt="onPrev" delay="0">
+                  <p:tgtEl>
+                    <p:sldTgt/>
+                  </p:tgtEl>
+                </p:cond>
+              </p:prevCondLst>
+              <p:nextCondLst>
+                <p:cond evt="onNext" delay="0">
+                  <p:tgtEl>
+                    <p:sldTgt/>
+                  </p:tgtEl>
+                </p:cond>
+              </p:nextCondLst>
+            </p:seq>
+          </p:childTnLst>
+        </p:cTn>
+      </p:par>
+    </p:tnLst>
+  </p:timing>
+</p:sld>
+</file>
+
+<file path=ppt/slides/slide9.xml><?xml version="1.0" encoding="utf-8"?>
+<p:sld xmlns:a="http://schemas.openxmlformats.org/drawingml/2006/main" xmlns:r="http://schemas.openxmlformats.org/officeDocument/2006/relationships" xmlns:p="http://schemas.openxmlformats.org/presentationml/2006/main">
+  <p:cSld>
+    <p:spTree>
+      <p:nvGrpSpPr>
+        <p:cNvPr id="1" name=""/>
+        <p:cNvGrpSpPr/>
+        <p:nvPr/>
+      </p:nvGrpSpPr>
+      <p:grpSpPr>
+        <a:xfrm>
+          <a:off x="0" y="0"/>
+          <a:ext cx="0" cy="0"/>
+          <a:chOff x="0" y="0"/>
+          <a:chExt cx="0" cy="0"/>
+        </a:xfrm>
+      </p:grpSpPr>
+      <p:sp>
+        <p:nvSpPr>
+          <p:cNvPr id="2" name="Titel 1"/>
+          <p:cNvSpPr>
+            <a:spLocks noGrp="1"/>
+          </p:cNvSpPr>
+          <p:nvPr>
+            <p:ph type="title"/>
+          </p:nvPr>
+        </p:nvSpPr>
+        <p:spPr/>
+        <p:txBody>
+          <a:bodyPr/>
+          <a:lstStyle/>
+          <a:p>
+            <a:r>
+              <a:rPr lang="de-AT" dirty="0" err="1"/>
+              <a:t>Cognitive</a:t>
+            </a:r>
+            <a:r>
+              <a:rPr lang="de-AT" dirty="0"/>
+              <a:t> Services</a:t>
+            </a:r>
+          </a:p>
+        </p:txBody>
+      </p:sp>
+      <p:sp>
+        <p:nvSpPr>
+          <p:cNvPr id="3" name="Inhaltsplatzhalter 2"/>
+          <p:cNvSpPr>
+            <a:spLocks noGrp="1"/>
+          </p:cNvSpPr>
+          <p:nvPr>
+            <p:ph idx="1"/>
+          </p:nvPr>
+        </p:nvSpPr>
+        <p:spPr/>
+        <p:txBody>
+          <a:bodyPr/>
+          <a:lstStyle/>
+          <a:p>
+            <a:endParaRPr lang="de-AT"/>
+          </a:p>
+        </p:txBody>
+      </p:sp>
+      <p:pic>
+        <p:nvPicPr>
+          <p:cNvPr id="4" name="Grafik 3"/>
+          <p:cNvPicPr>
+            <a:picLocks noChangeAspect="1"/>
+          </p:cNvPicPr>
+          <p:nvPr/>
+        </p:nvPicPr>
+        <p:blipFill>
+          <a:blip r:embed="rId2"/>
+          <a:stretch>
+            <a:fillRect/>
+          </a:stretch>
+        </p:blipFill>
+        <p:spPr>
+          <a:xfrm>
+            <a:off x="0" y="1666625"/>
+            <a:ext cx="12192000" cy="6115110"/>
+          </a:xfrm>
+          <a:prstGeom prst="rect">
+            <a:avLst/>
+          </a:prstGeom>
+        </p:spPr>
+      </p:pic>
+    </p:spTree>
+    <p:extLst>
+      <p:ext uri="{BB962C8B-B14F-4D97-AF65-F5344CB8AC3E}">
+        <p14:creationId xmlns:p14="http://schemas.microsoft.com/office/powerpoint/2010/main" val="2400238340"/>
+      </p:ext>
+    </p:extLst>
+  </p:cSld>
+  <p:clrMapOvr>
+    <a:masterClrMapping/>
+  </p:clrMapOvr>
+  <mc:AlternateContent xmlns:mc="http://schemas.openxmlformats.org/markup-compatibility/2006" xmlns:p14="http://schemas.microsoft.com/office/powerpoint/2010/main">
+    <mc:Choice Requires="p14">
+      <p:transition spd="med" p14:dur="700">
+        <p:fade/>
+      </p:transition>
+    </mc:Choice>
+    <mc:Fallback xmlns="">
+      <p:transition spd="med">
+        <p:fade/>
+      </p:transition>
+    </mc:Fallback>
+  </mc:AlternateContent>
 </p:sld>
 </file>
 
